--- a/Elderly Care Management System(ECMS) Presentation.pptx
+++ b/Elderly Care Management System(ECMS) Presentation.pptx
@@ -4,16 +4,21 @@
   <p:sldMasterIdLst>
     <p:sldMasterId id="2147483678" r:id="rId1"/>
   </p:sldMasterIdLst>
+  <p:notesMasterIdLst>
+    <p:notesMasterId r:id="rId13"/>
+  </p:notesMasterIdLst>
   <p:sldIdLst>
     <p:sldId id="256" r:id="rId2"/>
     <p:sldId id="261" r:id="rId3"/>
     <p:sldId id="260" r:id="rId4"/>
     <p:sldId id="265" r:id="rId5"/>
-    <p:sldId id="268" r:id="rId6"/>
-    <p:sldId id="266" r:id="rId7"/>
-    <p:sldId id="267" r:id="rId8"/>
-    <p:sldId id="264" r:id="rId9"/>
+    <p:sldId id="271" r:id="rId6"/>
+    <p:sldId id="268" r:id="rId7"/>
+    <p:sldId id="266" r:id="rId8"/>
+    <p:sldId id="267" r:id="rId9"/>
     <p:sldId id="257" r:id="rId10"/>
+    <p:sldId id="264" r:id="rId11"/>
+    <p:sldId id="273" r:id="rId12"/>
   </p:sldIdLst>
   <p:sldSz cx="12192000" cy="6858000"/>
   <p:notesSz cx="6858000" cy="9144000"/>
@@ -118,6 +123,440 @@
     </p:ext>
   </p:extLst>
 </p:presentation>
+</file>
+
+<file path=ppt/notesMasters/notesMaster1.xml><?xml version="1.0" encoding="utf-8"?>
+<p:notesMaster xmlns:a="http://schemas.openxmlformats.org/drawingml/2006/main" xmlns:r="http://schemas.openxmlformats.org/officeDocument/2006/relationships" xmlns:p="http://schemas.openxmlformats.org/presentationml/2006/main">
+  <p:cSld>
+    <p:bg>
+      <p:bgRef idx="1001">
+        <a:schemeClr val="bg1"/>
+      </p:bgRef>
+    </p:bg>
+    <p:spTree>
+      <p:nvGrpSpPr>
+        <p:cNvPr id="1" name=""/>
+        <p:cNvGrpSpPr/>
+        <p:nvPr/>
+      </p:nvGrpSpPr>
+      <p:grpSpPr>
+        <a:xfrm>
+          <a:off x="0" y="0"/>
+          <a:ext cx="0" cy="0"/>
+          <a:chOff x="0" y="0"/>
+          <a:chExt cx="0" cy="0"/>
+        </a:xfrm>
+      </p:grpSpPr>
+      <p:sp>
+        <p:nvSpPr>
+          <p:cNvPr id="2" name="Header Placeholder 1"/>
+          <p:cNvSpPr>
+            <a:spLocks noGrp="1"/>
+          </p:cNvSpPr>
+          <p:nvPr>
+            <p:ph type="hdr" sz="quarter"/>
+          </p:nvPr>
+        </p:nvSpPr>
+        <p:spPr>
+          <a:xfrm>
+            <a:off x="0" y="0"/>
+            <a:ext cx="2971800" cy="458788"/>
+          </a:xfrm>
+          <a:prstGeom prst="rect">
+            <a:avLst/>
+          </a:prstGeom>
+        </p:spPr>
+        <p:txBody>
+          <a:bodyPr vert="horz" lIns="91440" tIns="45720" rIns="91440" bIns="45720" rtlCol="0"/>
+          <a:lstStyle>
+            <a:lvl1pPr algn="l">
+              <a:defRPr sz="1200"/>
+            </a:lvl1pPr>
+          </a:lstStyle>
+          <a:p>
+            <a:endParaRPr lang="en-IE"/>
+          </a:p>
+        </p:txBody>
+      </p:sp>
+      <p:sp>
+        <p:nvSpPr>
+          <p:cNvPr id="3" name="Date Placeholder 2"/>
+          <p:cNvSpPr>
+            <a:spLocks noGrp="1"/>
+          </p:cNvSpPr>
+          <p:nvPr>
+            <p:ph type="dt" idx="1"/>
+          </p:nvPr>
+        </p:nvSpPr>
+        <p:spPr>
+          <a:xfrm>
+            <a:off x="3884613" y="0"/>
+            <a:ext cx="2971800" cy="458788"/>
+          </a:xfrm>
+          <a:prstGeom prst="rect">
+            <a:avLst/>
+          </a:prstGeom>
+        </p:spPr>
+        <p:txBody>
+          <a:bodyPr vert="horz" lIns="91440" tIns="45720" rIns="91440" bIns="45720" rtlCol="0"/>
+          <a:lstStyle>
+            <a:lvl1pPr algn="r">
+              <a:defRPr sz="1200"/>
+            </a:lvl1pPr>
+          </a:lstStyle>
+          <a:p>
+            <a:fld id="{4F7AD365-5DD5-4783-8526-576767D7E846}" type="datetimeFigureOut">
+              <a:rPr lang="en-IE" smtClean="0"/>
+              <a:t>10/11/2024</a:t>
+            </a:fld>
+            <a:endParaRPr lang="en-IE"/>
+          </a:p>
+        </p:txBody>
+      </p:sp>
+      <p:sp>
+        <p:nvSpPr>
+          <p:cNvPr id="4" name="Slide Image Placeholder 3"/>
+          <p:cNvSpPr>
+            <a:spLocks noGrp="1" noRot="1" noChangeAspect="1"/>
+          </p:cNvSpPr>
+          <p:nvPr>
+            <p:ph type="sldImg" idx="2"/>
+          </p:nvPr>
+        </p:nvSpPr>
+        <p:spPr>
+          <a:xfrm>
+            <a:off x="685800" y="1143000"/>
+            <a:ext cx="5486400" cy="3086100"/>
+          </a:xfrm>
+          <a:prstGeom prst="rect">
+            <a:avLst/>
+          </a:prstGeom>
+          <a:noFill/>
+          <a:ln w="12700">
+            <a:solidFill>
+              <a:prstClr val="black"/>
+            </a:solidFill>
+          </a:ln>
+        </p:spPr>
+        <p:txBody>
+          <a:bodyPr vert="horz" lIns="91440" tIns="45720" rIns="91440" bIns="45720" rtlCol="0" anchor="ctr"/>
+          <a:lstStyle/>
+          <a:p>
+            <a:endParaRPr lang="en-IE"/>
+          </a:p>
+        </p:txBody>
+      </p:sp>
+      <p:sp>
+        <p:nvSpPr>
+          <p:cNvPr id="5" name="Notes Placeholder 4"/>
+          <p:cNvSpPr>
+            <a:spLocks noGrp="1"/>
+          </p:cNvSpPr>
+          <p:nvPr>
+            <p:ph type="body" sz="quarter" idx="3"/>
+          </p:nvPr>
+        </p:nvSpPr>
+        <p:spPr>
+          <a:xfrm>
+            <a:off x="685800" y="4400550"/>
+            <a:ext cx="5486400" cy="3600450"/>
+          </a:xfrm>
+          <a:prstGeom prst="rect">
+            <a:avLst/>
+          </a:prstGeom>
+        </p:spPr>
+        <p:txBody>
+          <a:bodyPr vert="horz" lIns="91440" tIns="45720" rIns="91440" bIns="45720" rtlCol="0"/>
+          <a:lstStyle/>
+          <a:p>
+            <a:pPr lvl="0"/>
+            <a:r>
+              <a:rPr lang="en-US"/>
+              <a:t>Click to edit Master text styles</a:t>
+            </a:r>
+          </a:p>
+          <a:p>
+            <a:pPr lvl="1"/>
+            <a:r>
+              <a:rPr lang="en-US"/>
+              <a:t>Second level</a:t>
+            </a:r>
+          </a:p>
+          <a:p>
+            <a:pPr lvl="2"/>
+            <a:r>
+              <a:rPr lang="en-US"/>
+              <a:t>Third level</a:t>
+            </a:r>
+          </a:p>
+          <a:p>
+            <a:pPr lvl="3"/>
+            <a:r>
+              <a:rPr lang="en-US"/>
+              <a:t>Fourth level</a:t>
+            </a:r>
+          </a:p>
+          <a:p>
+            <a:pPr lvl="4"/>
+            <a:r>
+              <a:rPr lang="en-US"/>
+              <a:t>Fifth level</a:t>
+            </a:r>
+            <a:endParaRPr lang="en-IE"/>
+          </a:p>
+        </p:txBody>
+      </p:sp>
+      <p:sp>
+        <p:nvSpPr>
+          <p:cNvPr id="6" name="Footer Placeholder 5"/>
+          <p:cNvSpPr>
+            <a:spLocks noGrp="1"/>
+          </p:cNvSpPr>
+          <p:nvPr>
+            <p:ph type="ftr" sz="quarter" idx="4"/>
+          </p:nvPr>
+        </p:nvSpPr>
+        <p:spPr>
+          <a:xfrm>
+            <a:off x="0" y="8685213"/>
+            <a:ext cx="2971800" cy="458787"/>
+          </a:xfrm>
+          <a:prstGeom prst="rect">
+            <a:avLst/>
+          </a:prstGeom>
+        </p:spPr>
+        <p:txBody>
+          <a:bodyPr vert="horz" lIns="91440" tIns="45720" rIns="91440" bIns="45720" rtlCol="0" anchor="b"/>
+          <a:lstStyle>
+            <a:lvl1pPr algn="l">
+              <a:defRPr sz="1200"/>
+            </a:lvl1pPr>
+          </a:lstStyle>
+          <a:p>
+            <a:endParaRPr lang="en-IE"/>
+          </a:p>
+        </p:txBody>
+      </p:sp>
+      <p:sp>
+        <p:nvSpPr>
+          <p:cNvPr id="7" name="Slide Number Placeholder 6"/>
+          <p:cNvSpPr>
+            <a:spLocks noGrp="1"/>
+          </p:cNvSpPr>
+          <p:nvPr>
+            <p:ph type="sldNum" sz="quarter" idx="5"/>
+          </p:nvPr>
+        </p:nvSpPr>
+        <p:spPr>
+          <a:xfrm>
+            <a:off x="3884613" y="8685213"/>
+            <a:ext cx="2971800" cy="458787"/>
+          </a:xfrm>
+          <a:prstGeom prst="rect">
+            <a:avLst/>
+          </a:prstGeom>
+        </p:spPr>
+        <p:txBody>
+          <a:bodyPr vert="horz" lIns="91440" tIns="45720" rIns="91440" bIns="45720" rtlCol="0" anchor="b"/>
+          <a:lstStyle>
+            <a:lvl1pPr algn="r">
+              <a:defRPr sz="1200"/>
+            </a:lvl1pPr>
+          </a:lstStyle>
+          <a:p>
+            <a:fld id="{DCC268F8-632B-44CA-8CD0-F035E4464E97}" type="slidenum">
+              <a:rPr lang="en-IE" smtClean="0"/>
+              <a:t>‹#›</a:t>
+            </a:fld>
+            <a:endParaRPr lang="en-IE"/>
+          </a:p>
+        </p:txBody>
+      </p:sp>
+    </p:spTree>
+    <p:extLst>
+      <p:ext uri="{BB962C8B-B14F-4D97-AF65-F5344CB8AC3E}">
+        <p14:creationId xmlns:p14="http://schemas.microsoft.com/office/powerpoint/2010/main" val="2815405924"/>
+      </p:ext>
+    </p:extLst>
+  </p:cSld>
+  <p:clrMap bg1="lt1" tx1="dk1" bg2="lt2" tx2="dk2" accent1="accent1" accent2="accent2" accent3="accent3" accent4="accent4" accent5="accent5" accent6="accent6" hlink="hlink" folHlink="folHlink"/>
+  <p:notesStyle>
+    <a:lvl1pPr marL="0" algn="l" defTabSz="914400" rtl="0" eaLnBrk="1" latinLnBrk="0" hangingPunct="1">
+      <a:defRPr sz="1200" kern="1200">
+        <a:solidFill>
+          <a:schemeClr val="tx1"/>
+        </a:solidFill>
+        <a:latin typeface="+mn-lt"/>
+        <a:ea typeface="+mn-ea"/>
+        <a:cs typeface="+mn-cs"/>
+      </a:defRPr>
+    </a:lvl1pPr>
+    <a:lvl2pPr marL="457200" algn="l" defTabSz="914400" rtl="0" eaLnBrk="1" latinLnBrk="0" hangingPunct="1">
+      <a:defRPr sz="1200" kern="1200">
+        <a:solidFill>
+          <a:schemeClr val="tx1"/>
+        </a:solidFill>
+        <a:latin typeface="+mn-lt"/>
+        <a:ea typeface="+mn-ea"/>
+        <a:cs typeface="+mn-cs"/>
+      </a:defRPr>
+    </a:lvl2pPr>
+    <a:lvl3pPr marL="914400" algn="l" defTabSz="914400" rtl="0" eaLnBrk="1" latinLnBrk="0" hangingPunct="1">
+      <a:defRPr sz="1200" kern="1200">
+        <a:solidFill>
+          <a:schemeClr val="tx1"/>
+        </a:solidFill>
+        <a:latin typeface="+mn-lt"/>
+        <a:ea typeface="+mn-ea"/>
+        <a:cs typeface="+mn-cs"/>
+      </a:defRPr>
+    </a:lvl3pPr>
+    <a:lvl4pPr marL="1371600" algn="l" defTabSz="914400" rtl="0" eaLnBrk="1" latinLnBrk="0" hangingPunct="1">
+      <a:defRPr sz="1200" kern="1200">
+        <a:solidFill>
+          <a:schemeClr val="tx1"/>
+        </a:solidFill>
+        <a:latin typeface="+mn-lt"/>
+        <a:ea typeface="+mn-ea"/>
+        <a:cs typeface="+mn-cs"/>
+      </a:defRPr>
+    </a:lvl4pPr>
+    <a:lvl5pPr marL="1828800" algn="l" defTabSz="914400" rtl="0" eaLnBrk="1" latinLnBrk="0" hangingPunct="1">
+      <a:defRPr sz="1200" kern="1200">
+        <a:solidFill>
+          <a:schemeClr val="tx1"/>
+        </a:solidFill>
+        <a:latin typeface="+mn-lt"/>
+        <a:ea typeface="+mn-ea"/>
+        <a:cs typeface="+mn-cs"/>
+      </a:defRPr>
+    </a:lvl5pPr>
+    <a:lvl6pPr marL="2286000" algn="l" defTabSz="914400" rtl="0" eaLnBrk="1" latinLnBrk="0" hangingPunct="1">
+      <a:defRPr sz="1200" kern="1200">
+        <a:solidFill>
+          <a:schemeClr val="tx1"/>
+        </a:solidFill>
+        <a:latin typeface="+mn-lt"/>
+        <a:ea typeface="+mn-ea"/>
+        <a:cs typeface="+mn-cs"/>
+      </a:defRPr>
+    </a:lvl6pPr>
+    <a:lvl7pPr marL="2743200" algn="l" defTabSz="914400" rtl="0" eaLnBrk="1" latinLnBrk="0" hangingPunct="1">
+      <a:defRPr sz="1200" kern="1200">
+        <a:solidFill>
+          <a:schemeClr val="tx1"/>
+        </a:solidFill>
+        <a:latin typeface="+mn-lt"/>
+        <a:ea typeface="+mn-ea"/>
+        <a:cs typeface="+mn-cs"/>
+      </a:defRPr>
+    </a:lvl7pPr>
+    <a:lvl8pPr marL="3200400" algn="l" defTabSz="914400" rtl="0" eaLnBrk="1" latinLnBrk="0" hangingPunct="1">
+      <a:defRPr sz="1200" kern="1200">
+        <a:solidFill>
+          <a:schemeClr val="tx1"/>
+        </a:solidFill>
+        <a:latin typeface="+mn-lt"/>
+        <a:ea typeface="+mn-ea"/>
+        <a:cs typeface="+mn-cs"/>
+      </a:defRPr>
+    </a:lvl8pPr>
+    <a:lvl9pPr marL="3657600" algn="l" defTabSz="914400" rtl="0" eaLnBrk="1" latinLnBrk="0" hangingPunct="1">
+      <a:defRPr sz="1200" kern="1200">
+        <a:solidFill>
+          <a:schemeClr val="tx1"/>
+        </a:solidFill>
+        <a:latin typeface="+mn-lt"/>
+        <a:ea typeface="+mn-ea"/>
+        <a:cs typeface="+mn-cs"/>
+      </a:defRPr>
+    </a:lvl9pPr>
+  </p:notesStyle>
+</p:notesMaster>
+</file>
+
+<file path=ppt/notesSlides/notesSlide1.xml><?xml version="1.0" encoding="utf-8"?>
+<p:notes xmlns:a="http://schemas.openxmlformats.org/drawingml/2006/main" xmlns:r="http://schemas.openxmlformats.org/officeDocument/2006/relationships" xmlns:p="http://schemas.openxmlformats.org/presentationml/2006/main">
+  <p:cSld>
+    <p:spTree>
+      <p:nvGrpSpPr>
+        <p:cNvPr id="1" name=""/>
+        <p:cNvGrpSpPr/>
+        <p:nvPr/>
+      </p:nvGrpSpPr>
+      <p:grpSpPr>
+        <a:xfrm>
+          <a:off x="0" y="0"/>
+          <a:ext cx="0" cy="0"/>
+          <a:chOff x="0" y="0"/>
+          <a:chExt cx="0" cy="0"/>
+        </a:xfrm>
+      </p:grpSpPr>
+      <p:sp>
+        <p:nvSpPr>
+          <p:cNvPr id="2" name="Slide Image Placeholder 1"/>
+          <p:cNvSpPr>
+            <a:spLocks noGrp="1" noRot="1" noChangeAspect="1"/>
+          </p:cNvSpPr>
+          <p:nvPr>
+            <p:ph type="sldImg"/>
+          </p:nvPr>
+        </p:nvSpPr>
+        <p:spPr/>
+      </p:sp>
+      <p:sp>
+        <p:nvSpPr>
+          <p:cNvPr id="3" name="Notes Placeholder 2"/>
+          <p:cNvSpPr>
+            <a:spLocks noGrp="1"/>
+          </p:cNvSpPr>
+          <p:nvPr>
+            <p:ph type="body" idx="1"/>
+          </p:nvPr>
+        </p:nvSpPr>
+        <p:spPr/>
+        <p:txBody>
+          <a:bodyPr/>
+          <a:lstStyle/>
+          <a:p>
+            <a:endParaRPr lang="en-IE" dirty="0"/>
+          </a:p>
+        </p:txBody>
+      </p:sp>
+      <p:sp>
+        <p:nvSpPr>
+          <p:cNvPr id="4" name="Slide Number Placeholder 3"/>
+          <p:cNvSpPr>
+            <a:spLocks noGrp="1"/>
+          </p:cNvSpPr>
+          <p:nvPr>
+            <p:ph type="sldNum" sz="quarter" idx="5"/>
+          </p:nvPr>
+        </p:nvSpPr>
+        <p:spPr/>
+        <p:txBody>
+          <a:bodyPr/>
+          <a:lstStyle/>
+          <a:p>
+            <a:fld id="{26CB4DB4-538F-4B4C-B96A-70F493278ACB}" type="slidenum">
+              <a:rPr lang="en-IE" smtClean="0"/>
+              <a:t>11</a:t>
+            </a:fld>
+            <a:endParaRPr lang="en-IE"/>
+          </a:p>
+        </p:txBody>
+      </p:sp>
+    </p:spTree>
+    <p:extLst>
+      <p:ext uri="{BB962C8B-B14F-4D97-AF65-F5344CB8AC3E}">
+        <p14:creationId xmlns:p14="http://schemas.microsoft.com/office/powerpoint/2010/main" val="2777842728"/>
+      </p:ext>
+    </p:extLst>
+  </p:cSld>
+  <p:clrMapOvr>
+    <a:masterClrMapping/>
+  </p:clrMapOvr>
+</p:notes>
 </file>
 
 <file path=ppt/slideLayouts/slideLayout1.xml><?xml version="1.0" encoding="utf-8"?>
@@ -842,7 +1281,7 @@
           <a:p>
             <a:fld id="{C6FB43F2-88DA-45BE-A37E-5A8F00E2E8E3}" type="datetimeFigureOut">
               <a:rPr lang="en-IE" smtClean="0"/>
-              <a:t>25/10/2024</a:t>
+              <a:t>10/11/2024</a:t>
             </a:fld>
             <a:endParaRPr lang="en-IE"/>
           </a:p>
@@ -1093,7 +1532,7 @@
           <a:p>
             <a:fld id="{C6FB43F2-88DA-45BE-A37E-5A8F00E2E8E3}" type="datetimeFigureOut">
               <a:rPr lang="en-IE" smtClean="0"/>
-              <a:t>25/10/2024</a:t>
+              <a:t>10/11/2024</a:t>
             </a:fld>
             <a:endParaRPr lang="en-IE"/>
           </a:p>
@@ -1407,7 +1846,7 @@
           <a:p>
             <a:fld id="{C6FB43F2-88DA-45BE-A37E-5A8F00E2E8E3}" type="datetimeFigureOut">
               <a:rPr lang="en-IE" smtClean="0"/>
-              <a:t>25/10/2024</a:t>
+              <a:t>10/11/2024</a:t>
             </a:fld>
             <a:endParaRPr lang="en-IE"/>
           </a:p>
@@ -1748,7 +2187,7 @@
           <a:p>
             <a:fld id="{C6FB43F2-88DA-45BE-A37E-5A8F00E2E8E3}" type="datetimeFigureOut">
               <a:rPr lang="en-IE" smtClean="0"/>
-              <a:t>25/10/2024</a:t>
+              <a:t>10/11/2024</a:t>
             </a:fld>
             <a:endParaRPr lang="en-IE"/>
           </a:p>
@@ -2062,7 +2501,7 @@
           <a:p>
             <a:fld id="{C6FB43F2-88DA-45BE-A37E-5A8F00E2E8E3}" type="datetimeFigureOut">
               <a:rPr lang="en-IE" smtClean="0"/>
-              <a:t>25/10/2024</a:t>
+              <a:t>10/11/2024</a:t>
             </a:fld>
             <a:endParaRPr lang="en-IE"/>
           </a:p>
@@ -2455,7 +2894,7 @@
           <a:p>
             <a:fld id="{C6FB43F2-88DA-45BE-A37E-5A8F00E2E8E3}" type="datetimeFigureOut">
               <a:rPr lang="en-IE" smtClean="0"/>
-              <a:t>25/10/2024</a:t>
+              <a:t>10/11/2024</a:t>
             </a:fld>
             <a:endParaRPr lang="en-IE"/>
           </a:p>
@@ -2625,7 +3064,7 @@
           <a:p>
             <a:fld id="{C6FB43F2-88DA-45BE-A37E-5A8F00E2E8E3}" type="datetimeFigureOut">
               <a:rPr lang="en-IE" smtClean="0"/>
-              <a:t>25/10/2024</a:t>
+              <a:t>10/11/2024</a:t>
             </a:fld>
             <a:endParaRPr lang="en-IE"/>
           </a:p>
@@ -2805,7 +3244,7 @@
           <a:p>
             <a:fld id="{C6FB43F2-88DA-45BE-A37E-5A8F00E2E8E3}" type="datetimeFigureOut">
               <a:rPr lang="en-IE" smtClean="0"/>
-              <a:t>25/10/2024</a:t>
+              <a:t>10/11/2024</a:t>
             </a:fld>
             <a:endParaRPr lang="en-IE"/>
           </a:p>
@@ -2981,7 +3420,7 @@
           <a:p>
             <a:fld id="{C6FB43F2-88DA-45BE-A37E-5A8F00E2E8E3}" type="datetimeFigureOut">
               <a:rPr lang="en-IE" smtClean="0"/>
-              <a:t>25/10/2024</a:t>
+              <a:t>10/11/2024</a:t>
             </a:fld>
             <a:endParaRPr lang="en-IE"/>
           </a:p>
@@ -3228,7 +3667,7 @@
           <a:p>
             <a:fld id="{C6FB43F2-88DA-45BE-A37E-5A8F00E2E8E3}" type="datetimeFigureOut">
               <a:rPr lang="en-IE" smtClean="0"/>
-              <a:t>25/10/2024</a:t>
+              <a:t>10/11/2024</a:t>
             </a:fld>
             <a:endParaRPr lang="en-IE"/>
           </a:p>
@@ -3460,7 +3899,7 @@
           <a:p>
             <a:fld id="{C6FB43F2-88DA-45BE-A37E-5A8F00E2E8E3}" type="datetimeFigureOut">
               <a:rPr lang="en-IE" smtClean="0"/>
-              <a:t>25/10/2024</a:t>
+              <a:t>10/11/2024</a:t>
             </a:fld>
             <a:endParaRPr lang="en-IE"/>
           </a:p>
@@ -3834,7 +4273,7 @@
           <a:p>
             <a:fld id="{C6FB43F2-88DA-45BE-A37E-5A8F00E2E8E3}" type="datetimeFigureOut">
               <a:rPr lang="en-IE" smtClean="0"/>
-              <a:t>25/10/2024</a:t>
+              <a:t>10/11/2024</a:t>
             </a:fld>
             <a:endParaRPr lang="en-IE"/>
           </a:p>
@@ -3957,7 +4396,7 @@
           <a:p>
             <a:fld id="{C6FB43F2-88DA-45BE-A37E-5A8F00E2E8E3}" type="datetimeFigureOut">
               <a:rPr lang="en-IE" smtClean="0"/>
-              <a:t>25/10/2024</a:t>
+              <a:t>10/11/2024</a:t>
             </a:fld>
             <a:endParaRPr lang="en-IE"/>
           </a:p>
@@ -4052,7 +4491,7 @@
           <a:p>
             <a:fld id="{C6FB43F2-88DA-45BE-A37E-5A8F00E2E8E3}" type="datetimeFigureOut">
               <a:rPr lang="en-IE" smtClean="0"/>
-              <a:t>25/10/2024</a:t>
+              <a:t>10/11/2024</a:t>
             </a:fld>
             <a:endParaRPr lang="en-IE"/>
           </a:p>
@@ -4307,7 +4746,7 @@
           <a:p>
             <a:fld id="{C6FB43F2-88DA-45BE-A37E-5A8F00E2E8E3}" type="datetimeFigureOut">
               <a:rPr lang="en-IE" smtClean="0"/>
-              <a:t>25/10/2024</a:t>
+              <a:t>10/11/2024</a:t>
             </a:fld>
             <a:endParaRPr lang="en-IE"/>
           </a:p>
@@ -4570,7 +5009,7 @@
           <a:p>
             <a:fld id="{C6FB43F2-88DA-45BE-A37E-5A8F00E2E8E3}" type="datetimeFigureOut">
               <a:rPr lang="en-IE" smtClean="0"/>
-              <a:t>25/10/2024</a:t>
+              <a:t>10/11/2024</a:t>
             </a:fld>
             <a:endParaRPr lang="en-IE"/>
           </a:p>
@@ -5313,7 +5752,7 @@
           <a:p>
             <a:fld id="{C6FB43F2-88DA-45BE-A37E-5A8F00E2E8E3}" type="datetimeFigureOut">
               <a:rPr lang="en-IE" smtClean="0"/>
-              <a:t>25/10/2024</a:t>
+              <a:t>10/11/2024</a:t>
             </a:fld>
             <a:endParaRPr lang="en-IE"/>
           </a:p>
@@ -6035,13 +6474,13 @@
   <p:clrMapOvr>
     <a:masterClrMapping/>
   </p:clrMapOvr>
-  <mc:AlternateContent xmlns:mc="http://schemas.openxmlformats.org/markup-compatibility/2006">
-    <mc:Choice xmlns:p14="http://schemas.microsoft.com/office/powerpoint/2010/main" Requires="p14">
+  <mc:AlternateContent xmlns:mc="http://schemas.openxmlformats.org/markup-compatibility/2006" xmlns:p14="http://schemas.microsoft.com/office/powerpoint/2010/main">
+    <mc:Choice Requires="p14">
       <p:transition spd="med" p14:dur="700">
         <p:fade/>
       </p:transition>
     </mc:Choice>
-    <mc:Fallback>
+    <mc:Fallback xmlns="">
       <p:transition spd="med">
         <p:fade/>
       </p:transition>
@@ -6050,7 +6489,7 @@
 </p:sld>
 </file>
 
-<file path=ppt/slides/slide2.xml><?xml version="1.0" encoding="utf-8"?>
+<file path=ppt/slides/slide10.xml><?xml version="1.0" encoding="utf-8"?>
 <p:sld xmlns:a="http://schemas.openxmlformats.org/drawingml/2006/main" xmlns:r="http://schemas.openxmlformats.org/officeDocument/2006/relationships" xmlns:p="http://schemas.openxmlformats.org/presentationml/2006/main">
   <p:cSld>
     <p:spTree>
@@ -6069,41 +6508,10 @@
       </p:grpSpPr>
       <p:sp>
         <p:nvSpPr>
-          <p:cNvPr id="2" name="Title 1">
+          <p:cNvPr id="5" name="TextBox 4">
             <a:extLst>
               <a:ext uri="{FF2B5EF4-FFF2-40B4-BE49-F238E27FC236}">
-                <a16:creationId xmlns:a16="http://schemas.microsoft.com/office/drawing/2014/main" id="{0EDFBD8C-E1FB-1609-6A66-B38D8EBC064E}"/>
-              </a:ext>
-            </a:extLst>
-          </p:cNvPr>
-          <p:cNvSpPr>
-            <a:spLocks noGrp="1"/>
-          </p:cNvSpPr>
-          <p:nvPr>
-            <p:ph type="title"/>
-          </p:nvPr>
-        </p:nvSpPr>
-        <p:spPr/>
-        <p:txBody>
-          <a:bodyPr/>
-          <a:lstStyle/>
-          <a:p>
-            <a:r>
-              <a:rPr lang="en-IE" dirty="0">
-                <a:latin typeface="Times New Roman" panose="02020603050405020304" pitchFamily="18" charset="0"/>
-                <a:cs typeface="Times New Roman" panose="02020603050405020304" pitchFamily="18" charset="0"/>
-              </a:rPr>
-              <a:t>The ECMS Project</a:t>
-            </a:r>
-          </a:p>
-        </p:txBody>
-      </p:sp>
-      <p:sp>
-        <p:nvSpPr>
-          <p:cNvPr id="4" name="TextBox 3">
-            <a:extLst>
-              <a:ext uri="{FF2B5EF4-FFF2-40B4-BE49-F238E27FC236}">
-                <a16:creationId xmlns:a16="http://schemas.microsoft.com/office/drawing/2014/main" id="{4CBC6257-BD98-9D24-F1D9-1BB5B75F7B89}"/>
+                <a16:creationId xmlns:a16="http://schemas.microsoft.com/office/drawing/2014/main" id="{5E5BD117-626A-D021-2774-430E5EE65CC2}"/>
               </a:ext>
             </a:extLst>
           </p:cNvPr>
@@ -6112,8 +6520,8 @@
         </p:nvSpPr>
         <p:spPr>
           <a:xfrm>
-            <a:off x="677334" y="1930400"/>
-            <a:ext cx="7972890" cy="1477328"/>
+            <a:off x="708660" y="542282"/>
+            <a:ext cx="6099048" cy="1138773"/>
           </a:xfrm>
           <a:prstGeom prst="rect">
             <a:avLst/>
@@ -6121,91 +6529,582 @@
           <a:noFill/>
         </p:spPr>
         <p:txBody>
+          <a:bodyPr wrap="square">
+            <a:spAutoFit/>
+          </a:bodyPr>
+          <a:lstStyle/>
+          <a:p>
+            <a:r>
+              <a:rPr lang="en-IE" sz="3600" dirty="0">
+                <a:solidFill>
+                  <a:schemeClr val="accent1">
+                    <a:lumMod val="75000"/>
+                  </a:schemeClr>
+                </a:solidFill>
+                <a:latin typeface="Times New Roman" panose="02020603050405020304" pitchFamily="18" charset="0"/>
+                <a:cs typeface="Times New Roman" panose="02020603050405020304" pitchFamily="18" charset="0"/>
+              </a:rPr>
+              <a:t>References</a:t>
+            </a:r>
+            <a:endParaRPr lang="en-IE" sz="3200" dirty="0">
+              <a:solidFill>
+                <a:schemeClr val="accent1">
+                  <a:lumMod val="75000"/>
+                </a:schemeClr>
+              </a:solidFill>
+              <a:latin typeface="Times New Roman" panose="02020603050405020304" pitchFamily="18" charset="0"/>
+              <a:cs typeface="Times New Roman" panose="02020603050405020304" pitchFamily="18" charset="0"/>
+            </a:endParaRPr>
+          </a:p>
+          <a:p>
+            <a:endParaRPr lang="en-IE" sz="3200" dirty="0">
+              <a:latin typeface="Times New Roman" panose="02020603050405020304" pitchFamily="18" charset="0"/>
+              <a:cs typeface="Times New Roman" panose="02020603050405020304" pitchFamily="18" charset="0"/>
+            </a:endParaRPr>
+          </a:p>
+        </p:txBody>
+      </p:sp>
+      <p:sp>
+        <p:nvSpPr>
+          <p:cNvPr id="7" name="TextBox 6">
+            <a:extLst>
+              <a:ext uri="{FF2B5EF4-FFF2-40B4-BE49-F238E27FC236}">
+                <a16:creationId xmlns:a16="http://schemas.microsoft.com/office/drawing/2014/main" id="{2E091A49-C21B-9637-2E50-9822F2C3D169}"/>
+              </a:ext>
+            </a:extLst>
+          </p:cNvPr>
+          <p:cNvSpPr txBox="1"/>
+          <p:nvPr/>
+        </p:nvSpPr>
+        <p:spPr>
+          <a:xfrm>
+            <a:off x="708660" y="1257597"/>
+            <a:ext cx="7241370" cy="5693866"/>
+          </a:xfrm>
+          <a:prstGeom prst="rect">
+            <a:avLst/>
+          </a:prstGeom>
+          <a:noFill/>
+        </p:spPr>
+        <p:txBody>
           <a:bodyPr wrap="square" rtlCol="0">
             <a:spAutoFit/>
           </a:bodyPr>
           <a:lstStyle/>
           <a:p>
+            <a:r>
+              <a:rPr lang="en-IE" sz="1400" kern="100" dirty="0">
+                <a:effectLst/>
+                <a:latin typeface="Times New Roman" panose="02020603050405020304" pitchFamily="18" charset="0"/>
+                <a:ea typeface="Aptos" panose="020B0004020202020204" pitchFamily="34" charset="0"/>
+                <a:cs typeface="Times New Roman" panose="02020603050405020304" pitchFamily="18" charset="0"/>
+              </a:rPr>
+              <a:t>Pass by </a:t>
+            </a:r>
+            <a:r>
+              <a:rPr lang="en-IE" sz="1400" kern="100" dirty="0" err="1">
+                <a:effectLst/>
+                <a:latin typeface="Times New Roman" panose="02020603050405020304" pitchFamily="18" charset="0"/>
+                <a:ea typeface="Aptos" panose="020B0004020202020204" pitchFamily="34" charset="0"/>
+                <a:cs typeface="Times New Roman" panose="02020603050405020304" pitchFamily="18" charset="0"/>
+              </a:rPr>
+              <a:t>Everylife</a:t>
+            </a:r>
+            <a:r>
+              <a:rPr lang="en-IE" sz="1400" kern="100" dirty="0">
+                <a:effectLst/>
+                <a:latin typeface="Times New Roman" panose="02020603050405020304" pitchFamily="18" charset="0"/>
+                <a:ea typeface="Aptos" panose="020B0004020202020204" pitchFamily="34" charset="0"/>
+                <a:cs typeface="Times New Roman" panose="02020603050405020304" pitchFamily="18" charset="0"/>
+              </a:rPr>
+              <a:t>, 2024. </a:t>
+            </a:r>
+            <a:r>
+              <a:rPr lang="en-IE" sz="1400" i="1" kern="100" dirty="0">
+                <a:effectLst/>
+                <a:latin typeface="Times New Roman" panose="02020603050405020304" pitchFamily="18" charset="0"/>
+                <a:ea typeface="Aptos" panose="020B0004020202020204" pitchFamily="34" charset="0"/>
+                <a:cs typeface="Times New Roman" panose="02020603050405020304" pitchFamily="18" charset="0"/>
+              </a:rPr>
+              <a:t>Pass. </a:t>
+            </a:r>
+            <a:r>
+              <a:rPr lang="en-IE" sz="1400" kern="100" dirty="0">
+                <a:effectLst/>
+                <a:latin typeface="Times New Roman" panose="02020603050405020304" pitchFamily="18" charset="0"/>
+                <a:ea typeface="Aptos" panose="020B0004020202020204" pitchFamily="34" charset="0"/>
+                <a:cs typeface="Times New Roman" panose="02020603050405020304" pitchFamily="18" charset="0"/>
+              </a:rPr>
+              <a:t>[Online] </a:t>
+            </a:r>
+            <a:br>
+              <a:rPr lang="en-IE" sz="1400" kern="100" dirty="0">
+                <a:effectLst/>
+                <a:latin typeface="Times New Roman" panose="02020603050405020304" pitchFamily="18" charset="0"/>
+                <a:ea typeface="Aptos" panose="020B0004020202020204" pitchFamily="34" charset="0"/>
+                <a:cs typeface="Times New Roman" panose="02020603050405020304" pitchFamily="18" charset="0"/>
+              </a:rPr>
+            </a:br>
+            <a:r>
+              <a:rPr lang="en-IE" sz="1400" kern="100" dirty="0">
+                <a:effectLst/>
+                <a:latin typeface="Times New Roman" panose="02020603050405020304" pitchFamily="18" charset="0"/>
+                <a:ea typeface="Aptos" panose="020B0004020202020204" pitchFamily="34" charset="0"/>
+                <a:cs typeface="Times New Roman" panose="02020603050405020304" pitchFamily="18" charset="0"/>
+              </a:rPr>
+              <a:t>Available at: </a:t>
+            </a:r>
+            <a:r>
+              <a:rPr lang="en-IE" sz="1400" u="sng" kern="100" dirty="0">
+                <a:solidFill>
+                  <a:srgbClr val="467886"/>
+                </a:solidFill>
+                <a:effectLst/>
+                <a:latin typeface="Times New Roman" panose="02020603050405020304" pitchFamily="18" charset="0"/>
+                <a:ea typeface="Aptos" panose="020B0004020202020204" pitchFamily="34" charset="0"/>
+                <a:cs typeface="Times New Roman" panose="02020603050405020304" pitchFamily="18" charset="0"/>
+                <a:hlinkClick r:id="rId2"/>
+              </a:rPr>
+              <a:t>https://www.everylifetechnologies.com/</a:t>
+            </a:r>
+            <a:br>
+              <a:rPr lang="en-IE" sz="1400" kern="100" dirty="0">
+                <a:effectLst/>
+                <a:latin typeface="Times New Roman" panose="02020603050405020304" pitchFamily="18" charset="0"/>
+                <a:ea typeface="Aptos" panose="020B0004020202020204" pitchFamily="34" charset="0"/>
+                <a:cs typeface="Times New Roman" panose="02020603050405020304" pitchFamily="18" charset="0"/>
+              </a:rPr>
+            </a:br>
+            <a:r>
+              <a:rPr lang="en-IE" sz="1400" kern="100" dirty="0">
+                <a:effectLst/>
+                <a:latin typeface="Times New Roman" panose="02020603050405020304" pitchFamily="18" charset="0"/>
+                <a:ea typeface="Aptos" panose="020B0004020202020204" pitchFamily="34" charset="0"/>
+                <a:cs typeface="Times New Roman" panose="02020603050405020304" pitchFamily="18" charset="0"/>
+              </a:rPr>
+              <a:t>[Accessed October 2024].</a:t>
+            </a:r>
+          </a:p>
+          <a:p>
+            <a:endParaRPr lang="en-IE" sz="1400" kern="100" dirty="0">
+              <a:effectLst/>
+              <a:latin typeface="Times New Roman" panose="02020603050405020304" pitchFamily="18" charset="0"/>
+              <a:ea typeface="Aptos" panose="020B0004020202020204" pitchFamily="34" charset="0"/>
+              <a:cs typeface="Times New Roman" panose="02020603050405020304" pitchFamily="18" charset="0"/>
+            </a:endParaRPr>
+          </a:p>
+          <a:p>
+            <a:r>
+              <a:rPr lang="en-IE" sz="1400" kern="100" dirty="0">
+                <a:effectLst/>
+                <a:latin typeface="Times New Roman" panose="02020603050405020304" pitchFamily="18" charset="0"/>
+                <a:ea typeface="Aptos" panose="020B0004020202020204" pitchFamily="34" charset="0"/>
+                <a:cs typeface="Times New Roman" panose="02020603050405020304" pitchFamily="18" charset="0"/>
+              </a:rPr>
+              <a:t>Nourish, 2024. </a:t>
+            </a:r>
+            <a:r>
+              <a:rPr lang="en-IE" sz="1400" i="1" kern="100" dirty="0">
+                <a:effectLst/>
+                <a:latin typeface="Times New Roman" panose="02020603050405020304" pitchFamily="18" charset="0"/>
+                <a:ea typeface="Aptos" panose="020B0004020202020204" pitchFamily="34" charset="0"/>
+                <a:cs typeface="Times New Roman" panose="02020603050405020304" pitchFamily="18" charset="0"/>
+              </a:rPr>
+              <a:t>Nourish. </a:t>
+            </a:r>
+            <a:r>
+              <a:rPr lang="en-IE" sz="1400" kern="100" dirty="0">
+                <a:effectLst/>
+                <a:latin typeface="Times New Roman" panose="02020603050405020304" pitchFamily="18" charset="0"/>
+                <a:ea typeface="Aptos" panose="020B0004020202020204" pitchFamily="34" charset="0"/>
+                <a:cs typeface="Times New Roman" panose="02020603050405020304" pitchFamily="18" charset="0"/>
+              </a:rPr>
+              <a:t>[Online] </a:t>
+            </a:r>
+            <a:br>
+              <a:rPr lang="en-IE" sz="1400" kern="100" dirty="0">
+                <a:effectLst/>
+                <a:latin typeface="Times New Roman" panose="02020603050405020304" pitchFamily="18" charset="0"/>
+                <a:ea typeface="Aptos" panose="020B0004020202020204" pitchFamily="34" charset="0"/>
+                <a:cs typeface="Times New Roman" panose="02020603050405020304" pitchFamily="18" charset="0"/>
+              </a:rPr>
+            </a:br>
+            <a:r>
+              <a:rPr lang="en-IE" sz="1400" kern="100" dirty="0">
+                <a:effectLst/>
+                <a:latin typeface="Times New Roman" panose="02020603050405020304" pitchFamily="18" charset="0"/>
+                <a:ea typeface="Aptos" panose="020B0004020202020204" pitchFamily="34" charset="0"/>
+                <a:cs typeface="Times New Roman" panose="02020603050405020304" pitchFamily="18" charset="0"/>
+              </a:rPr>
+              <a:t>Available at: </a:t>
+            </a:r>
+            <a:r>
+              <a:rPr lang="en-IE" sz="1400" u="sng" kern="100" dirty="0">
+                <a:solidFill>
+                  <a:srgbClr val="467886"/>
+                </a:solidFill>
+                <a:effectLst/>
+                <a:latin typeface="Times New Roman" panose="02020603050405020304" pitchFamily="18" charset="0"/>
+                <a:ea typeface="Aptos" panose="020B0004020202020204" pitchFamily="34" charset="0"/>
+                <a:cs typeface="Times New Roman" panose="02020603050405020304" pitchFamily="18" charset="0"/>
+                <a:hlinkClick r:id="rId3"/>
+              </a:rPr>
+              <a:t>https://nourishcare.com/</a:t>
+            </a:r>
+            <a:br>
+              <a:rPr lang="en-IE" sz="1400" kern="100" dirty="0">
+                <a:effectLst/>
+                <a:latin typeface="Times New Roman" panose="02020603050405020304" pitchFamily="18" charset="0"/>
+                <a:ea typeface="Aptos" panose="020B0004020202020204" pitchFamily="34" charset="0"/>
+                <a:cs typeface="Times New Roman" panose="02020603050405020304" pitchFamily="18" charset="0"/>
+              </a:rPr>
+            </a:br>
+            <a:r>
+              <a:rPr lang="en-IE" sz="1400" kern="100" dirty="0">
+                <a:effectLst/>
+                <a:latin typeface="Times New Roman" panose="02020603050405020304" pitchFamily="18" charset="0"/>
+                <a:ea typeface="Aptos" panose="020B0004020202020204" pitchFamily="34" charset="0"/>
+                <a:cs typeface="Times New Roman" panose="02020603050405020304" pitchFamily="18" charset="0"/>
+              </a:rPr>
+              <a:t>[Accessed October 2024].</a:t>
+            </a:r>
+          </a:p>
+          <a:p>
+            <a:endParaRPr lang="en-IE" sz="1400" dirty="0">
+              <a:latin typeface="Times New Roman" panose="02020603050405020304" pitchFamily="18" charset="0"/>
+              <a:cs typeface="Times New Roman" panose="02020603050405020304" pitchFamily="18" charset="0"/>
+            </a:endParaRPr>
+          </a:p>
+          <a:p>
+            <a:r>
+              <a:rPr lang="en-IE" sz="1400" kern="100" dirty="0">
+                <a:effectLst/>
+                <a:latin typeface="Times New Roman" panose="02020603050405020304" pitchFamily="18" charset="0"/>
+                <a:ea typeface="Aptos" panose="020B0004020202020204" pitchFamily="34" charset="0"/>
+                <a:cs typeface="Times New Roman" panose="02020603050405020304" pitchFamily="18" charset="0"/>
+              </a:rPr>
+              <a:t>Log my Care, 2024. </a:t>
+            </a:r>
+            <a:r>
+              <a:rPr lang="en-IE" sz="1400" i="1" kern="100" dirty="0">
+                <a:effectLst/>
+                <a:latin typeface="Times New Roman" panose="02020603050405020304" pitchFamily="18" charset="0"/>
+                <a:ea typeface="Aptos" panose="020B0004020202020204" pitchFamily="34" charset="0"/>
+                <a:cs typeface="Times New Roman" panose="02020603050405020304" pitchFamily="18" charset="0"/>
+              </a:rPr>
+              <a:t>Log my Care. </a:t>
+            </a:r>
+            <a:r>
+              <a:rPr lang="en-IE" sz="1400" kern="100" dirty="0">
+                <a:effectLst/>
+                <a:latin typeface="Times New Roman" panose="02020603050405020304" pitchFamily="18" charset="0"/>
+                <a:ea typeface="Aptos" panose="020B0004020202020204" pitchFamily="34" charset="0"/>
+                <a:cs typeface="Times New Roman" panose="02020603050405020304" pitchFamily="18" charset="0"/>
+              </a:rPr>
+              <a:t>[Online] </a:t>
+            </a:r>
+            <a:br>
+              <a:rPr lang="en-IE" sz="1400" kern="100" dirty="0">
+                <a:effectLst/>
+                <a:latin typeface="Times New Roman" panose="02020603050405020304" pitchFamily="18" charset="0"/>
+                <a:ea typeface="Aptos" panose="020B0004020202020204" pitchFamily="34" charset="0"/>
+                <a:cs typeface="Times New Roman" panose="02020603050405020304" pitchFamily="18" charset="0"/>
+              </a:rPr>
+            </a:br>
+            <a:r>
+              <a:rPr lang="en-IE" sz="1400" kern="100" dirty="0">
+                <a:effectLst/>
+                <a:latin typeface="Times New Roman" panose="02020603050405020304" pitchFamily="18" charset="0"/>
+                <a:ea typeface="Aptos" panose="020B0004020202020204" pitchFamily="34" charset="0"/>
+                <a:cs typeface="Times New Roman" panose="02020603050405020304" pitchFamily="18" charset="0"/>
+              </a:rPr>
+              <a:t>Available at: </a:t>
+            </a:r>
+            <a:r>
+              <a:rPr lang="en-IE" sz="1400" u="sng" kern="100" dirty="0">
+                <a:solidFill>
+                  <a:srgbClr val="467886"/>
+                </a:solidFill>
+                <a:effectLst/>
+                <a:latin typeface="Times New Roman" panose="02020603050405020304" pitchFamily="18" charset="0"/>
+                <a:ea typeface="Aptos" panose="020B0004020202020204" pitchFamily="34" charset="0"/>
+                <a:cs typeface="Times New Roman" panose="02020603050405020304" pitchFamily="18" charset="0"/>
+                <a:hlinkClick r:id="rId4"/>
+              </a:rPr>
+              <a:t>https://www.logmycare.co.uk/</a:t>
+            </a:r>
+            <a:br>
+              <a:rPr lang="en-IE" sz="1400" kern="100" dirty="0">
+                <a:effectLst/>
+                <a:latin typeface="Times New Roman" panose="02020603050405020304" pitchFamily="18" charset="0"/>
+                <a:ea typeface="Aptos" panose="020B0004020202020204" pitchFamily="34" charset="0"/>
+                <a:cs typeface="Times New Roman" panose="02020603050405020304" pitchFamily="18" charset="0"/>
+              </a:rPr>
+            </a:br>
+            <a:r>
+              <a:rPr lang="en-IE" sz="1400" kern="100" dirty="0">
+                <a:effectLst/>
+                <a:latin typeface="Times New Roman" panose="02020603050405020304" pitchFamily="18" charset="0"/>
+                <a:ea typeface="Aptos" panose="020B0004020202020204" pitchFamily="34" charset="0"/>
+                <a:cs typeface="Times New Roman" panose="02020603050405020304" pitchFamily="18" charset="0"/>
+              </a:rPr>
+              <a:t>[Accessed October 2024].</a:t>
+            </a:r>
+          </a:p>
+          <a:p>
+            <a:endParaRPr lang="en-IE" sz="1400" dirty="0">
+              <a:latin typeface="Times New Roman" panose="02020603050405020304" pitchFamily="18" charset="0"/>
+              <a:cs typeface="Times New Roman" panose="02020603050405020304" pitchFamily="18" charset="0"/>
+            </a:endParaRPr>
+          </a:p>
+          <a:p>
+            <a:r>
+              <a:rPr lang="en-IE" sz="1400" kern="100" dirty="0">
+                <a:effectLst/>
+                <a:latin typeface="Times New Roman" panose="02020603050405020304" pitchFamily="18" charset="0"/>
+                <a:ea typeface="Aptos" panose="020B0004020202020204" pitchFamily="34" charset="0"/>
+                <a:cs typeface="Times New Roman" panose="02020603050405020304" pitchFamily="18" charset="0"/>
+              </a:rPr>
+              <a:t>Health Level Seven International, 2024. </a:t>
+            </a:r>
+            <a:r>
+              <a:rPr lang="en-IE" sz="1400" i="1" kern="100" dirty="0">
+                <a:effectLst/>
+                <a:latin typeface="Times New Roman" panose="02020603050405020304" pitchFamily="18" charset="0"/>
+                <a:ea typeface="Aptos" panose="020B0004020202020204" pitchFamily="34" charset="0"/>
+                <a:cs typeface="Times New Roman" panose="02020603050405020304" pitchFamily="18" charset="0"/>
+              </a:rPr>
+              <a:t>Introduction to HL7 Standards. </a:t>
+            </a:r>
+            <a:r>
+              <a:rPr lang="en-IE" sz="1400" kern="100" dirty="0">
+                <a:effectLst/>
+                <a:latin typeface="Times New Roman" panose="02020603050405020304" pitchFamily="18" charset="0"/>
+                <a:ea typeface="Aptos" panose="020B0004020202020204" pitchFamily="34" charset="0"/>
+                <a:cs typeface="Times New Roman" panose="02020603050405020304" pitchFamily="18" charset="0"/>
+              </a:rPr>
+              <a:t>[Online] </a:t>
+            </a:r>
+            <a:br>
+              <a:rPr lang="en-IE" sz="1400" kern="100" dirty="0">
+                <a:effectLst/>
+                <a:latin typeface="Times New Roman" panose="02020603050405020304" pitchFamily="18" charset="0"/>
+                <a:ea typeface="Aptos" panose="020B0004020202020204" pitchFamily="34" charset="0"/>
+                <a:cs typeface="Times New Roman" panose="02020603050405020304" pitchFamily="18" charset="0"/>
+              </a:rPr>
+            </a:br>
+            <a:r>
+              <a:rPr lang="en-IE" sz="1400" kern="100" dirty="0">
+                <a:effectLst/>
+                <a:latin typeface="Times New Roman" panose="02020603050405020304" pitchFamily="18" charset="0"/>
+                <a:ea typeface="Aptos" panose="020B0004020202020204" pitchFamily="34" charset="0"/>
+                <a:cs typeface="Times New Roman" panose="02020603050405020304" pitchFamily="18" charset="0"/>
+              </a:rPr>
+              <a:t>Available at: </a:t>
+            </a:r>
+            <a:r>
+              <a:rPr lang="en-IE" sz="1400" u="sng" kern="100" dirty="0">
+                <a:solidFill>
+                  <a:srgbClr val="467886"/>
+                </a:solidFill>
+                <a:effectLst/>
+                <a:latin typeface="Times New Roman" panose="02020603050405020304" pitchFamily="18" charset="0"/>
+                <a:ea typeface="Aptos" panose="020B0004020202020204" pitchFamily="34" charset="0"/>
+                <a:cs typeface="Times New Roman" panose="02020603050405020304" pitchFamily="18" charset="0"/>
+                <a:hlinkClick r:id="rId5"/>
+              </a:rPr>
+              <a:t>https://www.hl7.org/implement/standards/index.cfm?ref=nav</a:t>
+            </a:r>
+            <a:br>
+              <a:rPr lang="en-IE" sz="1400" kern="100" dirty="0">
+                <a:effectLst/>
+                <a:latin typeface="Times New Roman" panose="02020603050405020304" pitchFamily="18" charset="0"/>
+                <a:ea typeface="Aptos" panose="020B0004020202020204" pitchFamily="34" charset="0"/>
+                <a:cs typeface="Times New Roman" panose="02020603050405020304" pitchFamily="18" charset="0"/>
+              </a:rPr>
+            </a:br>
+            <a:r>
+              <a:rPr lang="en-IE" sz="1400" kern="100" dirty="0">
+                <a:effectLst/>
+                <a:latin typeface="Times New Roman" panose="02020603050405020304" pitchFamily="18" charset="0"/>
+                <a:ea typeface="Aptos" panose="020B0004020202020204" pitchFamily="34" charset="0"/>
+                <a:cs typeface="Times New Roman" panose="02020603050405020304" pitchFamily="18" charset="0"/>
+              </a:rPr>
+              <a:t>[Accessed October 2024].</a:t>
+            </a:r>
+          </a:p>
+          <a:p>
+            <a:endParaRPr lang="en-IE" sz="1400" dirty="0">
+              <a:latin typeface="Times New Roman" panose="02020603050405020304" pitchFamily="18" charset="0"/>
+              <a:cs typeface="Times New Roman" panose="02020603050405020304" pitchFamily="18" charset="0"/>
+            </a:endParaRPr>
+          </a:p>
+          <a:p>
+            <a:r>
+              <a:rPr lang="en-GB" sz="1400" dirty="0">
+                <a:effectLst/>
+                <a:latin typeface="Times New Roman" panose="02020603050405020304" pitchFamily="18" charset="0"/>
+                <a:cs typeface="Times New Roman" panose="02020603050405020304" pitchFamily="18" charset="0"/>
+              </a:rPr>
+              <a:t>(2024a) </a:t>
+            </a:r>
+            <a:r>
+              <a:rPr lang="en-GB" sz="1400" i="1" dirty="0" err="1">
+                <a:effectLst/>
+                <a:latin typeface="Times New Roman" panose="02020603050405020304" pitchFamily="18" charset="0"/>
+                <a:cs typeface="Times New Roman" panose="02020603050405020304" pitchFamily="18" charset="0"/>
+              </a:rPr>
+              <a:t>Freepik</a:t>
+            </a:r>
+            <a:r>
+              <a:rPr lang="en-GB" sz="1400" i="1" dirty="0">
+                <a:effectLst/>
+                <a:latin typeface="Times New Roman" panose="02020603050405020304" pitchFamily="18" charset="0"/>
+                <a:cs typeface="Times New Roman" panose="02020603050405020304" pitchFamily="18" charset="0"/>
+              </a:rPr>
+              <a:t> | create great designs, faster</a:t>
+            </a:r>
+            <a:r>
+              <a:rPr lang="en-GB" sz="1400" dirty="0">
+                <a:effectLst/>
+                <a:latin typeface="Times New Roman" panose="02020603050405020304" pitchFamily="18" charset="0"/>
+                <a:cs typeface="Times New Roman" panose="02020603050405020304" pitchFamily="18" charset="0"/>
+              </a:rPr>
+              <a:t>. </a:t>
+            </a:r>
+          </a:p>
+          <a:p>
+            <a:r>
+              <a:rPr lang="en-GB" sz="1400" dirty="0">
+                <a:effectLst/>
+                <a:latin typeface="Times New Roman" panose="02020603050405020304" pitchFamily="18" charset="0"/>
+                <a:cs typeface="Times New Roman" panose="02020603050405020304" pitchFamily="18" charset="0"/>
+              </a:rPr>
+              <a:t>Available at: </a:t>
+            </a:r>
+            <a:r>
+              <a:rPr lang="en-GB" sz="1400" dirty="0">
+                <a:effectLst/>
+                <a:latin typeface="Times New Roman" panose="02020603050405020304" pitchFamily="18" charset="0"/>
+                <a:cs typeface="Times New Roman" panose="02020603050405020304" pitchFamily="18" charset="0"/>
+                <a:hlinkClick r:id="rId6"/>
+              </a:rPr>
+              <a:t>https://www.freepik.com/ </a:t>
+            </a:r>
+            <a:endParaRPr lang="en-GB" sz="1400" dirty="0">
+              <a:effectLst/>
+              <a:latin typeface="Times New Roman" panose="02020603050405020304" pitchFamily="18" charset="0"/>
+              <a:cs typeface="Times New Roman" panose="02020603050405020304" pitchFamily="18" charset="0"/>
+            </a:endParaRPr>
+          </a:p>
+          <a:p>
+            <a:r>
+              <a:rPr lang="en-GB" sz="1400" dirty="0">
+                <a:effectLst/>
+                <a:latin typeface="Times New Roman" panose="02020603050405020304" pitchFamily="18" charset="0"/>
+                <a:cs typeface="Times New Roman" panose="02020603050405020304" pitchFamily="18" charset="0"/>
+              </a:rPr>
+              <a:t>(Accessed: October 2024). </a:t>
+            </a:r>
+          </a:p>
+          <a:p>
+            <a:endParaRPr lang="en-GB" sz="1400" dirty="0">
+              <a:latin typeface="Times New Roman" panose="02020603050405020304" pitchFamily="18" charset="0"/>
+              <a:cs typeface="Times New Roman" panose="02020603050405020304" pitchFamily="18" charset="0"/>
+            </a:endParaRPr>
+          </a:p>
+          <a:p>
+            <a:r>
+              <a:rPr lang="en-IE" sz="1400" dirty="0">
+                <a:latin typeface="Times New Roman" panose="02020603050405020304" pitchFamily="18" charset="0"/>
+                <a:cs typeface="Times New Roman" panose="02020603050405020304" pitchFamily="18" charset="0"/>
+                <a:hlinkClick r:id="rId7"/>
+              </a:rPr>
+              <a:t>https://www.python.org/</a:t>
+            </a:r>
+            <a:endParaRPr lang="en-IE" sz="1400" dirty="0">
+              <a:latin typeface="Times New Roman" panose="02020603050405020304" pitchFamily="18" charset="0"/>
+              <a:cs typeface="Times New Roman" panose="02020603050405020304" pitchFamily="18" charset="0"/>
+            </a:endParaRPr>
+          </a:p>
+          <a:p>
+            <a:r>
+              <a:rPr lang="en-IE" sz="1400" dirty="0">
+                <a:latin typeface="Times New Roman" panose="02020603050405020304" pitchFamily="18" charset="0"/>
+                <a:cs typeface="Times New Roman" panose="02020603050405020304" pitchFamily="18" charset="0"/>
+                <a:hlinkClick r:id="rId8"/>
+              </a:rPr>
+              <a:t>https://www.djangoproject.com/</a:t>
+            </a:r>
+            <a:endParaRPr lang="en-IE" sz="1400" dirty="0">
+              <a:latin typeface="Times New Roman" panose="02020603050405020304" pitchFamily="18" charset="0"/>
+              <a:cs typeface="Times New Roman" panose="02020603050405020304" pitchFamily="18" charset="0"/>
+            </a:endParaRPr>
+          </a:p>
+          <a:p>
+            <a:r>
+              <a:rPr lang="en-IE" sz="1400" dirty="0">
+                <a:latin typeface="Times New Roman" panose="02020603050405020304" pitchFamily="18" charset="0"/>
+                <a:cs typeface="Times New Roman" panose="02020603050405020304" pitchFamily="18" charset="0"/>
+                <a:hlinkClick r:id="rId9"/>
+              </a:rPr>
+              <a:t>https://mariadb.org/</a:t>
+            </a:r>
+            <a:endParaRPr lang="en-IE" sz="1400" dirty="0">
+              <a:latin typeface="Times New Roman" panose="02020603050405020304" pitchFamily="18" charset="0"/>
+              <a:cs typeface="Times New Roman" panose="02020603050405020304" pitchFamily="18" charset="0"/>
+            </a:endParaRPr>
+          </a:p>
+          <a:p>
+            <a:r>
+              <a:rPr lang="en-IE" sz="1400" dirty="0">
+                <a:latin typeface="Times New Roman" panose="02020603050405020304" pitchFamily="18" charset="0"/>
+                <a:cs typeface="Times New Roman" panose="02020603050405020304" pitchFamily="18" charset="0"/>
+                <a:hlinkClick r:id="rId10"/>
+              </a:rPr>
+              <a:t>https://pypi.org/project/cryptography/</a:t>
+            </a:r>
+            <a:endParaRPr lang="en-GB" sz="1400" dirty="0">
+              <a:effectLst/>
+              <a:latin typeface="Times New Roman" panose="02020603050405020304" pitchFamily="18" charset="0"/>
+              <a:cs typeface="Times New Roman" panose="02020603050405020304" pitchFamily="18" charset="0"/>
+            </a:endParaRPr>
+          </a:p>
+          <a:p>
+            <a:endParaRPr lang="en-IE" sz="1400" dirty="0">
+              <a:latin typeface="Times New Roman" panose="02020603050405020304" pitchFamily="18" charset="0"/>
+              <a:cs typeface="Times New Roman" panose="02020603050405020304" pitchFamily="18" charset="0"/>
+            </a:endParaRPr>
+          </a:p>
+          <a:p>
             <a:pPr marL="285750" indent="-285750">
               <a:buFont typeface="Arial" panose="020B0604020202020204" pitchFamily="34" charset="0"/>
               <a:buChar char="•"/>
             </a:pPr>
-            <a:r>
-              <a:rPr lang="en-IE" dirty="0">
-                <a:latin typeface="Times New Roman" panose="02020603050405020304" pitchFamily="18" charset="0"/>
-                <a:cs typeface="Times New Roman" panose="02020603050405020304" pitchFamily="18" charset="0"/>
-              </a:rPr>
-              <a:t>Create a secure web application, to secure patient data.</a:t>
-            </a:r>
-          </a:p>
-          <a:p>
-            <a:pPr marL="285750" indent="-285750">
-              <a:buFont typeface="Arial" panose="020B0604020202020204" pitchFamily="34" charset="0"/>
-              <a:buChar char="•"/>
-            </a:pPr>
-            <a:r>
-              <a:rPr lang="en-IE" dirty="0">
-                <a:latin typeface="Times New Roman" panose="02020603050405020304" pitchFamily="18" charset="0"/>
-                <a:cs typeface="Times New Roman" panose="02020603050405020304" pitchFamily="18" charset="0"/>
-              </a:rPr>
-              <a:t>The creation of this application will help </a:t>
-            </a:r>
-            <a:r>
-              <a:rPr lang="en-IE" i="0" dirty="0">
-                <a:effectLst/>
-                <a:latin typeface="Times New Roman" panose="02020603050405020304" pitchFamily="18" charset="0"/>
-                <a:cs typeface="Times New Roman" panose="02020603050405020304" pitchFamily="18" charset="0"/>
-              </a:rPr>
-              <a:t>alleviate and modernize patient data management by replacing manual documentation with digital system.</a:t>
-            </a:r>
-          </a:p>
-          <a:p>
-            <a:pPr marL="285750" indent="-285750">
-              <a:buFont typeface="Arial" panose="020B0604020202020204" pitchFamily="34" charset="0"/>
-              <a:buChar char="•"/>
-            </a:pPr>
-            <a:r>
-              <a:rPr lang="en-IE" dirty="0">
-                <a:latin typeface="Times New Roman" panose="02020603050405020304" pitchFamily="18" charset="0"/>
-                <a:cs typeface="Times New Roman" panose="02020603050405020304" pitchFamily="18" charset="0"/>
-              </a:rPr>
-              <a:t>To comply with Health Level 7 standard.</a:t>
-            </a:r>
-            <a:endParaRPr lang="en-IE" i="0" dirty="0">
-              <a:effectLst/>
+            <a:endParaRPr lang="en-IE" sz="1400" dirty="0">
               <a:latin typeface="Times New Roman" panose="02020603050405020304" pitchFamily="18" charset="0"/>
               <a:cs typeface="Times New Roman" panose="02020603050405020304" pitchFamily="18" charset="0"/>
             </a:endParaRPr>
           </a:p>
-          <a:p>
-            <a:pPr marL="285750" indent="-285750">
-              <a:buFont typeface="Arial" panose="020B0604020202020204" pitchFamily="34" charset="0"/>
-              <a:buChar char="•"/>
-            </a:pPr>
-            <a:endParaRPr lang="en-IE" dirty="0">
-              <a:latin typeface="Times New Roman" panose="02020603050405020304" pitchFamily="18" charset="0"/>
-              <a:cs typeface="Times New Roman" panose="02020603050405020304" pitchFamily="18" charset="0"/>
-            </a:endParaRPr>
-          </a:p>
         </p:txBody>
       </p:sp>
     </p:spTree>
     <p:extLst>
       <p:ext uri="{BB962C8B-B14F-4D97-AF65-F5344CB8AC3E}">
-        <p14:creationId xmlns:p14="http://schemas.microsoft.com/office/powerpoint/2010/main" val="199638054"/>
+        <p14:creationId xmlns:p14="http://schemas.microsoft.com/office/powerpoint/2010/main" val="1204232789"/>
       </p:ext>
     </p:extLst>
   </p:cSld>
   <p:clrMapOvr>
     <a:masterClrMapping/>
   </p:clrMapOvr>
-  <mc:AlternateContent xmlns:mc="http://schemas.openxmlformats.org/markup-compatibility/2006">
-    <mc:Choice xmlns:p14="http://schemas.microsoft.com/office/powerpoint/2010/main" Requires="p14">
+  <mc:AlternateContent xmlns:mc="http://schemas.openxmlformats.org/markup-compatibility/2006" xmlns:p14="http://schemas.microsoft.com/office/powerpoint/2010/main">
+    <mc:Choice Requires="p14">
       <p:transition spd="med" p14:dur="700">
         <p:fade/>
       </p:transition>
     </mc:Choice>
-    <mc:Fallback>
+    <mc:Fallback xmlns="">
       <p:transition spd="med">
         <p:fade/>
       </p:transition>
@@ -6214,7 +7113,7 @@
 </p:sld>
 </file>
 
-<file path=ppt/slides/slide3.xml><?xml version="1.0" encoding="utf-8"?>
+<file path=ppt/slides/slide11.xml><?xml version="1.0" encoding="utf-8"?>
 <p:sld xmlns:a="http://schemas.openxmlformats.org/drawingml/2006/main" xmlns:r="http://schemas.openxmlformats.org/officeDocument/2006/relationships" xmlns:p="http://schemas.openxmlformats.org/presentationml/2006/main">
   <p:cSld>
     <p:spTree>
@@ -6233,10 +7132,1527 @@
       </p:grpSpPr>
       <p:sp>
         <p:nvSpPr>
+          <p:cNvPr id="3" name="TextBox 2">
+            <a:extLst>
+              <a:ext uri="{FF2B5EF4-FFF2-40B4-BE49-F238E27FC236}">
+                <a16:creationId xmlns:a16="http://schemas.microsoft.com/office/drawing/2014/main" id="{2E6B0BE2-200F-3836-0288-AD83D5BCDCE0}"/>
+              </a:ext>
+            </a:extLst>
+          </p:cNvPr>
+          <p:cNvSpPr txBox="1"/>
+          <p:nvPr/>
+        </p:nvSpPr>
+        <p:spPr>
+          <a:xfrm>
+            <a:off x="192025" y="219456"/>
+            <a:ext cx="9236164" cy="1015663"/>
+          </a:xfrm>
+          <a:prstGeom prst="rect">
+            <a:avLst/>
+          </a:prstGeom>
+          <a:noFill/>
+          <a:ln w="19050" cap="flat" cmpd="sng" algn="ctr">
+            <a:solidFill>
+              <a:schemeClr val="dk1"/>
+            </a:solidFill>
+            <a:prstDash val="solid"/>
+            <a:round/>
+            <a:headEnd type="none" w="med" len="med"/>
+            <a:tailEnd type="none" w="med" len="med"/>
+          </a:ln>
+        </p:spPr>
+        <p:style>
+          <a:lnRef idx="0">
+            <a:scrgbClr r="0" g="0" b="0"/>
+          </a:lnRef>
+          <a:fillRef idx="0">
+            <a:scrgbClr r="0" g="0" b="0"/>
+          </a:fillRef>
+          <a:effectRef idx="0">
+            <a:scrgbClr r="0" g="0" b="0"/>
+          </a:effectRef>
+          <a:fontRef idx="minor">
+            <a:schemeClr val="dk1"/>
+          </a:fontRef>
+        </p:style>
+        <p:txBody>
+          <a:bodyPr wrap="square" rtlCol="0">
+            <a:spAutoFit/>
+          </a:bodyPr>
+          <a:lstStyle/>
+          <a:p>
+            <a:pPr algn="ctr"/>
+            <a:r>
+              <a:rPr lang="en-IE" sz="3000" dirty="0">
+                <a:latin typeface="Times New Roman" panose="02020603050405020304" pitchFamily="18" charset="0"/>
+                <a:cs typeface="Times New Roman" panose="02020603050405020304" pitchFamily="18" charset="0"/>
+              </a:rPr>
+              <a:t>Elderly Care Management System – Yr 4 Project</a:t>
+            </a:r>
+          </a:p>
+          <a:p>
+            <a:pPr algn="ctr"/>
+            <a:r>
+              <a:rPr lang="en-IE" sz="2800" dirty="0">
+                <a:latin typeface="Times New Roman" panose="02020603050405020304" pitchFamily="18" charset="0"/>
+                <a:cs typeface="Times New Roman" panose="02020603050405020304" pitchFamily="18" charset="0"/>
+              </a:rPr>
+              <a:t>-</a:t>
+            </a:r>
+            <a:r>
+              <a:rPr lang="en-IE" sz="2400" dirty="0">
+                <a:latin typeface="Times New Roman" panose="02020603050405020304" pitchFamily="18" charset="0"/>
+                <a:cs typeface="Times New Roman" panose="02020603050405020304" pitchFamily="18" charset="0"/>
+              </a:rPr>
+              <a:t>By Qadeer Hussain  Date: 25/10/2024</a:t>
+            </a:r>
+            <a:endParaRPr lang="en-IE" sz="2800" dirty="0">
+              <a:latin typeface="Times New Roman" panose="02020603050405020304" pitchFamily="18" charset="0"/>
+              <a:cs typeface="Times New Roman" panose="02020603050405020304" pitchFamily="18" charset="0"/>
+            </a:endParaRPr>
+          </a:p>
+        </p:txBody>
+      </p:sp>
+      <p:pic>
+        <p:nvPicPr>
+          <p:cNvPr id="19" name="Picture 18" descr="A logo for a university&#10;&#10;Description automatically generated">
+            <a:extLst>
+              <a:ext uri="{FF2B5EF4-FFF2-40B4-BE49-F238E27FC236}">
+                <a16:creationId xmlns:a16="http://schemas.microsoft.com/office/drawing/2014/main" id="{8459A284-605B-C290-EEDD-9CEE7CAF9ADC}"/>
+              </a:ext>
+            </a:extLst>
+          </p:cNvPr>
+          <p:cNvPicPr>
+            <a:picLocks noChangeAspect="1"/>
+          </p:cNvPicPr>
+          <p:nvPr/>
+        </p:nvPicPr>
+        <p:blipFill>
+          <a:blip r:embed="rId3">
+            <a:extLst>
+              <a:ext uri="{28A0092B-C50C-407E-A947-70E740481C1C}">
+                <a14:useLocalDpi xmlns:a14="http://schemas.microsoft.com/office/drawing/2010/main" val="0"/>
+              </a:ext>
+            </a:extLst>
+          </a:blip>
+          <a:stretch>
+            <a:fillRect/>
+          </a:stretch>
+        </p:blipFill>
+        <p:spPr>
+          <a:xfrm>
+            <a:off x="9657185" y="219456"/>
+            <a:ext cx="2342792" cy="1015663"/>
+          </a:xfrm>
+          <a:prstGeom prst="rect">
+            <a:avLst/>
+          </a:prstGeom>
+          <a:ln w="19050">
+            <a:solidFill>
+              <a:schemeClr val="tx1"/>
+            </a:solidFill>
+          </a:ln>
+        </p:spPr>
+      </p:pic>
+      <p:sp>
+        <p:nvSpPr>
+          <p:cNvPr id="34" name="TextBox 33">
+            <a:extLst>
+              <a:ext uri="{FF2B5EF4-FFF2-40B4-BE49-F238E27FC236}">
+                <a16:creationId xmlns:a16="http://schemas.microsoft.com/office/drawing/2014/main" id="{C4D3B755-BC3F-1611-3AA1-4D68717DC700}"/>
+              </a:ext>
+            </a:extLst>
+          </p:cNvPr>
+          <p:cNvSpPr txBox="1"/>
+          <p:nvPr/>
+        </p:nvSpPr>
+        <p:spPr>
+          <a:xfrm>
+            <a:off x="184449" y="3696329"/>
+            <a:ext cx="3378231" cy="1492716"/>
+          </a:xfrm>
+          <a:prstGeom prst="rect">
+            <a:avLst/>
+          </a:prstGeom>
+          <a:noFill/>
+          <a:ln w="19050">
+            <a:solidFill>
+              <a:schemeClr val="tx1"/>
+            </a:solidFill>
+          </a:ln>
+        </p:spPr>
+        <p:txBody>
+          <a:bodyPr wrap="square" rtlCol="0">
+            <a:spAutoFit/>
+          </a:bodyPr>
+          <a:lstStyle/>
+          <a:p>
+            <a:pPr algn="ctr"/>
+            <a:r>
+              <a:rPr lang="en-IE" sz="1400" b="1" dirty="0">
+                <a:latin typeface="Times New Roman" panose="02020603050405020304" pitchFamily="18" charset="0"/>
+                <a:cs typeface="Times New Roman" panose="02020603050405020304" pitchFamily="18" charset="0"/>
+              </a:rPr>
+              <a:t>What are the Core features?</a:t>
+            </a:r>
+          </a:p>
+          <a:p>
+            <a:pPr algn="ctr"/>
+            <a:endParaRPr lang="en-IE" sz="1400" dirty="0">
+              <a:latin typeface="Times New Roman" panose="02020603050405020304" pitchFamily="18" charset="0"/>
+              <a:cs typeface="Times New Roman" panose="02020603050405020304" pitchFamily="18" charset="0"/>
+            </a:endParaRPr>
+          </a:p>
+          <a:p>
+            <a:r>
+              <a:rPr lang="en-IE" sz="1050" dirty="0">
+                <a:latin typeface="Times New Roman" panose="02020603050405020304" pitchFamily="18" charset="0"/>
+                <a:cs typeface="Times New Roman" panose="02020603050405020304" pitchFamily="18" charset="0"/>
+              </a:rPr>
+              <a:t>This is a list of features that will be included in this project: </a:t>
+            </a:r>
+          </a:p>
+          <a:p>
+            <a:pPr marL="171450" indent="-171450">
+              <a:buFont typeface="Arial" panose="020B0604020202020204" pitchFamily="34" charset="0"/>
+              <a:buChar char="•"/>
+            </a:pPr>
+            <a:r>
+              <a:rPr lang="en-IE" sz="1050" dirty="0">
+                <a:latin typeface="Times New Roman" panose="02020603050405020304" pitchFamily="18" charset="0"/>
+                <a:cs typeface="Times New Roman" panose="02020603050405020304" pitchFamily="18" charset="0"/>
+              </a:rPr>
+              <a:t>Implementing Security</a:t>
+            </a:r>
+          </a:p>
+          <a:p>
+            <a:pPr marL="171450" indent="-171450">
+              <a:buFont typeface="Arial" panose="020B0604020202020204" pitchFamily="34" charset="0"/>
+              <a:buChar char="•"/>
+            </a:pPr>
+            <a:r>
+              <a:rPr lang="en-IE" sz="1050" dirty="0">
+                <a:latin typeface="Times New Roman" panose="02020603050405020304" pitchFamily="18" charset="0"/>
+                <a:cs typeface="Times New Roman" panose="02020603050405020304" pitchFamily="18" charset="0"/>
+              </a:rPr>
+              <a:t>Patient Profile</a:t>
+            </a:r>
+          </a:p>
+          <a:p>
+            <a:pPr marL="171450" indent="-171450">
+              <a:buFont typeface="Arial" panose="020B0604020202020204" pitchFamily="34" charset="0"/>
+              <a:buChar char="•"/>
+            </a:pPr>
+            <a:r>
+              <a:rPr lang="en-IE" sz="1050" dirty="0">
+                <a:latin typeface="Times New Roman" panose="02020603050405020304" pitchFamily="18" charset="0"/>
+                <a:cs typeface="Times New Roman" panose="02020603050405020304" pitchFamily="18" charset="0"/>
+              </a:rPr>
+              <a:t>Care Planner</a:t>
+            </a:r>
+          </a:p>
+          <a:p>
+            <a:pPr marL="171450" indent="-171450">
+              <a:buFont typeface="Arial" panose="020B0604020202020204" pitchFamily="34" charset="0"/>
+              <a:buChar char="•"/>
+            </a:pPr>
+            <a:r>
+              <a:rPr lang="en-IE" sz="1050" dirty="0">
+                <a:latin typeface="Times New Roman" panose="02020603050405020304" pitchFamily="18" charset="0"/>
+                <a:cs typeface="Times New Roman" panose="02020603050405020304" pitchFamily="18" charset="0"/>
+              </a:rPr>
+              <a:t>Medical Dashboard</a:t>
+            </a:r>
+          </a:p>
+          <a:p>
+            <a:pPr marL="171450" indent="-171450">
+              <a:buFont typeface="Arial" panose="020B0604020202020204" pitchFamily="34" charset="0"/>
+              <a:buChar char="•"/>
+            </a:pPr>
+            <a:r>
+              <a:rPr lang="en-IE" sz="1050" dirty="0">
+                <a:latin typeface="Times New Roman" panose="02020603050405020304" pitchFamily="18" charset="0"/>
+                <a:cs typeface="Times New Roman" panose="02020603050405020304" pitchFamily="18" charset="0"/>
+              </a:rPr>
+              <a:t>Roster</a:t>
+            </a:r>
+          </a:p>
+        </p:txBody>
+      </p:sp>
+      <p:sp>
+        <p:nvSpPr>
+          <p:cNvPr id="37" name="TextBox 36">
+            <a:extLst>
+              <a:ext uri="{FF2B5EF4-FFF2-40B4-BE49-F238E27FC236}">
+                <a16:creationId xmlns:a16="http://schemas.microsoft.com/office/drawing/2014/main" id="{CDA66500-E247-F97B-F49C-A6507BC8964D}"/>
+              </a:ext>
+            </a:extLst>
+          </p:cNvPr>
+          <p:cNvSpPr txBox="1"/>
+          <p:nvPr/>
+        </p:nvSpPr>
+        <p:spPr>
+          <a:xfrm>
+            <a:off x="9657184" y="1502153"/>
+            <a:ext cx="2342792" cy="1656000"/>
+          </a:xfrm>
+          <a:prstGeom prst="rect">
+            <a:avLst/>
+          </a:prstGeom>
+          <a:solidFill>
+            <a:srgbClr val="FFFFFF">
+              <a:alpha val="80000"/>
+            </a:srgbClr>
+          </a:solidFill>
+          <a:ln w="19050">
+            <a:solidFill>
+              <a:schemeClr val="tx1"/>
+            </a:solidFill>
+          </a:ln>
+        </p:spPr>
+        <p:txBody>
+          <a:bodyPr wrap="square" rtlCol="0">
+            <a:spAutoFit/>
+          </a:bodyPr>
+          <a:lstStyle/>
+          <a:p>
+            <a:pPr algn="ctr"/>
+            <a:r>
+              <a:rPr lang="en-IE" sz="1400" b="1" dirty="0">
+                <a:latin typeface="Times New Roman" panose="02020603050405020304" pitchFamily="18" charset="0"/>
+                <a:cs typeface="Times New Roman" panose="02020603050405020304" pitchFamily="18" charset="0"/>
+              </a:rPr>
+              <a:t>Existing Systems</a:t>
+            </a:r>
+            <a:endParaRPr lang="en-IE" sz="1050" dirty="0">
+              <a:latin typeface="Times New Roman" panose="02020603050405020304" pitchFamily="18" charset="0"/>
+              <a:cs typeface="Times New Roman" panose="02020603050405020304" pitchFamily="18" charset="0"/>
+            </a:endParaRPr>
+          </a:p>
+          <a:p>
+            <a:pPr marL="285750" indent="-285750">
+              <a:buFont typeface="Arial" panose="020B0604020202020204" pitchFamily="34" charset="0"/>
+              <a:buChar char="•"/>
+            </a:pPr>
+            <a:r>
+              <a:rPr lang="en-IE" sz="1050" b="1" dirty="0">
+                <a:latin typeface="Times New Roman" panose="02020603050405020304" pitchFamily="18" charset="0"/>
+                <a:cs typeface="Times New Roman" panose="02020603050405020304" pitchFamily="18" charset="0"/>
+              </a:rPr>
+              <a:t>Pass App</a:t>
+            </a:r>
+          </a:p>
+          <a:p>
+            <a:pPr marL="285750" indent="-285750">
+              <a:buFont typeface="Arial" panose="020B0604020202020204" pitchFamily="34" charset="0"/>
+              <a:buChar char="•"/>
+            </a:pPr>
+            <a:r>
+              <a:rPr lang="en-IE" sz="1050" b="1" dirty="0">
+                <a:latin typeface="Times New Roman" panose="02020603050405020304" pitchFamily="18" charset="0"/>
+                <a:cs typeface="Times New Roman" panose="02020603050405020304" pitchFamily="18" charset="0"/>
+              </a:rPr>
+              <a:t>Log my Care</a:t>
+            </a:r>
+          </a:p>
+          <a:p>
+            <a:pPr marL="285750" indent="-285750">
+              <a:buFont typeface="Arial" panose="020B0604020202020204" pitchFamily="34" charset="0"/>
+              <a:buChar char="•"/>
+            </a:pPr>
+            <a:r>
+              <a:rPr lang="en-IE" sz="1050" b="1" dirty="0">
+                <a:latin typeface="Times New Roman" panose="02020603050405020304" pitchFamily="18" charset="0"/>
+                <a:cs typeface="Times New Roman" panose="02020603050405020304" pitchFamily="18" charset="0"/>
+              </a:rPr>
+              <a:t>Nourish</a:t>
+            </a:r>
+          </a:p>
+        </p:txBody>
+      </p:sp>
+      <p:sp>
+        <p:nvSpPr>
+          <p:cNvPr id="38" name="TextBox 37">
+            <a:extLst>
+              <a:ext uri="{FF2B5EF4-FFF2-40B4-BE49-F238E27FC236}">
+                <a16:creationId xmlns:a16="http://schemas.microsoft.com/office/drawing/2014/main" id="{55C2D02C-89C5-025B-4AC5-898010DA15F9}"/>
+              </a:ext>
+            </a:extLst>
+          </p:cNvPr>
+          <p:cNvSpPr txBox="1"/>
+          <p:nvPr/>
+        </p:nvSpPr>
+        <p:spPr>
+          <a:xfrm>
+            <a:off x="6804403" y="1537037"/>
+            <a:ext cx="2624328" cy="1623521"/>
+          </a:xfrm>
+          <a:prstGeom prst="rect">
+            <a:avLst/>
+          </a:prstGeom>
+          <a:noFill/>
+          <a:ln w="19050">
+            <a:solidFill>
+              <a:schemeClr val="tx1"/>
+            </a:solidFill>
+          </a:ln>
+        </p:spPr>
+        <p:txBody>
+          <a:bodyPr wrap="square" rtlCol="0">
+            <a:spAutoFit/>
+          </a:bodyPr>
+          <a:lstStyle/>
+          <a:p>
+            <a:pPr algn="ctr"/>
+            <a:r>
+              <a:rPr lang="en-IE" sz="1400" b="1" dirty="0">
+                <a:latin typeface="Times New Roman" panose="02020603050405020304" pitchFamily="18" charset="0"/>
+                <a:cs typeface="Times New Roman" panose="02020603050405020304" pitchFamily="18" charset="0"/>
+              </a:rPr>
+              <a:t>What is Health Level 7 (HL7)?</a:t>
+            </a:r>
+          </a:p>
+          <a:p>
+            <a:pPr algn="just"/>
+            <a:endParaRPr lang="en-IE" sz="1050" dirty="0">
+              <a:latin typeface="Times New Roman" panose="02020603050405020304" pitchFamily="18" charset="0"/>
+              <a:cs typeface="Times New Roman" panose="02020603050405020304" pitchFamily="18" charset="0"/>
+            </a:endParaRPr>
+          </a:p>
+          <a:p>
+            <a:pPr marL="285750" indent="-285750">
+              <a:buFont typeface="Arial" panose="020B0604020202020204" pitchFamily="34" charset="0"/>
+              <a:buChar char="•"/>
+            </a:pPr>
+            <a:r>
+              <a:rPr lang="en-GB" sz="1050" dirty="0">
+                <a:latin typeface="Times New Roman" panose="02020603050405020304" pitchFamily="18" charset="0"/>
+                <a:cs typeface="Times New Roman" panose="02020603050405020304" pitchFamily="18" charset="0"/>
+              </a:rPr>
+              <a:t>Framework for the exchange, integration, sharing and retrieval of health information.</a:t>
+            </a:r>
+          </a:p>
+          <a:p>
+            <a:pPr marL="285750" indent="-285750">
+              <a:buFont typeface="Arial" panose="020B0604020202020204" pitchFamily="34" charset="0"/>
+              <a:buChar char="•"/>
+            </a:pPr>
+            <a:r>
+              <a:rPr lang="en-GB" sz="1050" dirty="0">
+                <a:latin typeface="Times New Roman" panose="02020603050405020304" pitchFamily="18" charset="0"/>
+                <a:cs typeface="Times New Roman" panose="02020603050405020304" pitchFamily="18" charset="0"/>
+              </a:rPr>
+              <a:t>Most used standard globally.</a:t>
+            </a:r>
+          </a:p>
+          <a:p>
+            <a:pPr marL="285750" indent="-285750">
+              <a:buFont typeface="Arial" panose="020B0604020202020204" pitchFamily="34" charset="0"/>
+              <a:buChar char="•"/>
+            </a:pPr>
+            <a:r>
+              <a:rPr lang="en-GB" sz="1050" dirty="0">
+                <a:latin typeface="Times New Roman" panose="02020603050405020304" pitchFamily="18" charset="0"/>
+                <a:cs typeface="Times New Roman" panose="02020603050405020304" pitchFamily="18" charset="0"/>
+              </a:rPr>
+              <a:t>HL7 specifies several standards, guidelines and methodologies for health-related systems.</a:t>
+            </a:r>
+          </a:p>
+        </p:txBody>
+      </p:sp>
+      <p:sp>
+        <p:nvSpPr>
+          <p:cNvPr id="40" name="TextBox 39">
+            <a:extLst>
+              <a:ext uri="{FF2B5EF4-FFF2-40B4-BE49-F238E27FC236}">
+                <a16:creationId xmlns:a16="http://schemas.microsoft.com/office/drawing/2014/main" id="{519A9865-3DCF-E1CA-99CE-20ACE1A17063}"/>
+              </a:ext>
+            </a:extLst>
+          </p:cNvPr>
+          <p:cNvSpPr txBox="1"/>
+          <p:nvPr/>
+        </p:nvSpPr>
+        <p:spPr>
+          <a:xfrm>
+            <a:off x="3933040" y="1502151"/>
+            <a:ext cx="2624328" cy="1656000"/>
+          </a:xfrm>
+          <a:prstGeom prst="rect">
+            <a:avLst/>
+          </a:prstGeom>
+          <a:noFill/>
+          <a:ln w="19050">
+            <a:solidFill>
+              <a:schemeClr val="tx1"/>
+            </a:solidFill>
+          </a:ln>
+        </p:spPr>
+        <p:txBody>
+          <a:bodyPr wrap="square" rtlCol="0">
+            <a:spAutoFit/>
+          </a:bodyPr>
+          <a:lstStyle/>
+          <a:p>
+            <a:pPr algn="ctr"/>
+            <a:r>
+              <a:rPr lang="en-IE" sz="1400" b="1" dirty="0">
+                <a:latin typeface="Times New Roman" panose="02020603050405020304" pitchFamily="18" charset="0"/>
+                <a:cs typeface="Times New Roman" panose="02020603050405020304" pitchFamily="18" charset="0"/>
+              </a:rPr>
+              <a:t>What is the project?</a:t>
+            </a:r>
+          </a:p>
+          <a:p>
+            <a:pPr algn="ctr"/>
+            <a:endParaRPr lang="en-IE" sz="1050" dirty="0">
+              <a:latin typeface="Times New Roman" panose="02020603050405020304" pitchFamily="18" charset="0"/>
+              <a:cs typeface="Times New Roman" panose="02020603050405020304" pitchFamily="18" charset="0"/>
+            </a:endParaRPr>
+          </a:p>
+          <a:p>
+            <a:pPr marL="171450" indent="-171450">
+              <a:buFont typeface="Arial" panose="020B0604020202020204" pitchFamily="34" charset="0"/>
+              <a:buChar char="•"/>
+            </a:pPr>
+            <a:r>
+              <a:rPr lang="en-IE" sz="1050" dirty="0">
+                <a:latin typeface="Times New Roman" panose="02020603050405020304" pitchFamily="18" charset="0"/>
+                <a:cs typeface="Times New Roman" panose="02020603050405020304" pitchFamily="18" charset="0"/>
+              </a:rPr>
+              <a:t>It is a secure web application to safeguard and manage patient data in care centres. </a:t>
+            </a:r>
+          </a:p>
+          <a:p>
+            <a:pPr marL="171450" indent="-171450">
+              <a:buFont typeface="Arial" panose="020B0604020202020204" pitchFamily="34" charset="0"/>
+              <a:buChar char="•"/>
+            </a:pPr>
+            <a:r>
+              <a:rPr lang="en-IE" sz="1050" dirty="0">
+                <a:latin typeface="Times New Roman" panose="02020603050405020304" pitchFamily="18" charset="0"/>
+                <a:cs typeface="Times New Roman" panose="02020603050405020304" pitchFamily="18" charset="0"/>
+              </a:rPr>
+              <a:t>Digital documentation to streamline workflow.</a:t>
+            </a:r>
+          </a:p>
+          <a:p>
+            <a:pPr marL="171450" indent="-171450">
+              <a:buFont typeface="Arial" panose="020B0604020202020204" pitchFamily="34" charset="0"/>
+              <a:buChar char="•"/>
+            </a:pPr>
+            <a:r>
+              <a:rPr lang="en-IE" sz="1050" dirty="0">
+                <a:latin typeface="Times New Roman" panose="02020603050405020304" pitchFamily="18" charset="0"/>
+                <a:cs typeface="Times New Roman" panose="02020603050405020304" pitchFamily="18" charset="0"/>
+              </a:rPr>
+              <a:t>Application designed to cater Admin and Carer.</a:t>
+            </a:r>
+          </a:p>
+        </p:txBody>
+      </p:sp>
+      <p:sp>
+        <p:nvSpPr>
+          <p:cNvPr id="41" name="TextBox 40">
+            <a:extLst>
+              <a:ext uri="{FF2B5EF4-FFF2-40B4-BE49-F238E27FC236}">
+                <a16:creationId xmlns:a16="http://schemas.microsoft.com/office/drawing/2014/main" id="{3C8557AB-05C8-B35C-4D81-9E48F2CD1848}"/>
+              </a:ext>
+            </a:extLst>
+          </p:cNvPr>
+          <p:cNvSpPr txBox="1"/>
+          <p:nvPr/>
+        </p:nvSpPr>
+        <p:spPr>
+          <a:xfrm>
+            <a:off x="6803861" y="3361032"/>
+            <a:ext cx="2624328" cy="1731243"/>
+          </a:xfrm>
+          <a:prstGeom prst="rect">
+            <a:avLst/>
+          </a:prstGeom>
+          <a:noFill/>
+          <a:ln w="19050">
+            <a:solidFill>
+              <a:schemeClr val="tx1"/>
+            </a:solidFill>
+          </a:ln>
+        </p:spPr>
+        <p:txBody>
+          <a:bodyPr wrap="square" rtlCol="0">
+            <a:spAutoFit/>
+          </a:bodyPr>
+          <a:lstStyle/>
+          <a:p>
+            <a:pPr algn="ctr"/>
+            <a:r>
+              <a:rPr lang="en-IE" sz="1200" b="1" dirty="0">
+                <a:latin typeface="Times New Roman" panose="02020603050405020304" pitchFamily="18" charset="0"/>
+                <a:cs typeface="Times New Roman" panose="02020603050405020304" pitchFamily="18" charset="0"/>
+              </a:rPr>
+              <a:t>What is Shared Key and Public Key? </a:t>
+            </a:r>
+          </a:p>
+          <a:p>
+            <a:endParaRPr lang="en-IE" sz="1050" dirty="0">
+              <a:latin typeface="Times New Roman" panose="02020603050405020304" pitchFamily="18" charset="0"/>
+              <a:cs typeface="Times New Roman" panose="02020603050405020304" pitchFamily="18" charset="0"/>
+            </a:endParaRPr>
+          </a:p>
+          <a:p>
+            <a:pPr marL="285750" indent="-285750">
+              <a:buFont typeface="Arial" panose="020B0604020202020204" pitchFamily="34" charset="0"/>
+              <a:buChar char="•"/>
+            </a:pPr>
+            <a:r>
+              <a:rPr lang="en-IE" sz="1050" dirty="0">
+                <a:latin typeface="Times New Roman" panose="02020603050405020304" pitchFamily="18" charset="0"/>
+                <a:cs typeface="Times New Roman" panose="02020603050405020304" pitchFamily="18" charset="0"/>
+              </a:rPr>
+              <a:t>Shared key is a form of cryptography. </a:t>
+            </a:r>
+          </a:p>
+          <a:p>
+            <a:pPr marL="285750" indent="-285750">
+              <a:buFont typeface="Arial" panose="020B0604020202020204" pitchFamily="34" charset="0"/>
+              <a:buChar char="•"/>
+            </a:pPr>
+            <a:r>
+              <a:rPr lang="en-IE" sz="1050" dirty="0">
+                <a:latin typeface="Times New Roman" panose="02020603050405020304" pitchFamily="18" charset="0"/>
+                <a:cs typeface="Times New Roman" panose="02020603050405020304" pitchFamily="18" charset="0"/>
+              </a:rPr>
+              <a:t>Also known as Symmetric encryption.</a:t>
+            </a:r>
+          </a:p>
+          <a:p>
+            <a:pPr marL="285750" indent="-285750">
+              <a:buFont typeface="Arial" panose="020B0604020202020204" pitchFamily="34" charset="0"/>
+              <a:buChar char="•"/>
+            </a:pPr>
+            <a:r>
+              <a:rPr lang="en-IE" sz="1050" dirty="0">
+                <a:latin typeface="Times New Roman" panose="02020603050405020304" pitchFamily="18" charset="0"/>
+                <a:cs typeface="Times New Roman" panose="02020603050405020304" pitchFamily="18" charset="0"/>
+              </a:rPr>
+              <a:t>Method of encrypting data and decrypting data using one key.</a:t>
+            </a:r>
+          </a:p>
+          <a:p>
+            <a:pPr marL="285750" indent="-285750">
+              <a:buFont typeface="Arial" panose="020B0604020202020204" pitchFamily="34" charset="0"/>
+              <a:buChar char="•"/>
+            </a:pPr>
+            <a:r>
+              <a:rPr lang="en-IE" sz="1050" dirty="0">
+                <a:latin typeface="Times New Roman" panose="02020603050405020304" pitchFamily="18" charset="0"/>
+                <a:cs typeface="Times New Roman" panose="02020603050405020304" pitchFamily="18" charset="0"/>
+              </a:rPr>
+              <a:t>Public key is a form of cryptography.</a:t>
+            </a:r>
+          </a:p>
+          <a:p>
+            <a:pPr marL="285750" indent="-285750">
+              <a:buFont typeface="Arial" panose="020B0604020202020204" pitchFamily="34" charset="0"/>
+              <a:buChar char="•"/>
+            </a:pPr>
+            <a:r>
+              <a:rPr lang="en-IE" sz="1050" dirty="0">
+                <a:latin typeface="Times New Roman" panose="02020603050405020304" pitchFamily="18" charset="0"/>
+                <a:cs typeface="Times New Roman" panose="02020603050405020304" pitchFamily="18" charset="0"/>
+              </a:rPr>
+              <a:t>Also known a Asymmetric encryption.</a:t>
+            </a:r>
+          </a:p>
+          <a:p>
+            <a:pPr marL="285750" indent="-285750">
+              <a:buFont typeface="Arial" panose="020B0604020202020204" pitchFamily="34" charset="0"/>
+              <a:buChar char="•"/>
+            </a:pPr>
+            <a:r>
+              <a:rPr lang="en-IE" sz="1050" dirty="0">
+                <a:latin typeface="Times New Roman" panose="02020603050405020304" pitchFamily="18" charset="0"/>
+                <a:cs typeface="Times New Roman" panose="02020603050405020304" pitchFamily="18" charset="0"/>
+              </a:rPr>
+              <a:t>Method of encrypting and decrypting data using two keys.</a:t>
+            </a:r>
+            <a:endParaRPr lang="en-IE" sz="1600" b="1" dirty="0">
+              <a:latin typeface="Times New Roman" panose="02020603050405020304" pitchFamily="18" charset="0"/>
+              <a:cs typeface="Times New Roman" panose="02020603050405020304" pitchFamily="18" charset="0"/>
+            </a:endParaRPr>
+          </a:p>
+        </p:txBody>
+      </p:sp>
+      <p:sp>
+        <p:nvSpPr>
+          <p:cNvPr id="42" name="TextBox 41">
+            <a:extLst>
+              <a:ext uri="{FF2B5EF4-FFF2-40B4-BE49-F238E27FC236}">
+                <a16:creationId xmlns:a16="http://schemas.microsoft.com/office/drawing/2014/main" id="{285B800A-7B4C-867D-8DDA-F2CB962F5D72}"/>
+              </a:ext>
+            </a:extLst>
+          </p:cNvPr>
+          <p:cNvSpPr txBox="1"/>
+          <p:nvPr/>
+        </p:nvSpPr>
+        <p:spPr>
+          <a:xfrm>
+            <a:off x="9657184" y="3361032"/>
+            <a:ext cx="2342792" cy="3340800"/>
+          </a:xfrm>
+          <a:prstGeom prst="rect">
+            <a:avLst/>
+          </a:prstGeom>
+          <a:solidFill>
+            <a:srgbClr val="FFFFFF">
+              <a:alpha val="80000"/>
+            </a:srgbClr>
+          </a:solidFill>
+          <a:ln w="19050">
+            <a:solidFill>
+              <a:schemeClr val="tx1"/>
+            </a:solidFill>
+          </a:ln>
+        </p:spPr>
+        <p:txBody>
+          <a:bodyPr wrap="square" rtlCol="0">
+            <a:spAutoFit/>
+          </a:bodyPr>
+          <a:lstStyle/>
+          <a:p>
+            <a:pPr algn="ctr"/>
+            <a:r>
+              <a:rPr lang="en-IE" sz="1600" b="1" dirty="0">
+                <a:latin typeface="Times New Roman" panose="02020603050405020304" pitchFamily="18" charset="0"/>
+                <a:cs typeface="Times New Roman" panose="02020603050405020304" pitchFamily="18" charset="0"/>
+              </a:rPr>
+              <a:t>References</a:t>
+            </a:r>
+            <a:endParaRPr lang="en-IE" sz="1600" dirty="0">
+              <a:latin typeface="Times New Roman" panose="02020603050405020304" pitchFamily="18" charset="0"/>
+              <a:cs typeface="Times New Roman" panose="02020603050405020304" pitchFamily="18" charset="0"/>
+            </a:endParaRPr>
+          </a:p>
+          <a:p>
+            <a:pPr marL="228600" indent="-228600">
+              <a:buFont typeface="+mj-lt"/>
+              <a:buAutoNum type="arabicPeriod"/>
+            </a:pPr>
+            <a:r>
+              <a:rPr lang="en-GB" sz="750" dirty="0">
+                <a:effectLst/>
+                <a:latin typeface="Times New Roman" panose="02020603050405020304" pitchFamily="18" charset="0"/>
+                <a:cs typeface="Times New Roman" panose="02020603050405020304" pitchFamily="18" charset="0"/>
+              </a:rPr>
+              <a:t>2024) </a:t>
+            </a:r>
+            <a:r>
+              <a:rPr lang="en-GB" sz="750" i="1" dirty="0">
+                <a:effectLst/>
+                <a:latin typeface="Times New Roman" panose="02020603050405020304" pitchFamily="18" charset="0"/>
+                <a:cs typeface="Times New Roman" panose="02020603050405020304" pitchFamily="18" charset="0"/>
+              </a:rPr>
+              <a:t>Elderly care vectors &amp; illustrations for free download | </a:t>
+            </a:r>
+            <a:r>
+              <a:rPr lang="en-GB" sz="750" i="1" dirty="0" err="1">
+                <a:effectLst/>
+                <a:latin typeface="Times New Roman" panose="02020603050405020304" pitchFamily="18" charset="0"/>
+                <a:cs typeface="Times New Roman" panose="02020603050405020304" pitchFamily="18" charset="0"/>
+              </a:rPr>
+              <a:t>Freepik</a:t>
+            </a:r>
+            <a:r>
+              <a:rPr lang="en-GB" sz="750" dirty="0">
+                <a:effectLst/>
+                <a:latin typeface="Times New Roman" panose="02020603050405020304" pitchFamily="18" charset="0"/>
+                <a:cs typeface="Times New Roman" panose="02020603050405020304" pitchFamily="18" charset="0"/>
+              </a:rPr>
+              <a:t>. Available at: </a:t>
+            </a:r>
+            <a:r>
+              <a:rPr lang="en-GB" sz="750" dirty="0">
+                <a:effectLst/>
+                <a:latin typeface="Times New Roman" panose="02020603050405020304" pitchFamily="18" charset="0"/>
+                <a:cs typeface="Times New Roman" panose="02020603050405020304" pitchFamily="18" charset="0"/>
+                <a:hlinkClick r:id="rId4"/>
+              </a:rPr>
+              <a:t>https://www.freepik.com/vectors/elderly-care </a:t>
+            </a:r>
+            <a:r>
+              <a:rPr lang="en-GB" sz="750" dirty="0">
+                <a:effectLst/>
+                <a:latin typeface="Times New Roman" panose="02020603050405020304" pitchFamily="18" charset="0"/>
+                <a:cs typeface="Times New Roman" panose="02020603050405020304" pitchFamily="18" charset="0"/>
+              </a:rPr>
+              <a:t>(Accessed: October 2024). </a:t>
+            </a:r>
+            <a:endParaRPr lang="en-GB" sz="750" dirty="0">
+              <a:latin typeface="Times New Roman" panose="02020603050405020304" pitchFamily="18" charset="0"/>
+              <a:cs typeface="Times New Roman" panose="02020603050405020304" pitchFamily="18" charset="0"/>
+            </a:endParaRPr>
+          </a:p>
+          <a:p>
+            <a:pPr marL="228600" indent="-228600">
+              <a:buFont typeface="+mj-lt"/>
+              <a:buAutoNum type="arabicPeriod"/>
+            </a:pPr>
+            <a:r>
+              <a:rPr lang="en-GB" sz="750" dirty="0">
+                <a:latin typeface="Times New Roman" panose="02020603050405020304" pitchFamily="18" charset="0"/>
+                <a:cs typeface="Times New Roman" panose="02020603050405020304" pitchFamily="18" charset="0"/>
+              </a:rPr>
+              <a:t>Health Level Seven International, 2024. Introduction to HL7 Standards. [Online]. Available at: </a:t>
+            </a:r>
+            <a:r>
+              <a:rPr lang="en-GB" sz="750" dirty="0">
+                <a:latin typeface="Times New Roman" panose="02020603050405020304" pitchFamily="18" charset="0"/>
+                <a:cs typeface="Times New Roman" panose="02020603050405020304" pitchFamily="18" charset="0"/>
+                <a:hlinkClick r:id="rId5"/>
+              </a:rPr>
+              <a:t>https://www.hl7.org/implement/standards/index.cfm?ref=nav</a:t>
+            </a:r>
+            <a:r>
+              <a:rPr lang="en-GB" sz="750" dirty="0">
+                <a:latin typeface="Times New Roman" panose="02020603050405020304" pitchFamily="18" charset="0"/>
+                <a:cs typeface="Times New Roman" panose="02020603050405020304" pitchFamily="18" charset="0"/>
+              </a:rPr>
+              <a:t> [Accessed October 2024].</a:t>
+            </a:r>
+          </a:p>
+          <a:p>
+            <a:pPr marL="228600" indent="-228600">
+              <a:buFont typeface="+mj-lt"/>
+              <a:buAutoNum type="arabicPeriod"/>
+            </a:pPr>
+            <a:r>
+              <a:rPr lang="en-GB" sz="750" dirty="0">
+                <a:latin typeface="Times New Roman" panose="02020603050405020304" pitchFamily="18" charset="0"/>
+                <a:cs typeface="Times New Roman" panose="02020603050405020304" pitchFamily="18" charset="0"/>
+              </a:rPr>
+              <a:t>ScienceDirect, 2017. Embedded security. [Online]. Available at: </a:t>
+            </a:r>
+            <a:r>
+              <a:rPr lang="en-GB" sz="750" dirty="0">
+                <a:latin typeface="Times New Roman" panose="02020603050405020304" pitchFamily="18" charset="0"/>
+                <a:cs typeface="Times New Roman" panose="02020603050405020304" pitchFamily="18" charset="0"/>
+                <a:hlinkClick r:id="rId6"/>
+              </a:rPr>
+              <a:t>https://www.sciencedirect.com/topics/computer-science/shared-key-encryption</a:t>
+            </a:r>
+            <a:r>
+              <a:rPr lang="en-GB" sz="750" dirty="0">
+                <a:latin typeface="Times New Roman" panose="02020603050405020304" pitchFamily="18" charset="0"/>
+                <a:cs typeface="Times New Roman" panose="02020603050405020304" pitchFamily="18" charset="0"/>
+              </a:rPr>
+              <a:t> [Accessed October 2024].</a:t>
+            </a:r>
+          </a:p>
+          <a:p>
+            <a:pPr marL="228600" indent="-228600">
+              <a:buFont typeface="+mj-lt"/>
+              <a:buAutoNum type="arabicPeriod"/>
+            </a:pPr>
+            <a:r>
+              <a:rPr lang="en-GB" sz="750" dirty="0">
+                <a:latin typeface="Times New Roman" panose="02020603050405020304" pitchFamily="18" charset="0"/>
+                <a:cs typeface="Times New Roman" panose="02020603050405020304" pitchFamily="18" charset="0"/>
+              </a:rPr>
+              <a:t>Augusto Vega, P. B. A. B., 2017. Rugged Embedded Systems. </a:t>
+            </a:r>
+            <a:r>
+              <a:rPr lang="en-GB" sz="750" dirty="0" err="1">
+                <a:latin typeface="Times New Roman" panose="02020603050405020304" pitchFamily="18" charset="0"/>
+                <a:cs typeface="Times New Roman" panose="02020603050405020304" pitchFamily="18" charset="0"/>
+              </a:rPr>
+              <a:t>s.l.:Morgan</a:t>
+            </a:r>
+            <a:r>
+              <a:rPr lang="en-GB" sz="750" dirty="0">
+                <a:latin typeface="Times New Roman" panose="02020603050405020304" pitchFamily="18" charset="0"/>
+                <a:cs typeface="Times New Roman" panose="02020603050405020304" pitchFamily="18" charset="0"/>
+              </a:rPr>
+              <a:t> Kaufmann.</a:t>
+            </a:r>
+          </a:p>
+          <a:p>
+            <a:pPr marL="228600" indent="-228600">
+              <a:buFont typeface="+mj-lt"/>
+              <a:buAutoNum type="arabicPeriod"/>
+            </a:pPr>
+            <a:r>
+              <a:rPr lang="en-GB" sz="750" dirty="0">
+                <a:latin typeface="Times New Roman" panose="02020603050405020304" pitchFamily="18" charset="0"/>
+                <a:cs typeface="Times New Roman" panose="02020603050405020304" pitchFamily="18" charset="0"/>
+              </a:rPr>
+              <a:t>Cryptography images – browse 869,371 stock photos, vectors, and video (2024) Adobe Stock. Available at: </a:t>
+            </a:r>
+            <a:r>
+              <a:rPr lang="en-GB" sz="750" dirty="0">
+                <a:latin typeface="Times New Roman" panose="02020603050405020304" pitchFamily="18" charset="0"/>
+                <a:cs typeface="Times New Roman" panose="02020603050405020304" pitchFamily="18" charset="0"/>
+                <a:hlinkClick r:id="rId7"/>
+              </a:rPr>
+              <a:t>https://stock.adobe.com/search?k=cryptography </a:t>
+            </a:r>
+            <a:r>
+              <a:rPr lang="en-GB" sz="750" dirty="0">
+                <a:latin typeface="Times New Roman" panose="02020603050405020304" pitchFamily="18" charset="0"/>
+                <a:cs typeface="Times New Roman" panose="02020603050405020304" pitchFamily="18" charset="0"/>
+              </a:rPr>
+              <a:t>(Accessed: October 2024). </a:t>
+            </a:r>
+          </a:p>
+          <a:p>
+            <a:pPr marL="228600" indent="-228600">
+              <a:buFont typeface="+mj-lt"/>
+              <a:buAutoNum type="arabicPeriod"/>
+            </a:pPr>
+            <a:r>
+              <a:rPr lang="en-GB" sz="750" dirty="0">
+                <a:effectLst/>
+                <a:latin typeface="Times New Roman" panose="02020603050405020304" pitchFamily="18" charset="0"/>
+                <a:cs typeface="Times New Roman" panose="02020603050405020304" pitchFamily="18" charset="0"/>
+              </a:rPr>
+              <a:t>(2024a) </a:t>
+            </a:r>
+            <a:r>
+              <a:rPr lang="en-GB" sz="750" i="1" dirty="0">
+                <a:effectLst/>
+                <a:latin typeface="Times New Roman" panose="02020603050405020304" pitchFamily="18" charset="0"/>
+                <a:cs typeface="Times New Roman" panose="02020603050405020304" pitchFamily="18" charset="0"/>
+              </a:rPr>
+              <a:t>Healthcare System Images - free download on </a:t>
+            </a:r>
+            <a:r>
+              <a:rPr lang="en-GB" sz="750" i="1" dirty="0" err="1">
+                <a:effectLst/>
+                <a:latin typeface="Times New Roman" panose="02020603050405020304" pitchFamily="18" charset="0"/>
+                <a:cs typeface="Times New Roman" panose="02020603050405020304" pitchFamily="18" charset="0"/>
+              </a:rPr>
+              <a:t>Freepik</a:t>
+            </a:r>
+            <a:r>
+              <a:rPr lang="en-GB" sz="750" dirty="0">
+                <a:effectLst/>
+                <a:latin typeface="Times New Roman" panose="02020603050405020304" pitchFamily="18" charset="0"/>
+                <a:cs typeface="Times New Roman" panose="02020603050405020304" pitchFamily="18" charset="0"/>
+              </a:rPr>
+              <a:t>. Available at: </a:t>
+            </a:r>
+            <a:r>
+              <a:rPr lang="en-GB" sz="750" dirty="0">
+                <a:effectLst/>
+                <a:latin typeface="Times New Roman" panose="02020603050405020304" pitchFamily="18" charset="0"/>
+                <a:cs typeface="Times New Roman" panose="02020603050405020304" pitchFamily="18" charset="0"/>
+                <a:hlinkClick r:id="rId8"/>
+              </a:rPr>
+              <a:t>https://www.freepik.com/free-photos-vectors/healthcare-system </a:t>
+            </a:r>
+            <a:r>
+              <a:rPr lang="en-GB" sz="750" dirty="0">
+                <a:effectLst/>
+                <a:latin typeface="Times New Roman" panose="02020603050405020304" pitchFamily="18" charset="0"/>
+                <a:cs typeface="Times New Roman" panose="02020603050405020304" pitchFamily="18" charset="0"/>
+              </a:rPr>
+              <a:t>(Accessed: October 2024).</a:t>
+            </a:r>
+          </a:p>
+        </p:txBody>
+      </p:sp>
+      <p:sp>
+        <p:nvSpPr>
+          <p:cNvPr id="7" name="TextBox 6">
+            <a:extLst>
+              <a:ext uri="{FF2B5EF4-FFF2-40B4-BE49-F238E27FC236}">
+                <a16:creationId xmlns:a16="http://schemas.microsoft.com/office/drawing/2014/main" id="{E9FB7A92-9D5A-15D4-1AD6-EE2EE6979059}"/>
+              </a:ext>
+            </a:extLst>
+          </p:cNvPr>
+          <p:cNvSpPr txBox="1"/>
+          <p:nvPr/>
+        </p:nvSpPr>
+        <p:spPr>
+          <a:xfrm>
+            <a:off x="1639812" y="3402927"/>
+            <a:ext cx="607695" cy="222885"/>
+          </a:xfrm>
+          <a:prstGeom prst="rect">
+            <a:avLst/>
+          </a:prstGeom>
+          <a:noFill/>
+        </p:spPr>
+        <p:txBody>
+          <a:bodyPr wrap="square" rtlCol="0">
+            <a:spAutoFit/>
+          </a:bodyPr>
+          <a:lstStyle/>
+          <a:p>
+            <a:r>
+              <a:rPr lang="en-IE" sz="800" dirty="0">
+                <a:latin typeface="Times New Roman" panose="02020603050405020304" pitchFamily="18" charset="0"/>
+                <a:cs typeface="Times New Roman" panose="02020603050405020304" pitchFamily="18" charset="0"/>
+              </a:rPr>
+              <a:t>Figure [1] </a:t>
+            </a:r>
+          </a:p>
+        </p:txBody>
+      </p:sp>
+      <p:pic>
+        <p:nvPicPr>
+          <p:cNvPr id="1032" name="Picture 8" descr="Caring Young Person Taking Care of Elderly Woman">
+            <a:extLst>
+              <a:ext uri="{FF2B5EF4-FFF2-40B4-BE49-F238E27FC236}">
+                <a16:creationId xmlns:a16="http://schemas.microsoft.com/office/drawing/2014/main" id="{8374B74D-976C-0972-E3F4-915FFA9D10E0}"/>
+              </a:ext>
+            </a:extLst>
+          </p:cNvPr>
+          <p:cNvPicPr>
+            <a:picLocks noChangeAspect="1" noChangeArrowheads="1"/>
+          </p:cNvPicPr>
+          <p:nvPr/>
+        </p:nvPicPr>
+        <p:blipFill>
+          <a:blip r:embed="rId9">
+            <a:extLst>
+              <a:ext uri="{28A0092B-C50C-407E-A947-70E740481C1C}">
+                <a14:useLocalDpi xmlns:a14="http://schemas.microsoft.com/office/drawing/2010/main" val="0"/>
+              </a:ext>
+            </a:extLst>
+          </a:blip>
+          <a:srcRect/>
+          <a:stretch>
+            <a:fillRect/>
+          </a:stretch>
+        </p:blipFill>
+        <p:spPr bwMode="auto">
+          <a:xfrm>
+            <a:off x="192023" y="1485752"/>
+            <a:ext cx="3503274" cy="1846658"/>
+          </a:xfrm>
+          <a:prstGeom prst="rect">
+            <a:avLst/>
+          </a:prstGeom>
+          <a:noFill/>
+          <a:extLst>
+            <a:ext uri="{909E8E84-426E-40DD-AFC4-6F175D3DCCD1}">
+              <a14:hiddenFill xmlns:a14="http://schemas.microsoft.com/office/drawing/2010/main">
+                <a:solidFill>
+                  <a:srgbClr val="FFFFFF"/>
+                </a:solidFill>
+              </a14:hiddenFill>
+            </a:ext>
+          </a:extLst>
+        </p:spPr>
+      </p:pic>
+      <p:pic>
+        <p:nvPicPr>
+          <p:cNvPr id="1036" name="Picture 12" descr="Cryptography words tag cloud blue text encrytion cryptology code">
+            <a:extLst>
+              <a:ext uri="{FF2B5EF4-FFF2-40B4-BE49-F238E27FC236}">
+                <a16:creationId xmlns:a16="http://schemas.microsoft.com/office/drawing/2014/main" id="{D8681C00-68DF-665D-C68E-8E606487573A}"/>
+              </a:ext>
+            </a:extLst>
+          </p:cNvPr>
+          <p:cNvPicPr>
+            <a:picLocks noChangeAspect="1" noChangeArrowheads="1"/>
+          </p:cNvPicPr>
+          <p:nvPr/>
+        </p:nvPicPr>
+        <p:blipFill>
+          <a:blip r:embed="rId10">
+            <a:extLst>
+              <a:ext uri="{28A0092B-C50C-407E-A947-70E740481C1C}">
+                <a14:useLocalDpi xmlns:a14="http://schemas.microsoft.com/office/drawing/2010/main" val="0"/>
+              </a:ext>
+            </a:extLst>
+          </a:blip>
+          <a:srcRect/>
+          <a:stretch>
+            <a:fillRect/>
+          </a:stretch>
+        </p:blipFill>
+        <p:spPr bwMode="auto">
+          <a:xfrm>
+            <a:off x="184450" y="5448692"/>
+            <a:ext cx="1488702" cy="1015663"/>
+          </a:xfrm>
+          <a:prstGeom prst="rect">
+            <a:avLst/>
+          </a:prstGeom>
+          <a:noFill/>
+          <a:extLst>
+            <a:ext uri="{909E8E84-426E-40DD-AFC4-6F175D3DCCD1}">
+              <a14:hiddenFill xmlns:a14="http://schemas.microsoft.com/office/drawing/2010/main">
+                <a:solidFill>
+                  <a:srgbClr val="FFFFFF"/>
+                </a:solidFill>
+              </a14:hiddenFill>
+            </a:ext>
+          </a:extLst>
+        </p:spPr>
+      </p:pic>
+      <p:sp>
+        <p:nvSpPr>
+          <p:cNvPr id="8" name="TextBox 7">
+            <a:extLst>
+              <a:ext uri="{FF2B5EF4-FFF2-40B4-BE49-F238E27FC236}">
+                <a16:creationId xmlns:a16="http://schemas.microsoft.com/office/drawing/2014/main" id="{74E30280-E688-6F56-962A-BC0EBEFC0CEC}"/>
+              </a:ext>
+            </a:extLst>
+          </p:cNvPr>
+          <p:cNvSpPr txBox="1"/>
+          <p:nvPr/>
+        </p:nvSpPr>
+        <p:spPr>
+          <a:xfrm>
+            <a:off x="624953" y="6464355"/>
+            <a:ext cx="607695" cy="222885"/>
+          </a:xfrm>
+          <a:prstGeom prst="rect">
+            <a:avLst/>
+          </a:prstGeom>
+          <a:noFill/>
+        </p:spPr>
+        <p:txBody>
+          <a:bodyPr wrap="square" rtlCol="0">
+            <a:spAutoFit/>
+          </a:bodyPr>
+          <a:lstStyle/>
+          <a:p>
+            <a:r>
+              <a:rPr lang="en-IE" sz="800" dirty="0">
+                <a:latin typeface="Times New Roman" panose="02020603050405020304" pitchFamily="18" charset="0"/>
+                <a:cs typeface="Times New Roman" panose="02020603050405020304" pitchFamily="18" charset="0"/>
+              </a:rPr>
+              <a:t>Figure [5] </a:t>
+            </a:r>
+          </a:p>
+        </p:txBody>
+      </p:sp>
+      <p:pic>
+        <p:nvPicPr>
+          <p:cNvPr id="1038" name="Picture 14" descr="Photo comprehensive virtual medical consultation image highlighting telemedicine compliance for healthcare professionals">
+            <a:extLst>
+              <a:ext uri="{FF2B5EF4-FFF2-40B4-BE49-F238E27FC236}">
+                <a16:creationId xmlns:a16="http://schemas.microsoft.com/office/drawing/2014/main" id="{CAABBB7A-87E0-DFCF-E4AF-32F51667C101}"/>
+              </a:ext>
+            </a:extLst>
+          </p:cNvPr>
+          <p:cNvPicPr>
+            <a:picLocks noChangeAspect="1" noChangeArrowheads="1"/>
+          </p:cNvPicPr>
+          <p:nvPr/>
+        </p:nvPicPr>
+        <p:blipFill>
+          <a:blip r:embed="rId11">
+            <a:extLst>
+              <a:ext uri="{28A0092B-C50C-407E-A947-70E740481C1C}">
+                <a14:useLocalDpi xmlns:a14="http://schemas.microsoft.com/office/drawing/2010/main" val="0"/>
+              </a:ext>
+            </a:extLst>
+          </a:blip>
+          <a:srcRect/>
+          <a:stretch>
+            <a:fillRect/>
+          </a:stretch>
+        </p:blipFill>
+        <p:spPr bwMode="auto">
+          <a:xfrm>
+            <a:off x="1943658" y="5448690"/>
+            <a:ext cx="1488702" cy="1015663"/>
+          </a:xfrm>
+          <a:prstGeom prst="rect">
+            <a:avLst/>
+          </a:prstGeom>
+          <a:noFill/>
+          <a:extLst>
+            <a:ext uri="{909E8E84-426E-40DD-AFC4-6F175D3DCCD1}">
+              <a14:hiddenFill xmlns:a14="http://schemas.microsoft.com/office/drawing/2010/main">
+                <a:solidFill>
+                  <a:srgbClr val="FFFFFF"/>
+                </a:solidFill>
+              </a14:hiddenFill>
+            </a:ext>
+          </a:extLst>
+        </p:spPr>
+      </p:pic>
+      <p:sp>
+        <p:nvSpPr>
+          <p:cNvPr id="9" name="TextBox 8">
+            <a:extLst>
+              <a:ext uri="{FF2B5EF4-FFF2-40B4-BE49-F238E27FC236}">
+                <a16:creationId xmlns:a16="http://schemas.microsoft.com/office/drawing/2014/main" id="{68B0D19A-8B2F-BCA4-CCEF-243DC4826D6B}"/>
+              </a:ext>
+            </a:extLst>
+          </p:cNvPr>
+          <p:cNvSpPr txBox="1"/>
+          <p:nvPr/>
+        </p:nvSpPr>
+        <p:spPr>
+          <a:xfrm>
+            <a:off x="2417655" y="6415659"/>
+            <a:ext cx="607695" cy="222885"/>
+          </a:xfrm>
+          <a:prstGeom prst="rect">
+            <a:avLst/>
+          </a:prstGeom>
+          <a:noFill/>
+        </p:spPr>
+        <p:txBody>
+          <a:bodyPr wrap="square" rtlCol="0">
+            <a:spAutoFit/>
+          </a:bodyPr>
+          <a:lstStyle/>
+          <a:p>
+            <a:r>
+              <a:rPr lang="en-IE" sz="800" dirty="0">
+                <a:latin typeface="Times New Roman" panose="02020603050405020304" pitchFamily="18" charset="0"/>
+                <a:cs typeface="Times New Roman" panose="02020603050405020304" pitchFamily="18" charset="0"/>
+              </a:rPr>
+              <a:t>Figure [6] </a:t>
+            </a:r>
+          </a:p>
+        </p:txBody>
+      </p:sp>
+      <p:sp>
+        <p:nvSpPr>
+          <p:cNvPr id="12" name="TextBox 11">
+            <a:extLst>
+              <a:ext uri="{FF2B5EF4-FFF2-40B4-BE49-F238E27FC236}">
+                <a16:creationId xmlns:a16="http://schemas.microsoft.com/office/drawing/2014/main" id="{4D61D219-278A-A9F2-B882-24C6B2891C47}"/>
+              </a:ext>
+            </a:extLst>
+          </p:cNvPr>
+          <p:cNvSpPr txBox="1"/>
+          <p:nvPr/>
+        </p:nvSpPr>
+        <p:spPr>
+          <a:xfrm>
+            <a:off x="3933040" y="3361032"/>
+            <a:ext cx="2624328" cy="1728000"/>
+          </a:xfrm>
+          <a:prstGeom prst="rect">
+            <a:avLst/>
+          </a:prstGeom>
+          <a:noFill/>
+          <a:ln w="19050">
+            <a:solidFill>
+              <a:schemeClr val="tx1"/>
+            </a:solidFill>
+          </a:ln>
+        </p:spPr>
+        <p:txBody>
+          <a:bodyPr wrap="square" rtlCol="0">
+            <a:spAutoFit/>
+          </a:bodyPr>
+          <a:lstStyle/>
+          <a:p>
+            <a:pPr algn="ctr"/>
+            <a:r>
+              <a:rPr lang="en-IE" sz="1400" b="1" dirty="0">
+                <a:latin typeface="Times New Roman" panose="02020603050405020304" pitchFamily="18" charset="0"/>
+                <a:cs typeface="Times New Roman" panose="02020603050405020304" pitchFamily="18" charset="0"/>
+              </a:rPr>
+              <a:t>Technologies</a:t>
+            </a:r>
+          </a:p>
+          <a:p>
+            <a:endParaRPr lang="en-IE" sz="1050" dirty="0">
+              <a:latin typeface="Times New Roman" panose="02020603050405020304" pitchFamily="18" charset="0"/>
+              <a:cs typeface="Times New Roman" panose="02020603050405020304" pitchFamily="18" charset="0"/>
+            </a:endParaRPr>
+          </a:p>
+          <a:p>
+            <a:r>
+              <a:rPr lang="en-IE" sz="1050" dirty="0">
+                <a:latin typeface="Times New Roman" panose="02020603050405020304" pitchFamily="18" charset="0"/>
+                <a:cs typeface="Times New Roman" panose="02020603050405020304" pitchFamily="18" charset="0"/>
+              </a:rPr>
+              <a:t>Here are some possible technologies that could be used for example:</a:t>
+            </a:r>
+          </a:p>
+          <a:p>
+            <a:pPr marL="171450" indent="-171450">
+              <a:buFont typeface="Arial" panose="020B0604020202020204" pitchFamily="34" charset="0"/>
+              <a:buChar char="•"/>
+            </a:pPr>
+            <a:r>
+              <a:rPr lang="en-IE" sz="1050" dirty="0">
+                <a:latin typeface="Times New Roman" panose="02020603050405020304" pitchFamily="18" charset="0"/>
+                <a:cs typeface="Times New Roman" panose="02020603050405020304" pitchFamily="18" charset="0"/>
+              </a:rPr>
+              <a:t>Python: </a:t>
+            </a:r>
+            <a:r>
+              <a:rPr lang="en-IE" sz="1050" dirty="0">
+                <a:latin typeface="Times New Roman" panose="02020603050405020304" pitchFamily="18" charset="0"/>
+                <a:cs typeface="Times New Roman" panose="02020603050405020304" pitchFamily="18" charset="0"/>
+                <a:hlinkClick r:id="rId12"/>
+              </a:rPr>
+              <a:t>https://www.python.org/</a:t>
+            </a:r>
+            <a:endParaRPr lang="en-IE" sz="1050" dirty="0">
+              <a:latin typeface="Times New Roman" panose="02020603050405020304" pitchFamily="18" charset="0"/>
+              <a:cs typeface="Times New Roman" panose="02020603050405020304" pitchFamily="18" charset="0"/>
+            </a:endParaRPr>
+          </a:p>
+          <a:p>
+            <a:pPr marL="171450" indent="-171450">
+              <a:buFont typeface="Arial" panose="020B0604020202020204" pitchFamily="34" charset="0"/>
+              <a:buChar char="•"/>
+            </a:pPr>
+            <a:r>
+              <a:rPr lang="en-IE" sz="1050" dirty="0">
+                <a:latin typeface="Times New Roman" panose="02020603050405020304" pitchFamily="18" charset="0"/>
+                <a:cs typeface="Times New Roman" panose="02020603050405020304" pitchFamily="18" charset="0"/>
+              </a:rPr>
+              <a:t>Django: </a:t>
+            </a:r>
+            <a:r>
+              <a:rPr lang="en-IE" sz="1050" dirty="0">
+                <a:latin typeface="Times New Roman" panose="02020603050405020304" pitchFamily="18" charset="0"/>
+                <a:cs typeface="Times New Roman" panose="02020603050405020304" pitchFamily="18" charset="0"/>
+                <a:hlinkClick r:id="rId13"/>
+              </a:rPr>
+              <a:t>https://www.djangoproject.com/</a:t>
+            </a:r>
+            <a:endParaRPr lang="en-IE" sz="1050" dirty="0">
+              <a:latin typeface="Times New Roman" panose="02020603050405020304" pitchFamily="18" charset="0"/>
+              <a:cs typeface="Times New Roman" panose="02020603050405020304" pitchFamily="18" charset="0"/>
+            </a:endParaRPr>
+          </a:p>
+          <a:p>
+            <a:pPr marL="171450" indent="-171450">
+              <a:buFont typeface="Arial" panose="020B0604020202020204" pitchFamily="34" charset="0"/>
+              <a:buChar char="•"/>
+            </a:pPr>
+            <a:r>
+              <a:rPr lang="en-IE" sz="1050" dirty="0">
+                <a:latin typeface="Times New Roman" panose="02020603050405020304" pitchFamily="18" charset="0"/>
+                <a:cs typeface="Times New Roman" panose="02020603050405020304" pitchFamily="18" charset="0"/>
+              </a:rPr>
+              <a:t>MariaDB: </a:t>
+            </a:r>
+            <a:r>
+              <a:rPr lang="en-IE" sz="1050" dirty="0">
+                <a:latin typeface="Times New Roman" panose="02020603050405020304" pitchFamily="18" charset="0"/>
+                <a:cs typeface="Times New Roman" panose="02020603050405020304" pitchFamily="18" charset="0"/>
+                <a:hlinkClick r:id="rId14"/>
+              </a:rPr>
+              <a:t>https://mariadb.org/</a:t>
+            </a:r>
+            <a:endParaRPr lang="en-IE" sz="1050" dirty="0">
+              <a:latin typeface="Times New Roman" panose="02020603050405020304" pitchFamily="18" charset="0"/>
+              <a:cs typeface="Times New Roman" panose="02020603050405020304" pitchFamily="18" charset="0"/>
+            </a:endParaRPr>
+          </a:p>
+          <a:p>
+            <a:pPr marL="171450" indent="-171450">
+              <a:buFont typeface="Arial" panose="020B0604020202020204" pitchFamily="34" charset="0"/>
+              <a:buChar char="•"/>
+            </a:pPr>
+            <a:r>
+              <a:rPr lang="en-IE" sz="1050" dirty="0">
+                <a:latin typeface="Times New Roman" panose="02020603050405020304" pitchFamily="18" charset="0"/>
+                <a:cs typeface="Times New Roman" panose="02020603050405020304" pitchFamily="18" charset="0"/>
+              </a:rPr>
+              <a:t>Cryptography lib: </a:t>
+            </a:r>
+            <a:r>
+              <a:rPr lang="en-IE" sz="1050" dirty="0">
+                <a:latin typeface="Times New Roman" panose="02020603050405020304" pitchFamily="18" charset="0"/>
+                <a:cs typeface="Times New Roman" panose="02020603050405020304" pitchFamily="18" charset="0"/>
+                <a:hlinkClick r:id="rId15"/>
+              </a:rPr>
+              <a:t>https://pypi.org/project/cryptography/ </a:t>
+            </a:r>
+            <a:endParaRPr lang="en-IE" sz="1050" dirty="0">
+              <a:latin typeface="Times New Roman" panose="02020603050405020304" pitchFamily="18" charset="0"/>
+              <a:cs typeface="Times New Roman" panose="02020603050405020304" pitchFamily="18" charset="0"/>
+            </a:endParaRPr>
+          </a:p>
+        </p:txBody>
+      </p:sp>
+      <p:pic>
+        <p:nvPicPr>
+          <p:cNvPr id="2" name="Picture 1" descr="A diagram of a key encrypted key encryption&#10;&#10;Description automatically generated">
+            <a:extLst>
+              <a:ext uri="{FF2B5EF4-FFF2-40B4-BE49-F238E27FC236}">
+                <a16:creationId xmlns:a16="http://schemas.microsoft.com/office/drawing/2014/main" id="{DAEEA6D2-384C-9A95-DB7E-7B66C1F72214}"/>
+              </a:ext>
+            </a:extLst>
+          </p:cNvPr>
+          <p:cNvPicPr>
+            <a:picLocks noChangeAspect="1"/>
+          </p:cNvPicPr>
+          <p:nvPr/>
+        </p:nvPicPr>
+        <p:blipFill>
+          <a:blip r:embed="rId16"/>
+          <a:stretch>
+            <a:fillRect/>
+          </a:stretch>
+        </p:blipFill>
+        <p:spPr>
+          <a:xfrm>
+            <a:off x="3947033" y="5189045"/>
+            <a:ext cx="2657485" cy="1288880"/>
+          </a:xfrm>
+          <a:prstGeom prst="rect">
+            <a:avLst/>
+          </a:prstGeom>
+        </p:spPr>
+      </p:pic>
+      <p:pic>
+        <p:nvPicPr>
+          <p:cNvPr id="4" name="Picture 3" descr="A diagram of a computer network&#10;&#10;Description automatically generated">
+            <a:extLst>
+              <a:ext uri="{FF2B5EF4-FFF2-40B4-BE49-F238E27FC236}">
+                <a16:creationId xmlns:a16="http://schemas.microsoft.com/office/drawing/2014/main" id="{93741AFF-5D87-0A72-BD1E-F20A841646DA}"/>
+              </a:ext>
+            </a:extLst>
+          </p:cNvPr>
+          <p:cNvPicPr>
+            <a:picLocks noChangeAspect="1"/>
+          </p:cNvPicPr>
+          <p:nvPr/>
+        </p:nvPicPr>
+        <p:blipFill>
+          <a:blip r:embed="rId17"/>
+          <a:stretch>
+            <a:fillRect/>
+          </a:stretch>
+        </p:blipFill>
+        <p:spPr>
+          <a:xfrm>
+            <a:off x="6916225" y="5164361"/>
+            <a:ext cx="2511964" cy="1362740"/>
+          </a:xfrm>
+          <a:prstGeom prst="rect">
+            <a:avLst/>
+          </a:prstGeom>
+        </p:spPr>
+      </p:pic>
+      <p:sp>
+        <p:nvSpPr>
+          <p:cNvPr id="5" name="TextBox 4">
+            <a:extLst>
+              <a:ext uri="{FF2B5EF4-FFF2-40B4-BE49-F238E27FC236}">
+                <a16:creationId xmlns:a16="http://schemas.microsoft.com/office/drawing/2014/main" id="{F5B941F3-CAC9-8A57-D842-6D3DBAE126EA}"/>
+              </a:ext>
+            </a:extLst>
+          </p:cNvPr>
+          <p:cNvSpPr txBox="1"/>
+          <p:nvPr/>
+        </p:nvSpPr>
+        <p:spPr>
+          <a:xfrm>
+            <a:off x="5040803" y="6549786"/>
+            <a:ext cx="607695" cy="222885"/>
+          </a:xfrm>
+          <a:prstGeom prst="rect">
+            <a:avLst/>
+          </a:prstGeom>
+          <a:noFill/>
+        </p:spPr>
+        <p:txBody>
+          <a:bodyPr wrap="square" rtlCol="0">
+            <a:spAutoFit/>
+          </a:bodyPr>
+          <a:lstStyle/>
+          <a:p>
+            <a:r>
+              <a:rPr lang="en-IE" sz="800" dirty="0">
+                <a:latin typeface="Times New Roman" panose="02020603050405020304" pitchFamily="18" charset="0"/>
+                <a:cs typeface="Times New Roman" panose="02020603050405020304" pitchFamily="18" charset="0"/>
+              </a:rPr>
+              <a:t>Figure [3] </a:t>
+            </a:r>
+          </a:p>
+        </p:txBody>
+      </p:sp>
+      <p:sp>
+        <p:nvSpPr>
+          <p:cNvPr id="6" name="TextBox 5">
+            <a:extLst>
+              <a:ext uri="{FF2B5EF4-FFF2-40B4-BE49-F238E27FC236}">
+                <a16:creationId xmlns:a16="http://schemas.microsoft.com/office/drawing/2014/main" id="{8B7F30F3-796E-6502-E7CC-133248E0A46B}"/>
+              </a:ext>
+            </a:extLst>
+          </p:cNvPr>
+          <p:cNvSpPr txBox="1"/>
+          <p:nvPr/>
+        </p:nvSpPr>
+        <p:spPr>
+          <a:xfrm>
+            <a:off x="7996740" y="6587317"/>
+            <a:ext cx="607695" cy="222885"/>
+          </a:xfrm>
+          <a:prstGeom prst="rect">
+            <a:avLst/>
+          </a:prstGeom>
+          <a:noFill/>
+        </p:spPr>
+        <p:txBody>
+          <a:bodyPr wrap="square" rtlCol="0">
+            <a:spAutoFit/>
+          </a:bodyPr>
+          <a:lstStyle/>
+          <a:p>
+            <a:r>
+              <a:rPr lang="en-IE" sz="800" dirty="0">
+                <a:latin typeface="Times New Roman" panose="02020603050405020304" pitchFamily="18" charset="0"/>
+                <a:cs typeface="Times New Roman" panose="02020603050405020304" pitchFamily="18" charset="0"/>
+              </a:rPr>
+              <a:t>Figure [3] </a:t>
+            </a:r>
+          </a:p>
+        </p:txBody>
+      </p:sp>
+    </p:spTree>
+    <p:extLst>
+      <p:ext uri="{BB962C8B-B14F-4D97-AF65-F5344CB8AC3E}">
+        <p14:creationId xmlns:p14="http://schemas.microsoft.com/office/powerpoint/2010/main" val="1596515559"/>
+      </p:ext>
+    </p:extLst>
+  </p:cSld>
+  <p:clrMapOvr>
+    <a:masterClrMapping/>
+  </p:clrMapOvr>
+</p:sld>
+</file>
+
+<file path=ppt/slides/slide2.xml><?xml version="1.0" encoding="utf-8"?>
+<p:sld xmlns:a="http://schemas.openxmlformats.org/drawingml/2006/main" xmlns:r="http://schemas.openxmlformats.org/officeDocument/2006/relationships" xmlns:p="http://schemas.openxmlformats.org/presentationml/2006/main">
+  <p:cSld>
+    <p:bg>
+      <p:bgPr>
+        <a:solidFill>
+          <a:schemeClr val="bg1"/>
+        </a:solidFill>
+        <a:effectLst/>
+      </p:bgPr>
+    </p:bg>
+    <p:spTree>
+      <p:nvGrpSpPr>
+        <p:cNvPr id="1" name=""/>
+        <p:cNvGrpSpPr/>
+        <p:nvPr/>
+      </p:nvGrpSpPr>
+      <p:grpSpPr>
+        <a:xfrm>
+          <a:off x="0" y="0"/>
+          <a:ext cx="0" cy="0"/>
+          <a:chOff x="0" y="0"/>
+          <a:chExt cx="0" cy="0"/>
+        </a:xfrm>
+      </p:grpSpPr>
+      <p:sp>
+        <p:nvSpPr>
           <p:cNvPr id="2" name="Title 1">
             <a:extLst>
               <a:ext uri="{FF2B5EF4-FFF2-40B4-BE49-F238E27FC236}">
-                <a16:creationId xmlns:a16="http://schemas.microsoft.com/office/drawing/2014/main" id="{B2A5FD14-1F4F-CCCE-DEA6-871E0D19E7B1}"/>
+                <a16:creationId xmlns:a16="http://schemas.microsoft.com/office/drawing/2014/main" id="{0EDFBD8C-E1FB-1609-6A66-B38D8EBC064E}"/>
               </a:ext>
             </a:extLst>
           </p:cNvPr>
@@ -6247,115 +8663,34 @@
             <p:ph type="title"/>
           </p:nvPr>
         </p:nvSpPr>
-        <p:spPr/>
-        <p:txBody>
-          <a:bodyPr/>
+        <p:spPr>
+          <a:xfrm>
+            <a:off x="677334" y="609600"/>
+            <a:ext cx="8596668" cy="1320800"/>
+          </a:xfrm>
+        </p:spPr>
+        <p:txBody>
+          <a:bodyPr vert="horz" lIns="91440" tIns="45720" rIns="91440" bIns="45720" rtlCol="0" anchor="t">
+            <a:normAutofit/>
+          </a:bodyPr>
           <a:lstStyle/>
           <a:p>
             <a:r>
-              <a:rPr lang="en-IE" dirty="0">
-                <a:latin typeface="Times New Roman" panose="02020603050405020304" pitchFamily="18" charset="0"/>
-                <a:cs typeface="Times New Roman" panose="02020603050405020304" pitchFamily="18" charset="0"/>
-              </a:rPr>
-              <a:t>Who is it for</a:t>
-            </a:r>
-          </a:p>
-        </p:txBody>
-      </p:sp>
-      <p:sp>
-        <p:nvSpPr>
-          <p:cNvPr id="5" name="TextBox 4">
+              <a:rPr lang="en-US" dirty="0">
+                <a:latin typeface="Times New Roman" panose="02020603050405020304" pitchFamily="18" charset="0"/>
+                <a:cs typeface="Times New Roman" panose="02020603050405020304" pitchFamily="18" charset="0"/>
+              </a:rPr>
+              <a:t>The ECMS Project</a:t>
+            </a:r>
+          </a:p>
+        </p:txBody>
+      </p:sp>
+      <p:pic>
+        <p:nvPicPr>
+          <p:cNvPr id="3" name="Picture 6" descr="Isometric illustration of senior people in a nursing home with medical staff and furniture">
             <a:extLst>
               <a:ext uri="{FF2B5EF4-FFF2-40B4-BE49-F238E27FC236}">
-                <a16:creationId xmlns:a16="http://schemas.microsoft.com/office/drawing/2014/main" id="{D55D83A2-C5F5-1F42-3A6A-7643EF48BAE2}"/>
-              </a:ext>
-            </a:extLst>
-          </p:cNvPr>
-          <p:cNvSpPr txBox="1"/>
-          <p:nvPr/>
-        </p:nvSpPr>
-        <p:spPr>
-          <a:xfrm>
-            <a:off x="677334" y="2323592"/>
-            <a:ext cx="2897970" cy="1477328"/>
-          </a:xfrm>
-          <a:prstGeom prst="rect">
-            <a:avLst/>
-          </a:prstGeom>
-          <a:noFill/>
-        </p:spPr>
-        <p:txBody>
-          <a:bodyPr wrap="square" rtlCol="0">
-            <a:spAutoFit/>
-          </a:bodyPr>
-          <a:lstStyle/>
-          <a:p>
-            <a:pPr marL="285750" indent="-285750">
-              <a:buFont typeface="Arial" panose="020B0604020202020204" pitchFamily="34" charset="0"/>
-              <a:buChar char="•"/>
-            </a:pPr>
-            <a:r>
-              <a:rPr lang="en-IE" dirty="0">
-                <a:latin typeface="Times New Roman" panose="02020603050405020304" pitchFamily="18" charset="0"/>
-                <a:cs typeface="Times New Roman" panose="02020603050405020304" pitchFamily="18" charset="0"/>
-              </a:rPr>
-              <a:t>Care Homes</a:t>
-            </a:r>
-          </a:p>
-          <a:p>
-            <a:pPr marL="285750" indent="-285750">
-              <a:buFont typeface="Arial" panose="020B0604020202020204" pitchFamily="34" charset="0"/>
-              <a:buChar char="•"/>
-            </a:pPr>
-            <a:endParaRPr lang="en-IE" dirty="0">
-              <a:latin typeface="Times New Roman" panose="02020603050405020304" pitchFamily="18" charset="0"/>
-              <a:cs typeface="Times New Roman" panose="02020603050405020304" pitchFamily="18" charset="0"/>
-            </a:endParaRPr>
-          </a:p>
-          <a:p>
-            <a:pPr marL="285750" indent="-285750">
-              <a:buFont typeface="Arial" panose="020B0604020202020204" pitchFamily="34" charset="0"/>
-              <a:buChar char="•"/>
-            </a:pPr>
-            <a:r>
-              <a:rPr lang="en-IE" dirty="0">
-                <a:latin typeface="Times New Roman" panose="02020603050405020304" pitchFamily="18" charset="0"/>
-                <a:cs typeface="Times New Roman" panose="02020603050405020304" pitchFamily="18" charset="0"/>
-              </a:rPr>
-              <a:t>Care Office Staff (Admin)</a:t>
-            </a:r>
-          </a:p>
-          <a:p>
-            <a:pPr marL="285750" indent="-285750">
-              <a:buFont typeface="Arial" panose="020B0604020202020204" pitchFamily="34" charset="0"/>
-              <a:buChar char="•"/>
-            </a:pPr>
-            <a:endParaRPr lang="en-IE" dirty="0">
-              <a:latin typeface="Times New Roman" panose="02020603050405020304" pitchFamily="18" charset="0"/>
-              <a:cs typeface="Times New Roman" panose="02020603050405020304" pitchFamily="18" charset="0"/>
-            </a:endParaRPr>
-          </a:p>
-          <a:p>
-            <a:pPr marL="285750" indent="-285750">
-              <a:buFont typeface="Arial" panose="020B0604020202020204" pitchFamily="34" charset="0"/>
-              <a:buChar char="•"/>
-            </a:pPr>
-            <a:r>
-              <a:rPr lang="en-IE" dirty="0">
-                <a:latin typeface="Times New Roman" panose="02020603050405020304" pitchFamily="18" charset="0"/>
-                <a:cs typeface="Times New Roman" panose="02020603050405020304" pitchFamily="18" charset="0"/>
-              </a:rPr>
-              <a:t>Carer’s </a:t>
-            </a:r>
-          </a:p>
-        </p:txBody>
-      </p:sp>
-      <p:pic>
-        <p:nvPicPr>
-          <p:cNvPr id="2054" name="Picture 6" descr="Isometric illustration of senior people in a nursing home with medical staff and furniture">
-            <a:extLst>
-              <a:ext uri="{FF2B5EF4-FFF2-40B4-BE49-F238E27FC236}">
-                <a16:creationId xmlns:a16="http://schemas.microsoft.com/office/drawing/2014/main" id="{D0A79F8D-BA4A-D6FD-3380-1BE4A162E245}"/>
+                <a16:creationId xmlns:a16="http://schemas.microsoft.com/office/drawing/2014/main" id="{C5D9A0DA-9FF2-CE9F-5401-28C390DC3CFB}"/>
               </a:ext>
             </a:extLst>
           </p:cNvPr>
@@ -6372,15 +8707,13 @@
               </a:ext>
             </a:extLst>
           </a:blip>
-          <a:srcRect/>
-          <a:stretch>
-            <a:fillRect/>
-          </a:stretch>
+          <a:srcRect l="5610" r="1492" b="-2"/>
+          <a:stretch/>
         </p:blipFill>
         <p:spPr bwMode="auto">
           <a:xfrm>
-            <a:off x="3502602" y="1443037"/>
-            <a:ext cx="5962650" cy="3971925"/>
+            <a:off x="677334" y="2159331"/>
+            <a:ext cx="5423429" cy="3882362"/>
           </a:xfrm>
           <a:prstGeom prst="rect">
             <a:avLst/>
@@ -6397,6 +8730,273 @@
           </a:extLst>
         </p:spPr>
       </p:pic>
+      <p:sp>
+        <p:nvSpPr>
+          <p:cNvPr id="7" name="TextBox 6">
+            <a:extLst>
+              <a:ext uri="{FF2B5EF4-FFF2-40B4-BE49-F238E27FC236}">
+                <a16:creationId xmlns:a16="http://schemas.microsoft.com/office/drawing/2014/main" id="{DC713BDC-7BA9-E5DB-EF02-21282971A7D7}"/>
+              </a:ext>
+            </a:extLst>
+          </p:cNvPr>
+          <p:cNvSpPr txBox="1"/>
+          <p:nvPr/>
+        </p:nvSpPr>
+        <p:spPr>
+          <a:xfrm>
+            <a:off x="6278034" y="1930400"/>
+            <a:ext cx="3380316" cy="3139321"/>
+          </a:xfrm>
+          <a:prstGeom prst="rect">
+            <a:avLst/>
+          </a:prstGeom>
+          <a:noFill/>
+        </p:spPr>
+        <p:txBody>
+          <a:bodyPr wrap="square" rtlCol="0">
+            <a:spAutoFit/>
+          </a:bodyPr>
+          <a:lstStyle/>
+          <a:p>
+            <a:pPr marL="285750" indent="-285750">
+              <a:buFont typeface="Arial" panose="020B0604020202020204" pitchFamily="34" charset="0"/>
+              <a:buChar char="•"/>
+            </a:pPr>
+            <a:r>
+              <a:rPr lang="en-IE" dirty="0">
+                <a:latin typeface="Times New Roman" panose="02020603050405020304" pitchFamily="18" charset="0"/>
+                <a:cs typeface="Times New Roman" panose="02020603050405020304" pitchFamily="18" charset="0"/>
+              </a:rPr>
+              <a:t>The emphasis of this project is to create a secure application which confines to the HL7 storage and encryption standard</a:t>
+            </a:r>
+          </a:p>
+          <a:p>
+            <a:pPr marL="285750" indent="-285750">
+              <a:buFont typeface="Arial" panose="020B0604020202020204" pitchFamily="34" charset="0"/>
+              <a:buChar char="•"/>
+            </a:pPr>
+            <a:r>
+              <a:rPr lang="en-IE" dirty="0">
+                <a:latin typeface="Times New Roman" panose="02020603050405020304" pitchFamily="18" charset="0"/>
+                <a:cs typeface="Times New Roman" panose="02020603050405020304" pitchFamily="18" charset="0"/>
+              </a:rPr>
+              <a:t>The creation of this application will help alleviate and modernize patient data management replacing documentation with a digital system</a:t>
+            </a:r>
+          </a:p>
+        </p:txBody>
+      </p:sp>
+    </p:spTree>
+    <p:extLst>
+      <p:ext uri="{BB962C8B-B14F-4D97-AF65-F5344CB8AC3E}">
+        <p14:creationId xmlns:p14="http://schemas.microsoft.com/office/powerpoint/2010/main" val="199638054"/>
+      </p:ext>
+    </p:extLst>
+  </p:cSld>
+  <p:clrMapOvr>
+    <a:masterClrMapping/>
+  </p:clrMapOvr>
+  <mc:AlternateContent xmlns:mc="http://schemas.openxmlformats.org/markup-compatibility/2006" xmlns:p14="http://schemas.microsoft.com/office/powerpoint/2010/main">
+    <mc:Choice Requires="p14">
+      <p:transition spd="med" p14:dur="700">
+        <p:fade/>
+      </p:transition>
+    </mc:Choice>
+    <mc:Fallback xmlns="">
+      <p:transition spd="med">
+        <p:fade/>
+      </p:transition>
+    </mc:Fallback>
+  </mc:AlternateContent>
+</p:sld>
+</file>
+
+<file path=ppt/slides/slide3.xml><?xml version="1.0" encoding="utf-8"?>
+<p:sld xmlns:a="http://schemas.openxmlformats.org/drawingml/2006/main" xmlns:r="http://schemas.openxmlformats.org/officeDocument/2006/relationships" xmlns:p="http://schemas.openxmlformats.org/presentationml/2006/main">
+  <p:cSld>
+    <p:bg>
+      <p:bgPr>
+        <a:solidFill>
+          <a:schemeClr val="bg1"/>
+        </a:solidFill>
+        <a:effectLst/>
+      </p:bgPr>
+    </p:bg>
+    <p:spTree>
+      <p:nvGrpSpPr>
+        <p:cNvPr id="1" name=""/>
+        <p:cNvGrpSpPr/>
+        <p:nvPr/>
+      </p:nvGrpSpPr>
+      <p:grpSpPr>
+        <a:xfrm>
+          <a:off x="0" y="0"/>
+          <a:ext cx="0" cy="0"/>
+          <a:chOff x="0" y="0"/>
+          <a:chExt cx="0" cy="0"/>
+        </a:xfrm>
+      </p:grpSpPr>
+      <p:sp>
+        <p:nvSpPr>
+          <p:cNvPr id="2" name="Title 1">
+            <a:extLst>
+              <a:ext uri="{FF2B5EF4-FFF2-40B4-BE49-F238E27FC236}">
+                <a16:creationId xmlns:a16="http://schemas.microsoft.com/office/drawing/2014/main" id="{B2A5FD14-1F4F-CCCE-DEA6-871E0D19E7B1}"/>
+              </a:ext>
+            </a:extLst>
+          </p:cNvPr>
+          <p:cNvSpPr>
+            <a:spLocks noGrp="1"/>
+          </p:cNvSpPr>
+          <p:nvPr>
+            <p:ph type="title"/>
+          </p:nvPr>
+        </p:nvSpPr>
+        <p:spPr>
+          <a:xfrm>
+            <a:off x="676746" y="609600"/>
+            <a:ext cx="3729076" cy="1320800"/>
+          </a:xfrm>
+        </p:spPr>
+        <p:txBody>
+          <a:bodyPr vert="horz" lIns="91440" tIns="45720" rIns="91440" bIns="45720" rtlCol="0" anchor="ctr">
+            <a:normAutofit/>
+          </a:bodyPr>
+          <a:lstStyle/>
+          <a:p>
+            <a:r>
+              <a:rPr lang="en-US" dirty="0">
+                <a:latin typeface="Times New Roman" panose="02020603050405020304" pitchFamily="18" charset="0"/>
+                <a:cs typeface="Times New Roman" panose="02020603050405020304" pitchFamily="18" charset="0"/>
+              </a:rPr>
+              <a:t>Who is it for</a:t>
+            </a:r>
+          </a:p>
+        </p:txBody>
+      </p:sp>
+      <p:pic>
+        <p:nvPicPr>
+          <p:cNvPr id="4" name="Picture 3" descr="A person in scrubs and a nurse in a room&#10;&#10;Description automatically generated">
+            <a:extLst>
+              <a:ext uri="{FF2B5EF4-FFF2-40B4-BE49-F238E27FC236}">
+                <a16:creationId xmlns:a16="http://schemas.microsoft.com/office/drawing/2014/main" id="{62125A99-2C88-A10F-4B5C-44967232D199}"/>
+              </a:ext>
+            </a:extLst>
+          </p:cNvPr>
+          <p:cNvPicPr>
+            <a:picLocks noChangeAspect="1"/>
+          </p:cNvPicPr>
+          <p:nvPr/>
+        </p:nvPicPr>
+        <p:blipFill>
+          <a:blip r:embed="rId2">
+            <a:extLst>
+              <a:ext uri="{28A0092B-C50C-407E-A947-70E740481C1C}">
+                <a14:useLocalDpi xmlns:a14="http://schemas.microsoft.com/office/drawing/2010/main" val="0"/>
+              </a:ext>
+            </a:extLst>
+          </a:blip>
+          <a:stretch>
+            <a:fillRect/>
+          </a:stretch>
+        </p:blipFill>
+        <p:spPr>
+          <a:xfrm>
+            <a:off x="4654035" y="2474815"/>
+            <a:ext cx="4602747" cy="1403837"/>
+          </a:xfrm>
+          <a:prstGeom prst="rect">
+            <a:avLst/>
+          </a:prstGeom>
+        </p:spPr>
+      </p:pic>
+      <p:sp>
+        <p:nvSpPr>
+          <p:cNvPr id="6" name="TextBox 5">
+            <a:extLst>
+              <a:ext uri="{FF2B5EF4-FFF2-40B4-BE49-F238E27FC236}">
+                <a16:creationId xmlns:a16="http://schemas.microsoft.com/office/drawing/2014/main" id="{CA50283E-19A7-CC70-8CFA-E6AB2AE29E79}"/>
+              </a:ext>
+            </a:extLst>
+          </p:cNvPr>
+          <p:cNvSpPr txBox="1"/>
+          <p:nvPr/>
+        </p:nvSpPr>
+        <p:spPr>
+          <a:xfrm>
+            <a:off x="676746" y="2474815"/>
+            <a:ext cx="3666066" cy="1477328"/>
+          </a:xfrm>
+          <a:prstGeom prst="rect">
+            <a:avLst/>
+          </a:prstGeom>
+          <a:noFill/>
+        </p:spPr>
+        <p:txBody>
+          <a:bodyPr wrap="square" rtlCol="0">
+            <a:spAutoFit/>
+          </a:bodyPr>
+          <a:lstStyle/>
+          <a:p>
+            <a:pPr marL="285750" indent="-285750">
+              <a:buFont typeface="Arial" panose="020B0604020202020204" pitchFamily="34" charset="0"/>
+              <a:buChar char="•"/>
+            </a:pPr>
+            <a:r>
+              <a:rPr lang="en-IE" dirty="0">
+                <a:latin typeface="Times New Roman" panose="02020603050405020304" pitchFamily="18" charset="0"/>
+                <a:cs typeface="Times New Roman" panose="02020603050405020304" pitchFamily="18" charset="0"/>
+              </a:rPr>
+              <a:t>Care Home</a:t>
+            </a:r>
+          </a:p>
+          <a:p>
+            <a:pPr marL="285750" indent="-285750">
+              <a:buFont typeface="Arial" panose="020B0604020202020204" pitchFamily="34" charset="0"/>
+              <a:buChar char="•"/>
+            </a:pPr>
+            <a:endParaRPr lang="en-IE" dirty="0">
+              <a:latin typeface="Times New Roman" panose="02020603050405020304" pitchFamily="18" charset="0"/>
+              <a:cs typeface="Times New Roman" panose="02020603050405020304" pitchFamily="18" charset="0"/>
+            </a:endParaRPr>
+          </a:p>
+          <a:p>
+            <a:pPr marL="285750" indent="-285750">
+              <a:buFont typeface="Arial" panose="020B0604020202020204" pitchFamily="34" charset="0"/>
+              <a:buChar char="•"/>
+            </a:pPr>
+            <a:r>
+              <a:rPr lang="en-IE" dirty="0">
+                <a:latin typeface="Times New Roman" panose="02020603050405020304" pitchFamily="18" charset="0"/>
+                <a:cs typeface="Times New Roman" panose="02020603050405020304" pitchFamily="18" charset="0"/>
+              </a:rPr>
+              <a:t>Care Office Staff (Admin)</a:t>
+            </a:r>
+          </a:p>
+          <a:p>
+            <a:pPr marL="285750" indent="-285750">
+              <a:buFont typeface="Arial" panose="020B0604020202020204" pitchFamily="34" charset="0"/>
+              <a:buChar char="•"/>
+            </a:pPr>
+            <a:endParaRPr lang="en-IE" dirty="0">
+              <a:latin typeface="Times New Roman" panose="02020603050405020304" pitchFamily="18" charset="0"/>
+              <a:cs typeface="Times New Roman" panose="02020603050405020304" pitchFamily="18" charset="0"/>
+            </a:endParaRPr>
+          </a:p>
+          <a:p>
+            <a:pPr marL="285750" indent="-285750">
+              <a:buFont typeface="Arial" panose="020B0604020202020204" pitchFamily="34" charset="0"/>
+              <a:buChar char="•"/>
+            </a:pPr>
+            <a:r>
+              <a:rPr lang="en-IE" dirty="0">
+                <a:latin typeface="Times New Roman" panose="02020603050405020304" pitchFamily="18" charset="0"/>
+                <a:cs typeface="Times New Roman" panose="02020603050405020304" pitchFamily="18" charset="0"/>
+              </a:rPr>
+              <a:t>Carer’s</a:t>
+            </a:r>
+          </a:p>
+        </p:txBody>
+      </p:sp>
     </p:spTree>
     <p:extLst>
       <p:ext uri="{BB962C8B-B14F-4D97-AF65-F5344CB8AC3E}">
@@ -6407,13 +9007,13 @@
   <p:clrMapOvr>
     <a:masterClrMapping/>
   </p:clrMapOvr>
-  <mc:AlternateContent xmlns:mc="http://schemas.openxmlformats.org/markup-compatibility/2006">
-    <mc:Choice xmlns:p14="http://schemas.microsoft.com/office/powerpoint/2010/main" Requires="p14">
+  <mc:AlternateContent xmlns:mc="http://schemas.openxmlformats.org/markup-compatibility/2006" xmlns:p14="http://schemas.microsoft.com/office/powerpoint/2010/main">
+    <mc:Choice Requires="p14">
       <p:transition spd="med" p14:dur="700">
         <p:fade/>
       </p:transition>
     </mc:Choice>
-    <mc:Fallback>
+    <mc:Fallback xmlns="">
       <p:transition spd="med">
         <p:fade/>
       </p:transition>
@@ -6465,7 +9065,7 @@
                 <a:latin typeface="Times New Roman" panose="02020603050405020304" pitchFamily="18" charset="0"/>
                 <a:cs typeface="Times New Roman" panose="02020603050405020304" pitchFamily="18" charset="0"/>
               </a:rPr>
-              <a:t>Features</a:t>
+              <a:t>User Features</a:t>
             </a:r>
           </a:p>
         </p:txBody>
@@ -6484,8 +9084,8 @@
         </p:nvSpPr>
         <p:spPr>
           <a:xfrm>
-            <a:off x="677334" y="2067560"/>
-            <a:ext cx="3666066" cy="3416320"/>
+            <a:off x="6096000" y="2168144"/>
+            <a:ext cx="3666066" cy="2308324"/>
           </a:xfrm>
           <a:prstGeom prst="rect">
             <a:avLst/>
@@ -6601,66 +9201,14 @@
               <a:t>Alert </a:t>
             </a:r>
           </a:p>
-          <a:p>
-            <a:pPr marL="285750" indent="-285750">
-              <a:buFont typeface="Arial" panose="020B0604020202020204" pitchFamily="34" charset="0"/>
-              <a:buChar char="•"/>
-            </a:pPr>
-            <a:r>
-              <a:rPr lang="en-IE" dirty="0">
-                <a:latin typeface="Times New Roman" panose="02020603050405020304" pitchFamily="18" charset="0"/>
-                <a:cs typeface="Times New Roman" panose="02020603050405020304" pitchFamily="18" charset="0"/>
-              </a:rPr>
-              <a:t>Health Level 7</a:t>
-            </a:r>
-          </a:p>
-          <a:p>
-            <a:pPr marL="285750" indent="-285750">
-              <a:buFont typeface="Arial" panose="020B0604020202020204" pitchFamily="34" charset="0"/>
-              <a:buChar char="•"/>
-            </a:pPr>
-            <a:r>
-              <a:rPr lang="en-IE" dirty="0">
-                <a:latin typeface="Times New Roman" panose="02020603050405020304" pitchFamily="18" charset="0"/>
-                <a:cs typeface="Times New Roman" panose="02020603050405020304" pitchFamily="18" charset="0"/>
-              </a:rPr>
-              <a:t>Security (Cryptography)</a:t>
-            </a:r>
-          </a:p>
-          <a:p>
-            <a:pPr marL="742950" lvl="1" indent="-285750">
-              <a:buFont typeface="Arial" panose="020B0604020202020204" pitchFamily="34" charset="0"/>
-              <a:buChar char="•"/>
-            </a:pPr>
-            <a:r>
-              <a:rPr lang="en-IE" dirty="0">
-                <a:latin typeface="Times New Roman" panose="02020603050405020304" pitchFamily="18" charset="0"/>
-                <a:cs typeface="Times New Roman" panose="02020603050405020304" pitchFamily="18" charset="0"/>
-              </a:rPr>
-              <a:t>Shared Key encryption</a:t>
-            </a:r>
-          </a:p>
-          <a:p>
-            <a:pPr marL="742950" lvl="1" indent="-285750">
-              <a:buFont typeface="Arial" panose="020B0604020202020204" pitchFamily="34" charset="0"/>
-              <a:buChar char="•"/>
-            </a:pPr>
-            <a:r>
-              <a:rPr lang="en-IE" dirty="0">
-                <a:latin typeface="Times New Roman" panose="02020603050405020304" pitchFamily="18" charset="0"/>
-                <a:cs typeface="Times New Roman" panose="02020603050405020304" pitchFamily="18" charset="0"/>
-              </a:rPr>
-              <a:t>Public Key encryption</a:t>
-            </a:r>
-          </a:p>
         </p:txBody>
       </p:sp>
       <p:pic>
         <p:nvPicPr>
-          <p:cNvPr id="3074" name="Picture 2" descr="Intellectual property ans safe padlock">
+          <p:cNvPr id="3076" name="Picture 4" descr="A vibrant illustration features individuals testing mobile applications on different devices highlighting teamwork Mobile testing Customizable Flat Illustration">
             <a:extLst>
               <a:ext uri="{FF2B5EF4-FFF2-40B4-BE49-F238E27FC236}">
-                <a16:creationId xmlns:a16="http://schemas.microsoft.com/office/drawing/2014/main" id="{EDF36511-AE46-909F-40C7-299CA21D5EB9}"/>
+                <a16:creationId xmlns:a16="http://schemas.microsoft.com/office/drawing/2014/main" id="{39B7579F-B75F-6863-5101-472F0F987925}"/>
               </a:ext>
             </a:extLst>
           </p:cNvPr>
@@ -6684,55 +9232,8 @@
         </p:blipFill>
         <p:spPr bwMode="auto">
           <a:xfrm>
-            <a:off x="4343400" y="609600"/>
-            <a:ext cx="2147743" cy="2147743"/>
-          </a:xfrm>
-          <a:prstGeom prst="rect">
-            <a:avLst/>
-          </a:prstGeom>
-          <a:noFill/>
-          <a:extLst>
-            <a:ext uri="{909E8E84-426E-40DD-AFC4-6F175D3DCCD1}">
-              <a14:hiddenFill xmlns:a14="http://schemas.microsoft.com/office/drawing/2010/main">
-                <a:solidFill>
-                  <a:srgbClr val="FFFFFF"/>
-                </a:solidFill>
-              </a14:hiddenFill>
-            </a:ext>
-          </a:extLst>
-        </p:spPr>
-      </p:pic>
-      <p:pic>
-        <p:nvPicPr>
-          <p:cNvPr id="3076" name="Picture 4" descr="A vibrant illustration features individuals testing mobile applications on different devices highlighting teamwork Mobile testing Customizable Flat Illustration">
-            <a:extLst>
-              <a:ext uri="{FF2B5EF4-FFF2-40B4-BE49-F238E27FC236}">
-                <a16:creationId xmlns:a16="http://schemas.microsoft.com/office/drawing/2014/main" id="{39B7579F-B75F-6863-5101-472F0F987925}"/>
-              </a:ext>
-            </a:extLst>
-          </p:cNvPr>
-          <p:cNvPicPr>
-            <a:picLocks noChangeAspect="1" noChangeArrowheads="1"/>
-          </p:cNvPicPr>
-          <p:nvPr/>
-        </p:nvPicPr>
-        <p:blipFill>
-          <a:blip r:embed="rId3">
-            <a:extLst>
-              <a:ext uri="{28A0092B-C50C-407E-A947-70E740481C1C}">
-                <a14:useLocalDpi xmlns:a14="http://schemas.microsoft.com/office/drawing/2010/main" val="0"/>
-              </a:ext>
-            </a:extLst>
-          </a:blip>
-          <a:srcRect/>
-          <a:stretch>
-            <a:fillRect/>
-          </a:stretch>
-        </p:blipFill>
-        <p:spPr bwMode="auto">
-          <a:xfrm>
-            <a:off x="5108863" y="3637220"/>
-            <a:ext cx="2981324" cy="1985962"/>
+            <a:off x="407539" y="1756697"/>
+            <a:ext cx="5020917" cy="3344605"/>
           </a:xfrm>
           <a:prstGeom prst="rect">
             <a:avLst/>
@@ -6759,13 +9260,13 @@
   <p:clrMapOvr>
     <a:masterClrMapping/>
   </p:clrMapOvr>
-  <mc:AlternateContent xmlns:mc="http://schemas.openxmlformats.org/markup-compatibility/2006">
-    <mc:Choice xmlns:p14="http://schemas.microsoft.com/office/powerpoint/2010/main" Requires="p14">
+  <mc:AlternateContent xmlns:mc="http://schemas.openxmlformats.org/markup-compatibility/2006" xmlns:p14="http://schemas.microsoft.com/office/powerpoint/2010/main">
+    <mc:Choice Requires="p14">
       <p:transition spd="med" p14:dur="700">
         <p:fade/>
       </p:transition>
     </mc:Choice>
-    <mc:Fallback>
+    <mc:Fallback xmlns="">
       <p:transition spd="med">
         <p:fade/>
       </p:transition>
@@ -6775,6 +9276,272 @@
 </file>
 
 <file path=ppt/slides/slide5.xml><?xml version="1.0" encoding="utf-8"?>
+<p:sld xmlns:a="http://schemas.openxmlformats.org/drawingml/2006/main" xmlns:r="http://schemas.openxmlformats.org/officeDocument/2006/relationships" xmlns:p="http://schemas.openxmlformats.org/presentationml/2006/main">
+  <p:cSld>
+    <p:spTree>
+      <p:nvGrpSpPr>
+        <p:cNvPr id="1" name=""/>
+        <p:cNvGrpSpPr/>
+        <p:nvPr/>
+      </p:nvGrpSpPr>
+      <p:grpSpPr>
+        <a:xfrm>
+          <a:off x="0" y="0"/>
+          <a:ext cx="0" cy="0"/>
+          <a:chOff x="0" y="0"/>
+          <a:chExt cx="0" cy="0"/>
+        </a:xfrm>
+      </p:grpSpPr>
+      <p:sp>
+        <p:nvSpPr>
+          <p:cNvPr id="4" name="Title 1">
+            <a:extLst>
+              <a:ext uri="{FF2B5EF4-FFF2-40B4-BE49-F238E27FC236}">
+                <a16:creationId xmlns:a16="http://schemas.microsoft.com/office/drawing/2014/main" id="{3B2753D7-EC5A-10CF-631B-E225C63509A4}"/>
+              </a:ext>
+            </a:extLst>
+          </p:cNvPr>
+          <p:cNvSpPr>
+            <a:spLocks noGrp="1"/>
+          </p:cNvSpPr>
+          <p:nvPr>
+            <p:ph type="title"/>
+          </p:nvPr>
+        </p:nvSpPr>
+        <p:spPr>
+          <a:xfrm>
+            <a:off x="677863" y="628650"/>
+            <a:ext cx="8596312" cy="1320800"/>
+          </a:xfrm>
+        </p:spPr>
+        <p:txBody>
+          <a:bodyPr/>
+          <a:lstStyle/>
+          <a:p>
+            <a:r>
+              <a:rPr lang="en-IE" dirty="0">
+                <a:latin typeface="Times New Roman" panose="02020603050405020304" pitchFamily="18" charset="0"/>
+                <a:cs typeface="Times New Roman" panose="02020603050405020304" pitchFamily="18" charset="0"/>
+              </a:rPr>
+              <a:t>Backend Features</a:t>
+            </a:r>
+          </a:p>
+        </p:txBody>
+      </p:sp>
+      <p:sp>
+        <p:nvSpPr>
+          <p:cNvPr id="5" name="TextBox 4">
+            <a:extLst>
+              <a:ext uri="{FF2B5EF4-FFF2-40B4-BE49-F238E27FC236}">
+                <a16:creationId xmlns:a16="http://schemas.microsoft.com/office/drawing/2014/main" id="{B43B20AA-95CC-574A-DA07-894D941F57D0}"/>
+              </a:ext>
+            </a:extLst>
+          </p:cNvPr>
+          <p:cNvSpPr txBox="1"/>
+          <p:nvPr/>
+        </p:nvSpPr>
+        <p:spPr>
+          <a:xfrm>
+            <a:off x="677863" y="2484703"/>
+            <a:ext cx="3666066" cy="1200329"/>
+          </a:xfrm>
+          <a:prstGeom prst="rect">
+            <a:avLst/>
+          </a:prstGeom>
+          <a:noFill/>
+        </p:spPr>
+        <p:txBody>
+          <a:bodyPr wrap="square" rtlCol="0">
+            <a:spAutoFit/>
+          </a:bodyPr>
+          <a:lstStyle/>
+          <a:p>
+            <a:pPr marL="285750" indent="-285750">
+              <a:buFont typeface="Arial" panose="020B0604020202020204" pitchFamily="34" charset="0"/>
+              <a:buChar char="•"/>
+            </a:pPr>
+            <a:r>
+              <a:rPr lang="en-IE" dirty="0">
+                <a:latin typeface="Times New Roman" panose="02020603050405020304" pitchFamily="18" charset="0"/>
+                <a:cs typeface="Times New Roman" panose="02020603050405020304" pitchFamily="18" charset="0"/>
+              </a:rPr>
+              <a:t>Health Level 7</a:t>
+            </a:r>
+          </a:p>
+          <a:p>
+            <a:pPr marL="285750" indent="-285750">
+              <a:buFont typeface="Arial" panose="020B0604020202020204" pitchFamily="34" charset="0"/>
+              <a:buChar char="•"/>
+            </a:pPr>
+            <a:r>
+              <a:rPr lang="en-IE" dirty="0">
+                <a:latin typeface="Times New Roman" panose="02020603050405020304" pitchFamily="18" charset="0"/>
+                <a:cs typeface="Times New Roman" panose="02020603050405020304" pitchFamily="18" charset="0"/>
+              </a:rPr>
+              <a:t>Security (Cryptography)</a:t>
+            </a:r>
+          </a:p>
+          <a:p>
+            <a:pPr marL="742950" lvl="1" indent="-285750">
+              <a:buFont typeface="Arial" panose="020B0604020202020204" pitchFamily="34" charset="0"/>
+              <a:buChar char="•"/>
+            </a:pPr>
+            <a:r>
+              <a:rPr lang="en-IE" dirty="0">
+                <a:latin typeface="Times New Roman" panose="02020603050405020304" pitchFamily="18" charset="0"/>
+                <a:cs typeface="Times New Roman" panose="02020603050405020304" pitchFamily="18" charset="0"/>
+              </a:rPr>
+              <a:t>Shared Key encryption</a:t>
+            </a:r>
+          </a:p>
+          <a:p>
+            <a:pPr marL="742950" lvl="1" indent="-285750">
+              <a:buFont typeface="Arial" panose="020B0604020202020204" pitchFamily="34" charset="0"/>
+              <a:buChar char="•"/>
+            </a:pPr>
+            <a:r>
+              <a:rPr lang="en-IE" dirty="0">
+                <a:latin typeface="Times New Roman" panose="02020603050405020304" pitchFamily="18" charset="0"/>
+                <a:cs typeface="Times New Roman" panose="02020603050405020304" pitchFamily="18" charset="0"/>
+              </a:rPr>
+              <a:t>Public Key encryption</a:t>
+            </a:r>
+          </a:p>
+        </p:txBody>
+      </p:sp>
+      <p:pic>
+        <p:nvPicPr>
+          <p:cNvPr id="7" name="Picture 2" descr="Intellectual property ans safe padlock">
+            <a:extLst>
+              <a:ext uri="{FF2B5EF4-FFF2-40B4-BE49-F238E27FC236}">
+                <a16:creationId xmlns:a16="http://schemas.microsoft.com/office/drawing/2014/main" id="{880B38FE-640A-38F9-204F-EA3A41D5AA0A}"/>
+              </a:ext>
+            </a:extLst>
+          </p:cNvPr>
+          <p:cNvPicPr>
+            <a:picLocks noChangeAspect="1" noChangeArrowheads="1"/>
+          </p:cNvPicPr>
+          <p:nvPr/>
+        </p:nvPicPr>
+        <p:blipFill>
+          <a:blip r:embed="rId2">
+            <a:extLst>
+              <a:ext uri="{28A0092B-C50C-407E-A947-70E740481C1C}">
+                <a14:useLocalDpi xmlns:a14="http://schemas.microsoft.com/office/drawing/2010/main" val="0"/>
+              </a:ext>
+            </a:extLst>
+          </a:blip>
+          <a:srcRect/>
+          <a:stretch>
+            <a:fillRect/>
+          </a:stretch>
+        </p:blipFill>
+        <p:spPr bwMode="auto">
+          <a:xfrm>
+            <a:off x="1158233" y="4264258"/>
+            <a:ext cx="2175899" cy="1946910"/>
+          </a:xfrm>
+          <a:prstGeom prst="rect">
+            <a:avLst/>
+          </a:prstGeom>
+          <a:noFill/>
+          <a:extLst>
+            <a:ext uri="{909E8E84-426E-40DD-AFC4-6F175D3DCCD1}">
+              <a14:hiddenFill xmlns:a14="http://schemas.microsoft.com/office/drawing/2010/main">
+                <a:solidFill>
+                  <a:srgbClr val="FFFFFF"/>
+                </a:solidFill>
+              </a14:hiddenFill>
+            </a:ext>
+          </a:extLst>
+        </p:spPr>
+      </p:pic>
+      <p:pic>
+        <p:nvPicPr>
+          <p:cNvPr id="2" name="Picture 1" descr="A diagram of a key encrypted key encryption&#10;&#10;Description automatically generated">
+            <a:extLst>
+              <a:ext uri="{FF2B5EF4-FFF2-40B4-BE49-F238E27FC236}">
+                <a16:creationId xmlns:a16="http://schemas.microsoft.com/office/drawing/2014/main" id="{7243C6F1-3A99-61ED-42B1-AA805A663A4E}"/>
+              </a:ext>
+            </a:extLst>
+          </p:cNvPr>
+          <p:cNvPicPr>
+            <a:picLocks noChangeAspect="1"/>
+          </p:cNvPicPr>
+          <p:nvPr/>
+        </p:nvPicPr>
+        <p:blipFill>
+          <a:blip r:embed="rId3"/>
+          <a:stretch>
+            <a:fillRect/>
+          </a:stretch>
+        </p:blipFill>
+        <p:spPr>
+          <a:xfrm>
+            <a:off x="4382595" y="309371"/>
+            <a:ext cx="4485221" cy="2175332"/>
+          </a:xfrm>
+          <a:prstGeom prst="rect">
+            <a:avLst/>
+          </a:prstGeom>
+        </p:spPr>
+      </p:pic>
+      <p:pic>
+        <p:nvPicPr>
+          <p:cNvPr id="3" name="Picture 2" descr="A diagram of a computer network&#10;&#10;Description automatically generated">
+            <a:extLst>
+              <a:ext uri="{FF2B5EF4-FFF2-40B4-BE49-F238E27FC236}">
+                <a16:creationId xmlns:a16="http://schemas.microsoft.com/office/drawing/2014/main" id="{1EFA8255-47AA-42B9-706E-E289A3F29B68}"/>
+              </a:ext>
+            </a:extLst>
+          </p:cNvPr>
+          <p:cNvPicPr>
+            <a:picLocks noChangeAspect="1"/>
+          </p:cNvPicPr>
+          <p:nvPr/>
+        </p:nvPicPr>
+        <p:blipFill>
+          <a:blip r:embed="rId4"/>
+          <a:stretch>
+            <a:fillRect/>
+          </a:stretch>
+        </p:blipFill>
+        <p:spPr>
+          <a:xfrm>
+            <a:off x="4500234" y="2850268"/>
+            <a:ext cx="4863443" cy="2638416"/>
+          </a:xfrm>
+          <a:prstGeom prst="rect">
+            <a:avLst/>
+          </a:prstGeom>
+        </p:spPr>
+      </p:pic>
+    </p:spTree>
+    <p:extLst>
+      <p:ext uri="{BB962C8B-B14F-4D97-AF65-F5344CB8AC3E}">
+        <p14:creationId xmlns:p14="http://schemas.microsoft.com/office/powerpoint/2010/main" val="1499737856"/>
+      </p:ext>
+    </p:extLst>
+  </p:cSld>
+  <p:clrMapOvr>
+    <a:masterClrMapping/>
+  </p:clrMapOvr>
+  <mc:AlternateContent xmlns:mc="http://schemas.openxmlformats.org/markup-compatibility/2006" xmlns:p14="http://schemas.microsoft.com/office/powerpoint/2010/main">
+    <mc:Choice Requires="p14">
+      <p:transition spd="med" p14:dur="700">
+        <p:fade/>
+      </p:transition>
+    </mc:Choice>
+    <mc:Fallback xmlns="">
+      <p:transition spd="med">
+        <p:fade/>
+      </p:transition>
+    </mc:Fallback>
+  </mc:AlternateContent>
+</p:sld>
+</file>
+
+<file path=ppt/slides/slide6.xml><?xml version="1.0" encoding="utf-8"?>
 <p:sld xmlns:a="http://schemas.openxmlformats.org/drawingml/2006/main" xmlns:r="http://schemas.openxmlformats.org/officeDocument/2006/relationships" xmlns:p="http://schemas.openxmlformats.org/presentationml/2006/main">
   <p:cSld>
     <p:spTree>
@@ -6945,358 +9712,13 @@
   <p:clrMapOvr>
     <a:masterClrMapping/>
   </p:clrMapOvr>
-  <mc:AlternateContent xmlns:mc="http://schemas.openxmlformats.org/markup-compatibility/2006">
-    <mc:Choice xmlns:p14="http://schemas.microsoft.com/office/powerpoint/2010/main" Requires="p14">
+  <mc:AlternateContent xmlns:mc="http://schemas.openxmlformats.org/markup-compatibility/2006" xmlns:p14="http://schemas.microsoft.com/office/powerpoint/2010/main">
+    <mc:Choice Requires="p14">
       <p:transition spd="med" p14:dur="700">
         <p:fade/>
       </p:transition>
     </mc:Choice>
-    <mc:Fallback>
-      <p:transition spd="med">
-        <p:fade/>
-      </p:transition>
-    </mc:Fallback>
-  </mc:AlternateContent>
-</p:sld>
-</file>
-
-<file path=ppt/slides/slide6.xml><?xml version="1.0" encoding="utf-8"?>
-<p:sld xmlns:a="http://schemas.openxmlformats.org/drawingml/2006/main" xmlns:r="http://schemas.openxmlformats.org/officeDocument/2006/relationships" xmlns:p="http://schemas.openxmlformats.org/presentationml/2006/main">
-  <p:cSld>
-    <p:spTree>
-      <p:nvGrpSpPr>
-        <p:cNvPr id="1" name=""/>
-        <p:cNvGrpSpPr/>
-        <p:nvPr/>
-      </p:nvGrpSpPr>
-      <p:grpSpPr>
-        <a:xfrm>
-          <a:off x="0" y="0"/>
-          <a:ext cx="0" cy="0"/>
-          <a:chOff x="0" y="0"/>
-          <a:chExt cx="0" cy="0"/>
-        </a:xfrm>
-      </p:grpSpPr>
-      <p:sp>
-        <p:nvSpPr>
-          <p:cNvPr id="2" name="Title 1">
-            <a:extLst>
-              <a:ext uri="{FF2B5EF4-FFF2-40B4-BE49-F238E27FC236}">
-                <a16:creationId xmlns:a16="http://schemas.microsoft.com/office/drawing/2014/main" id="{DD28CCBA-9000-87FC-0E8F-A8D5057C592D}"/>
-              </a:ext>
-            </a:extLst>
-          </p:cNvPr>
-          <p:cNvSpPr>
-            <a:spLocks noGrp="1"/>
-          </p:cNvSpPr>
-          <p:nvPr>
-            <p:ph type="title"/>
-          </p:nvPr>
-        </p:nvSpPr>
-        <p:spPr/>
-        <p:txBody>
-          <a:bodyPr/>
-          <a:lstStyle/>
-          <a:p>
-            <a:r>
-              <a:rPr lang="en-IE" dirty="0">
-                <a:latin typeface="Times New Roman" panose="02020603050405020304" pitchFamily="18" charset="0"/>
-                <a:cs typeface="Times New Roman" panose="02020603050405020304" pitchFamily="18" charset="0"/>
-              </a:rPr>
-              <a:t>Existing Systems</a:t>
-            </a:r>
-          </a:p>
-        </p:txBody>
-      </p:sp>
-      <p:sp>
-        <p:nvSpPr>
-          <p:cNvPr id="6" name="TextBox 5">
-            <a:extLst>
-              <a:ext uri="{FF2B5EF4-FFF2-40B4-BE49-F238E27FC236}">
-                <a16:creationId xmlns:a16="http://schemas.microsoft.com/office/drawing/2014/main" id="{959968F4-31C2-6035-674C-A822E4358FF3}"/>
-              </a:ext>
-            </a:extLst>
-          </p:cNvPr>
-          <p:cNvSpPr txBox="1"/>
-          <p:nvPr/>
-        </p:nvSpPr>
-        <p:spPr>
-          <a:xfrm>
-            <a:off x="677334" y="1566480"/>
-            <a:ext cx="3666066" cy="4801314"/>
-          </a:xfrm>
-          <a:prstGeom prst="rect">
-            <a:avLst/>
-          </a:prstGeom>
-          <a:noFill/>
-        </p:spPr>
-        <p:txBody>
-          <a:bodyPr wrap="square" rtlCol="0">
-            <a:spAutoFit/>
-          </a:bodyPr>
-          <a:lstStyle/>
-          <a:p>
-            <a:pPr marL="285750" indent="-285750">
-              <a:buFont typeface="Arial" panose="020B0604020202020204" pitchFamily="34" charset="0"/>
-              <a:buChar char="•"/>
-            </a:pPr>
-            <a:r>
-              <a:rPr lang="en-IE" dirty="0">
-                <a:latin typeface="Times New Roman" panose="02020603050405020304" pitchFamily="18" charset="0"/>
-                <a:cs typeface="Times New Roman" panose="02020603050405020304" pitchFamily="18" charset="0"/>
-              </a:rPr>
-              <a:t>Pass App created by Every Life</a:t>
-            </a:r>
-          </a:p>
-          <a:p>
-            <a:pPr marL="742950" lvl="1" indent="-285750">
-              <a:buFontTx/>
-              <a:buChar char="-"/>
-            </a:pPr>
-            <a:r>
-              <a:rPr lang="en-IE" dirty="0">
-                <a:latin typeface="Times New Roman" panose="02020603050405020304" pitchFamily="18" charset="0"/>
-                <a:cs typeface="Times New Roman" panose="02020603050405020304" pitchFamily="18" charset="0"/>
-              </a:rPr>
-              <a:t>Founded in 2014</a:t>
-            </a:r>
-          </a:p>
-          <a:p>
-            <a:pPr marL="742950" lvl="1" indent="-285750">
-              <a:buFontTx/>
-              <a:buChar char="-"/>
-            </a:pPr>
-            <a:r>
-              <a:rPr lang="en-IE" dirty="0">
-                <a:latin typeface="Times New Roman" panose="02020603050405020304" pitchFamily="18" charset="0"/>
-                <a:cs typeface="Times New Roman" panose="02020603050405020304" pitchFamily="18" charset="0"/>
-              </a:rPr>
-              <a:t>Real time care monitoring app</a:t>
-            </a:r>
-          </a:p>
-          <a:p>
-            <a:pPr marL="742950" lvl="1" indent="-285750">
-              <a:buFontTx/>
-              <a:buChar char="-"/>
-            </a:pPr>
-            <a:r>
-              <a:rPr lang="en-IE" dirty="0">
-                <a:latin typeface="Times New Roman" panose="02020603050405020304" pitchFamily="18" charset="0"/>
-                <a:cs typeface="Times New Roman" panose="02020603050405020304" pitchFamily="18" charset="0"/>
-              </a:rPr>
-              <a:t>Mainstream functionality		</a:t>
-            </a:r>
-          </a:p>
-          <a:p>
-            <a:pPr marL="285750" indent="-285750">
-              <a:buFont typeface="Arial" panose="020B0604020202020204" pitchFamily="34" charset="0"/>
-              <a:buChar char="•"/>
-            </a:pPr>
-            <a:r>
-              <a:rPr lang="en-IE" dirty="0">
-                <a:latin typeface="Times New Roman" panose="02020603050405020304" pitchFamily="18" charset="0"/>
-                <a:cs typeface="Times New Roman" panose="02020603050405020304" pitchFamily="18" charset="0"/>
-              </a:rPr>
-              <a:t>Log my Care</a:t>
-            </a:r>
-          </a:p>
-          <a:p>
-            <a:pPr marL="742950" lvl="1" indent="-285750">
-              <a:buFontTx/>
-              <a:buChar char="-"/>
-            </a:pPr>
-            <a:r>
-              <a:rPr lang="en-IE" dirty="0">
-                <a:latin typeface="Times New Roman" panose="02020603050405020304" pitchFamily="18" charset="0"/>
-                <a:cs typeface="Times New Roman" panose="02020603050405020304" pitchFamily="18" charset="0"/>
-              </a:rPr>
-              <a:t>Makes person centred technology accessible to everybody in social care</a:t>
-            </a:r>
-          </a:p>
-          <a:p>
-            <a:pPr marL="742950" lvl="1" indent="-285750">
-              <a:buFontTx/>
-              <a:buChar char="-"/>
-            </a:pPr>
-            <a:r>
-              <a:rPr lang="en-IE" dirty="0">
-                <a:latin typeface="Times New Roman" panose="02020603050405020304" pitchFamily="18" charset="0"/>
-                <a:cs typeface="Times New Roman" panose="02020603050405020304" pitchFamily="18" charset="0"/>
-              </a:rPr>
-              <a:t>Mainstream functionality</a:t>
-            </a:r>
-          </a:p>
-          <a:p>
-            <a:pPr marL="285750" indent="-285750">
-              <a:buFont typeface="Arial" panose="020B0604020202020204" pitchFamily="34" charset="0"/>
-              <a:buChar char="•"/>
-            </a:pPr>
-            <a:endParaRPr lang="en-IE" dirty="0">
-              <a:latin typeface="Times New Roman" panose="02020603050405020304" pitchFamily="18" charset="0"/>
-              <a:cs typeface="Times New Roman" panose="02020603050405020304" pitchFamily="18" charset="0"/>
-            </a:endParaRPr>
-          </a:p>
-          <a:p>
-            <a:pPr marL="285750" indent="-285750">
-              <a:buFont typeface="Arial" panose="020B0604020202020204" pitchFamily="34" charset="0"/>
-              <a:buChar char="•"/>
-            </a:pPr>
-            <a:r>
-              <a:rPr lang="en-IE" dirty="0">
-                <a:latin typeface="Times New Roman" panose="02020603050405020304" pitchFamily="18" charset="0"/>
-                <a:cs typeface="Times New Roman" panose="02020603050405020304" pitchFamily="18" charset="0"/>
-              </a:rPr>
-              <a:t>Nourish</a:t>
-            </a:r>
-          </a:p>
-          <a:p>
-            <a:pPr marL="742950" lvl="1" indent="-285750">
-              <a:buFontTx/>
-              <a:buChar char="-"/>
-            </a:pPr>
-            <a:r>
-              <a:rPr lang="en-IE" dirty="0">
-                <a:latin typeface="Times New Roman" panose="02020603050405020304" pitchFamily="18" charset="0"/>
-                <a:cs typeface="Times New Roman" panose="02020603050405020304" pitchFamily="18" charset="0"/>
-              </a:rPr>
-              <a:t>Mainstream functionality</a:t>
-            </a:r>
-          </a:p>
-          <a:p>
-            <a:pPr marL="742950" lvl="1" indent="-285750">
-              <a:buFontTx/>
-              <a:buChar char="-"/>
-            </a:pPr>
-            <a:r>
-              <a:rPr lang="en-IE" dirty="0">
-                <a:latin typeface="Times New Roman" panose="02020603050405020304" pitchFamily="18" charset="0"/>
-                <a:cs typeface="Times New Roman" panose="02020603050405020304" pitchFamily="18" charset="0"/>
-              </a:rPr>
-              <a:t>Personalised Care plans </a:t>
-            </a:r>
-          </a:p>
-          <a:p>
-            <a:pPr marL="742950" lvl="1" indent="-285750">
-              <a:buFontTx/>
-              <a:buChar char="-"/>
-            </a:pPr>
-            <a:r>
-              <a:rPr lang="en-IE" dirty="0">
-                <a:latin typeface="Times New Roman" panose="02020603050405020304" pitchFamily="18" charset="0"/>
-                <a:cs typeface="Times New Roman" panose="02020603050405020304" pitchFamily="18" charset="0"/>
-              </a:rPr>
-              <a:t>Control and security on all Patient data  	</a:t>
-            </a:r>
-          </a:p>
-        </p:txBody>
-      </p:sp>
-      <p:pic>
-        <p:nvPicPr>
-          <p:cNvPr id="8" name="Picture 7">
-            <a:extLst>
-              <a:ext uri="{FF2B5EF4-FFF2-40B4-BE49-F238E27FC236}">
-                <a16:creationId xmlns:a16="http://schemas.microsoft.com/office/drawing/2014/main" id="{46739802-8750-E277-CC0B-7BCA549D4DB4}"/>
-              </a:ext>
-            </a:extLst>
-          </p:cNvPr>
-          <p:cNvPicPr>
-            <a:picLocks noChangeAspect="1"/>
-          </p:cNvPicPr>
-          <p:nvPr/>
-        </p:nvPicPr>
-        <p:blipFill>
-          <a:blip r:embed="rId2"/>
-          <a:stretch>
-            <a:fillRect/>
-          </a:stretch>
-        </p:blipFill>
-        <p:spPr>
-          <a:xfrm>
-            <a:off x="6018561" y="1065400"/>
-            <a:ext cx="2372461" cy="1002160"/>
-          </a:xfrm>
-          <a:prstGeom prst="rect">
-            <a:avLst/>
-          </a:prstGeom>
-        </p:spPr>
-      </p:pic>
-      <p:pic>
-        <p:nvPicPr>
-          <p:cNvPr id="10" name="Picture 9">
-            <a:extLst>
-              <a:ext uri="{FF2B5EF4-FFF2-40B4-BE49-F238E27FC236}">
-                <a16:creationId xmlns:a16="http://schemas.microsoft.com/office/drawing/2014/main" id="{A53C48AF-BBD8-4771-3819-37E907BC29E1}"/>
-              </a:ext>
-            </a:extLst>
-          </p:cNvPr>
-          <p:cNvPicPr>
-            <a:picLocks noChangeAspect="1"/>
-          </p:cNvPicPr>
-          <p:nvPr/>
-        </p:nvPicPr>
-        <p:blipFill>
-          <a:blip r:embed="rId3"/>
-          <a:stretch>
-            <a:fillRect/>
-          </a:stretch>
-        </p:blipFill>
-        <p:spPr>
-          <a:xfrm>
-            <a:off x="6348985" y="2749454"/>
-            <a:ext cx="3092526" cy="784228"/>
-          </a:xfrm>
-          <a:prstGeom prst="rect">
-            <a:avLst/>
-          </a:prstGeom>
-        </p:spPr>
-      </p:pic>
-      <p:pic>
-        <p:nvPicPr>
-          <p:cNvPr id="12" name="Picture 11">
-            <a:extLst>
-              <a:ext uri="{FF2B5EF4-FFF2-40B4-BE49-F238E27FC236}">
-                <a16:creationId xmlns:a16="http://schemas.microsoft.com/office/drawing/2014/main" id="{034C1B45-7B2F-DCF8-FE70-6923CAD2B184}"/>
-              </a:ext>
-            </a:extLst>
-          </p:cNvPr>
-          <p:cNvPicPr>
-            <a:picLocks noChangeAspect="1"/>
-          </p:cNvPicPr>
-          <p:nvPr/>
-        </p:nvPicPr>
-        <p:blipFill>
-          <a:blip r:embed="rId4"/>
-          <a:stretch>
-            <a:fillRect/>
-          </a:stretch>
-        </p:blipFill>
-        <p:spPr>
-          <a:xfrm>
-            <a:off x="6018561" y="4352736"/>
-            <a:ext cx="1876687" cy="762106"/>
-          </a:xfrm>
-          <a:prstGeom prst="rect">
-            <a:avLst/>
-          </a:prstGeom>
-        </p:spPr>
-      </p:pic>
-    </p:spTree>
-    <p:extLst>
-      <p:ext uri="{BB962C8B-B14F-4D97-AF65-F5344CB8AC3E}">
-        <p14:creationId xmlns:p14="http://schemas.microsoft.com/office/powerpoint/2010/main" val="4006375415"/>
-      </p:ext>
-    </p:extLst>
-  </p:cSld>
-  <p:clrMapOvr>
-    <a:masterClrMapping/>
-  </p:clrMapOvr>
-  <mc:AlternateContent xmlns:mc="http://schemas.openxmlformats.org/markup-compatibility/2006">
-    <mc:Choice xmlns:p14="http://schemas.microsoft.com/office/powerpoint/2010/main" Requires="p14">
-      <p:transition spd="med" p14:dur="700">
-        <p:fade/>
-      </p:transition>
-    </mc:Choice>
-    <mc:Fallback>
+    <mc:Fallback xmlns="">
       <p:transition spd="med">
         <p:fade/>
       </p:transition>
@@ -7324,10 +9746,10 @@
       </p:grpSpPr>
       <p:sp>
         <p:nvSpPr>
-          <p:cNvPr id="6" name="Title 1">
+          <p:cNvPr id="2" name="Title 1">
             <a:extLst>
               <a:ext uri="{FF2B5EF4-FFF2-40B4-BE49-F238E27FC236}">
-                <a16:creationId xmlns:a16="http://schemas.microsoft.com/office/drawing/2014/main" id="{40E0A1CF-B0FB-8463-838A-02E5D323A3DC}"/>
+                <a16:creationId xmlns:a16="http://schemas.microsoft.com/office/drawing/2014/main" id="{DD28CCBA-9000-87FC-0E8F-A8D5057C592D}"/>
               </a:ext>
             </a:extLst>
           </p:cNvPr>
@@ -7338,12 +9760,7 @@
             <p:ph type="title"/>
           </p:nvPr>
         </p:nvSpPr>
-        <p:spPr>
-          <a:xfrm>
-            <a:off x="677334" y="609600"/>
-            <a:ext cx="8596668" cy="1320800"/>
-          </a:xfrm>
-        </p:spPr>
+        <p:spPr/>
         <p:txBody>
           <a:bodyPr/>
           <a:lstStyle/>
@@ -7353,152 +9770,118 @@
                 <a:latin typeface="Times New Roman" panose="02020603050405020304" pitchFamily="18" charset="0"/>
                 <a:cs typeface="Times New Roman" panose="02020603050405020304" pitchFamily="18" charset="0"/>
               </a:rPr>
-              <a:t>Potential Issues/Challenges</a:t>
-            </a:r>
-          </a:p>
-        </p:txBody>
-      </p:sp>
-      <p:sp>
-        <p:nvSpPr>
-          <p:cNvPr id="7" name="TextBox 6">
+              <a:t>Existing Systems</a:t>
+            </a:r>
+          </a:p>
+        </p:txBody>
+      </p:sp>
+      <p:pic>
+        <p:nvPicPr>
+          <p:cNvPr id="10" name="Picture 9">
             <a:extLst>
               <a:ext uri="{FF2B5EF4-FFF2-40B4-BE49-F238E27FC236}">
-                <a16:creationId xmlns:a16="http://schemas.microsoft.com/office/drawing/2014/main" id="{704E26C2-B848-7A2C-C9FB-65CFA114AD09}"/>
+                <a16:creationId xmlns:a16="http://schemas.microsoft.com/office/drawing/2014/main" id="{A53C48AF-BBD8-4771-3819-37E907BC29E1}"/>
               </a:ext>
             </a:extLst>
           </p:cNvPr>
-          <p:cNvSpPr txBox="1"/>
+          <p:cNvPicPr>
+            <a:picLocks noChangeAspect="1"/>
+          </p:cNvPicPr>
           <p:nvPr/>
-        </p:nvSpPr>
+        </p:nvPicPr>
+        <p:blipFill>
+          <a:blip r:embed="rId2"/>
+          <a:stretch>
+            <a:fillRect/>
+          </a:stretch>
+        </p:blipFill>
         <p:spPr>
           <a:xfrm>
-            <a:off x="677334" y="1930400"/>
-            <a:ext cx="7241370" cy="2585323"/>
+            <a:off x="4209927" y="3209544"/>
+            <a:ext cx="4723659" cy="1197864"/>
           </a:xfrm>
           <a:prstGeom prst="rect">
             <a:avLst/>
           </a:prstGeom>
-          <a:noFill/>
         </p:spPr>
-        <p:txBody>
-          <a:bodyPr wrap="square" rtlCol="0">
-            <a:spAutoFit/>
-          </a:bodyPr>
-          <a:lstStyle/>
-          <a:p>
-            <a:pPr marL="285750" indent="-285750">
-              <a:buFont typeface="Arial" panose="020B0604020202020204" pitchFamily="34" charset="0"/>
-              <a:buChar char="•"/>
-            </a:pPr>
-            <a:r>
-              <a:rPr lang="en-IE" dirty="0">
-                <a:latin typeface="Times New Roman" panose="02020603050405020304" pitchFamily="18" charset="0"/>
-                <a:cs typeface="Times New Roman" panose="02020603050405020304" pitchFamily="18" charset="0"/>
-              </a:rPr>
-              <a:t>This will be a learning curve for me as I will get an opportunity to gain more knowledge about cryptography.</a:t>
-            </a:r>
-          </a:p>
-          <a:p>
-            <a:pPr marL="285750" indent="-285750">
-              <a:buFont typeface="Arial" panose="020B0604020202020204" pitchFamily="34" charset="0"/>
-              <a:buChar char="•"/>
-            </a:pPr>
-            <a:r>
-              <a:rPr lang="en-IE" dirty="0">
-                <a:latin typeface="Times New Roman" panose="02020603050405020304" pitchFamily="18" charset="0"/>
-                <a:cs typeface="Times New Roman" panose="02020603050405020304" pitchFamily="18" charset="0"/>
-              </a:rPr>
-              <a:t>Adhering to the Health Level 7 Standards.</a:t>
-            </a:r>
-          </a:p>
-          <a:p>
-            <a:pPr marL="285750" indent="-285750">
-              <a:buFont typeface="Arial" panose="020B0604020202020204" pitchFamily="34" charset="0"/>
-              <a:buChar char="•"/>
-            </a:pPr>
-            <a:r>
-              <a:rPr lang="en-IE" dirty="0">
-                <a:latin typeface="Times New Roman" panose="02020603050405020304" pitchFamily="18" charset="0"/>
-                <a:cs typeface="Times New Roman" panose="02020603050405020304" pitchFamily="18" charset="0"/>
-              </a:rPr>
-              <a:t>Ease of access and navigation.</a:t>
-            </a:r>
-          </a:p>
-          <a:p>
-            <a:pPr marL="285750" indent="-285750">
-              <a:buFont typeface="Arial" panose="020B0604020202020204" pitchFamily="34" charset="0"/>
-              <a:buChar char="•"/>
-            </a:pPr>
-            <a:r>
-              <a:rPr lang="en-IE" dirty="0">
-                <a:latin typeface="Times New Roman" panose="02020603050405020304" pitchFamily="18" charset="0"/>
-                <a:cs typeface="Times New Roman" panose="02020603050405020304" pitchFamily="18" charset="0"/>
-              </a:rPr>
-              <a:t>Project management and time management to adhere to deadlines.</a:t>
-            </a:r>
-          </a:p>
-          <a:p>
-            <a:pPr marL="285750" indent="-285750">
-              <a:buFont typeface="Arial" panose="020B0604020202020204" pitchFamily="34" charset="0"/>
-              <a:buChar char="•"/>
-            </a:pPr>
-            <a:r>
-              <a:rPr lang="en-IE" dirty="0">
-                <a:latin typeface="Times New Roman" panose="02020603050405020304" pitchFamily="18" charset="0"/>
-                <a:cs typeface="Times New Roman" panose="02020603050405020304" pitchFamily="18" charset="0"/>
-              </a:rPr>
-              <a:t>Complete Core functionality.</a:t>
-            </a:r>
-          </a:p>
-          <a:p>
-            <a:pPr marL="285750" indent="-285750">
-              <a:buFont typeface="Arial" panose="020B0604020202020204" pitchFamily="34" charset="0"/>
-              <a:buChar char="•"/>
-            </a:pPr>
-            <a:endParaRPr lang="en-IE" dirty="0">
-              <a:latin typeface="Times New Roman" panose="02020603050405020304" pitchFamily="18" charset="0"/>
-              <a:cs typeface="Times New Roman" panose="02020603050405020304" pitchFamily="18" charset="0"/>
-            </a:endParaRPr>
-          </a:p>
-          <a:p>
-            <a:pPr marL="285750" indent="-285750">
-              <a:buFont typeface="Arial" panose="020B0604020202020204" pitchFamily="34" charset="0"/>
-              <a:buChar char="•"/>
-            </a:pPr>
-            <a:endParaRPr lang="en-IE" dirty="0">
-              <a:latin typeface="Times New Roman" panose="02020603050405020304" pitchFamily="18" charset="0"/>
-              <a:cs typeface="Times New Roman" panose="02020603050405020304" pitchFamily="18" charset="0"/>
-            </a:endParaRPr>
-          </a:p>
-          <a:p>
-            <a:pPr marL="285750" indent="-285750">
-              <a:buFont typeface="Arial" panose="020B0604020202020204" pitchFamily="34" charset="0"/>
-              <a:buChar char="•"/>
-            </a:pPr>
-            <a:endParaRPr lang="en-IE" dirty="0">
-              <a:latin typeface="Times New Roman" panose="02020603050405020304" pitchFamily="18" charset="0"/>
-              <a:cs typeface="Times New Roman" panose="02020603050405020304" pitchFamily="18" charset="0"/>
-            </a:endParaRPr>
-          </a:p>
-        </p:txBody>
-      </p:sp>
+      </p:pic>
+      <p:pic>
+        <p:nvPicPr>
+          <p:cNvPr id="12" name="Picture 11">
+            <a:extLst>
+              <a:ext uri="{FF2B5EF4-FFF2-40B4-BE49-F238E27FC236}">
+                <a16:creationId xmlns:a16="http://schemas.microsoft.com/office/drawing/2014/main" id="{034C1B45-7B2F-DCF8-FE70-6923CAD2B184}"/>
+              </a:ext>
+            </a:extLst>
+          </p:cNvPr>
+          <p:cNvPicPr>
+            <a:picLocks noChangeAspect="1"/>
+          </p:cNvPicPr>
+          <p:nvPr/>
+        </p:nvPicPr>
+        <p:blipFill>
+          <a:blip r:embed="rId3"/>
+          <a:stretch>
+            <a:fillRect/>
+          </a:stretch>
+        </p:blipFill>
+        <p:spPr>
+          <a:xfrm>
+            <a:off x="1000822" y="4488688"/>
+            <a:ext cx="3538207" cy="1436835"/>
+          </a:xfrm>
+          <a:prstGeom prst="rect">
+            <a:avLst/>
+          </a:prstGeom>
+        </p:spPr>
+      </p:pic>
+      <p:pic>
+        <p:nvPicPr>
+          <p:cNvPr id="3" name="Picture 2">
+            <a:extLst>
+              <a:ext uri="{FF2B5EF4-FFF2-40B4-BE49-F238E27FC236}">
+                <a16:creationId xmlns:a16="http://schemas.microsoft.com/office/drawing/2014/main" id="{C11B4BA3-D785-45CD-82A3-720E01362089}"/>
+              </a:ext>
+            </a:extLst>
+          </p:cNvPr>
+          <p:cNvPicPr>
+            <a:picLocks noChangeAspect="1"/>
+          </p:cNvPicPr>
+          <p:nvPr/>
+        </p:nvPicPr>
+        <p:blipFill>
+          <a:blip r:embed="rId4"/>
+          <a:stretch>
+            <a:fillRect/>
+          </a:stretch>
+        </p:blipFill>
+        <p:spPr>
+          <a:xfrm>
+            <a:off x="1000822" y="1831008"/>
+            <a:ext cx="3263473" cy="1378536"/>
+          </a:xfrm>
+          <a:prstGeom prst="rect">
+            <a:avLst/>
+          </a:prstGeom>
+        </p:spPr>
+      </p:pic>
     </p:spTree>
     <p:extLst>
       <p:ext uri="{BB962C8B-B14F-4D97-AF65-F5344CB8AC3E}">
-        <p14:creationId xmlns:p14="http://schemas.microsoft.com/office/powerpoint/2010/main" val="3850962899"/>
+        <p14:creationId xmlns:p14="http://schemas.microsoft.com/office/powerpoint/2010/main" val="4006375415"/>
       </p:ext>
     </p:extLst>
   </p:cSld>
   <p:clrMapOvr>
     <a:masterClrMapping/>
   </p:clrMapOvr>
-  <mc:AlternateContent xmlns:mc="http://schemas.openxmlformats.org/markup-compatibility/2006">
-    <mc:Choice xmlns:p14="http://schemas.microsoft.com/office/powerpoint/2010/main" Requires="p14">
+  <mc:AlternateContent xmlns:mc="http://schemas.openxmlformats.org/markup-compatibility/2006" xmlns:p14="http://schemas.microsoft.com/office/powerpoint/2010/main">
+    <mc:Choice Requires="p14">
       <p:transition spd="med" p14:dur="700">
         <p:fade/>
       </p:transition>
     </mc:Choice>
-    <mc:Fallback>
+    <mc:Fallback xmlns="">
       <p:transition spd="med">
         <p:fade/>
       </p:transition>
@@ -7526,10 +9909,46 @@
       </p:grpSpPr>
       <p:sp>
         <p:nvSpPr>
-          <p:cNvPr id="5" name="TextBox 4">
+          <p:cNvPr id="6" name="Title 1">
             <a:extLst>
               <a:ext uri="{FF2B5EF4-FFF2-40B4-BE49-F238E27FC236}">
-                <a16:creationId xmlns:a16="http://schemas.microsoft.com/office/drawing/2014/main" id="{5E5BD117-626A-D021-2774-430E5EE65CC2}"/>
+                <a16:creationId xmlns:a16="http://schemas.microsoft.com/office/drawing/2014/main" id="{40E0A1CF-B0FB-8463-838A-02E5D323A3DC}"/>
+              </a:ext>
+            </a:extLst>
+          </p:cNvPr>
+          <p:cNvSpPr>
+            <a:spLocks noGrp="1"/>
+          </p:cNvSpPr>
+          <p:nvPr>
+            <p:ph type="title"/>
+          </p:nvPr>
+        </p:nvSpPr>
+        <p:spPr>
+          <a:xfrm>
+            <a:off x="677334" y="609600"/>
+            <a:ext cx="8596668" cy="1320800"/>
+          </a:xfrm>
+        </p:spPr>
+        <p:txBody>
+          <a:bodyPr/>
+          <a:lstStyle/>
+          <a:p>
+            <a:r>
+              <a:rPr lang="en-IE" dirty="0">
+                <a:latin typeface="Times New Roman" panose="02020603050405020304" pitchFamily="18" charset="0"/>
+                <a:cs typeface="Times New Roman" panose="02020603050405020304" pitchFamily="18" charset="0"/>
+              </a:rPr>
+              <a:t>Potential Issues/Challenges</a:t>
+            </a:r>
+          </a:p>
+        </p:txBody>
+      </p:sp>
+      <p:sp>
+        <p:nvSpPr>
+          <p:cNvPr id="7" name="TextBox 6">
+            <a:extLst>
+              <a:ext uri="{FF2B5EF4-FFF2-40B4-BE49-F238E27FC236}">
+                <a16:creationId xmlns:a16="http://schemas.microsoft.com/office/drawing/2014/main" id="{704E26C2-B848-7A2C-C9FB-65CFA114AD09}"/>
               </a:ext>
             </a:extLst>
           </p:cNvPr>
@@ -7538,8 +9957,8 @@
         </p:nvSpPr>
         <p:spPr>
           <a:xfrm>
-            <a:off x="708660" y="542282"/>
-            <a:ext cx="6099048" cy="1138773"/>
+            <a:off x="677334" y="2094992"/>
+            <a:ext cx="7241370" cy="2031325"/>
           </a:xfrm>
           <a:prstGeom prst="rect">
             <a:avLst/>
@@ -7547,582 +9966,98 @@
           <a:noFill/>
         </p:spPr>
         <p:txBody>
-          <a:bodyPr wrap="square">
-            <a:spAutoFit/>
-          </a:bodyPr>
-          <a:lstStyle/>
-          <a:p>
-            <a:r>
-              <a:rPr lang="en-IE" sz="3600" dirty="0">
-                <a:solidFill>
-                  <a:schemeClr val="accent1">
-                    <a:lumMod val="75000"/>
-                  </a:schemeClr>
-                </a:solidFill>
-                <a:latin typeface="Times New Roman" panose="02020603050405020304" pitchFamily="18" charset="0"/>
-                <a:cs typeface="Times New Roman" panose="02020603050405020304" pitchFamily="18" charset="0"/>
-              </a:rPr>
-              <a:t>References</a:t>
-            </a:r>
-            <a:endParaRPr lang="en-IE" sz="3200" dirty="0">
-              <a:solidFill>
-                <a:schemeClr val="accent1">
-                  <a:lumMod val="75000"/>
-                </a:schemeClr>
-              </a:solidFill>
-              <a:latin typeface="Times New Roman" panose="02020603050405020304" pitchFamily="18" charset="0"/>
-              <a:cs typeface="Times New Roman" panose="02020603050405020304" pitchFamily="18" charset="0"/>
-            </a:endParaRPr>
-          </a:p>
-          <a:p>
-            <a:endParaRPr lang="en-IE" sz="3200" dirty="0">
-              <a:latin typeface="Times New Roman" panose="02020603050405020304" pitchFamily="18" charset="0"/>
-              <a:cs typeface="Times New Roman" panose="02020603050405020304" pitchFamily="18" charset="0"/>
-            </a:endParaRPr>
-          </a:p>
-        </p:txBody>
-      </p:sp>
-      <p:sp>
-        <p:nvSpPr>
-          <p:cNvPr id="7" name="TextBox 6">
-            <a:extLst>
-              <a:ext uri="{FF2B5EF4-FFF2-40B4-BE49-F238E27FC236}">
-                <a16:creationId xmlns:a16="http://schemas.microsoft.com/office/drawing/2014/main" id="{2E091A49-C21B-9637-2E50-9822F2C3D169}"/>
-              </a:ext>
-            </a:extLst>
-          </p:cNvPr>
-          <p:cNvSpPr txBox="1"/>
-          <p:nvPr/>
-        </p:nvSpPr>
-        <p:spPr>
-          <a:xfrm>
-            <a:off x="708660" y="1257597"/>
-            <a:ext cx="7241370" cy="5693866"/>
-          </a:xfrm>
-          <a:prstGeom prst="rect">
-            <a:avLst/>
-          </a:prstGeom>
-          <a:noFill/>
-        </p:spPr>
-        <p:txBody>
           <a:bodyPr wrap="square" rtlCol="0">
             <a:spAutoFit/>
           </a:bodyPr>
           <a:lstStyle/>
           <a:p>
-            <a:r>
-              <a:rPr lang="en-IE" sz="1400" kern="100" dirty="0">
-                <a:effectLst/>
-                <a:latin typeface="Times New Roman" panose="02020603050405020304" pitchFamily="18" charset="0"/>
-                <a:ea typeface="Aptos" panose="020B0004020202020204" pitchFamily="34" charset="0"/>
-                <a:cs typeface="Times New Roman" panose="02020603050405020304" pitchFamily="18" charset="0"/>
-              </a:rPr>
-              <a:t>Pass by </a:t>
-            </a:r>
-            <a:r>
-              <a:rPr lang="en-IE" sz="1400" kern="100" dirty="0" err="1">
-                <a:effectLst/>
-                <a:latin typeface="Times New Roman" panose="02020603050405020304" pitchFamily="18" charset="0"/>
-                <a:ea typeface="Aptos" panose="020B0004020202020204" pitchFamily="34" charset="0"/>
-                <a:cs typeface="Times New Roman" panose="02020603050405020304" pitchFamily="18" charset="0"/>
-              </a:rPr>
-              <a:t>Everylife</a:t>
-            </a:r>
-            <a:r>
-              <a:rPr lang="en-IE" sz="1400" kern="100" dirty="0">
-                <a:effectLst/>
-                <a:latin typeface="Times New Roman" panose="02020603050405020304" pitchFamily="18" charset="0"/>
-                <a:ea typeface="Aptos" panose="020B0004020202020204" pitchFamily="34" charset="0"/>
-                <a:cs typeface="Times New Roman" panose="02020603050405020304" pitchFamily="18" charset="0"/>
-              </a:rPr>
-              <a:t>, 2024. </a:t>
-            </a:r>
-            <a:r>
-              <a:rPr lang="en-IE" sz="1400" i="1" kern="100" dirty="0">
-                <a:effectLst/>
-                <a:latin typeface="Times New Roman" panose="02020603050405020304" pitchFamily="18" charset="0"/>
-                <a:ea typeface="Aptos" panose="020B0004020202020204" pitchFamily="34" charset="0"/>
-                <a:cs typeface="Times New Roman" panose="02020603050405020304" pitchFamily="18" charset="0"/>
-              </a:rPr>
-              <a:t>Pass. </a:t>
-            </a:r>
-            <a:r>
-              <a:rPr lang="en-IE" sz="1400" kern="100" dirty="0">
-                <a:effectLst/>
-                <a:latin typeface="Times New Roman" panose="02020603050405020304" pitchFamily="18" charset="0"/>
-                <a:ea typeface="Aptos" panose="020B0004020202020204" pitchFamily="34" charset="0"/>
-                <a:cs typeface="Times New Roman" panose="02020603050405020304" pitchFamily="18" charset="0"/>
-              </a:rPr>
-              <a:t>[Online] </a:t>
-            </a:r>
-            <a:br>
-              <a:rPr lang="en-IE" sz="1400" kern="100" dirty="0">
-                <a:effectLst/>
-                <a:latin typeface="Times New Roman" panose="02020603050405020304" pitchFamily="18" charset="0"/>
-                <a:ea typeface="Aptos" panose="020B0004020202020204" pitchFamily="34" charset="0"/>
-                <a:cs typeface="Times New Roman" panose="02020603050405020304" pitchFamily="18" charset="0"/>
-              </a:rPr>
-            </a:br>
-            <a:r>
-              <a:rPr lang="en-IE" sz="1400" kern="100" dirty="0">
-                <a:effectLst/>
-                <a:latin typeface="Times New Roman" panose="02020603050405020304" pitchFamily="18" charset="0"/>
-                <a:ea typeface="Aptos" panose="020B0004020202020204" pitchFamily="34" charset="0"/>
-                <a:cs typeface="Times New Roman" panose="02020603050405020304" pitchFamily="18" charset="0"/>
-              </a:rPr>
-              <a:t>Available at: </a:t>
-            </a:r>
-            <a:r>
-              <a:rPr lang="en-IE" sz="1400" u="sng" kern="100" dirty="0">
-                <a:solidFill>
-                  <a:srgbClr val="467886"/>
-                </a:solidFill>
-                <a:effectLst/>
-                <a:latin typeface="Times New Roman" panose="02020603050405020304" pitchFamily="18" charset="0"/>
-                <a:ea typeface="Aptos" panose="020B0004020202020204" pitchFamily="34" charset="0"/>
-                <a:cs typeface="Times New Roman" panose="02020603050405020304" pitchFamily="18" charset="0"/>
-                <a:hlinkClick r:id="rId2"/>
-              </a:rPr>
-              <a:t>https://www.everylifetechnologies.com/</a:t>
-            </a:r>
-            <a:br>
-              <a:rPr lang="en-IE" sz="1400" kern="100" dirty="0">
-                <a:effectLst/>
-                <a:latin typeface="Times New Roman" panose="02020603050405020304" pitchFamily="18" charset="0"/>
-                <a:ea typeface="Aptos" panose="020B0004020202020204" pitchFamily="34" charset="0"/>
-                <a:cs typeface="Times New Roman" panose="02020603050405020304" pitchFamily="18" charset="0"/>
-              </a:rPr>
-            </a:br>
-            <a:r>
-              <a:rPr lang="en-IE" sz="1400" kern="100" dirty="0">
-                <a:effectLst/>
-                <a:latin typeface="Times New Roman" panose="02020603050405020304" pitchFamily="18" charset="0"/>
-                <a:ea typeface="Aptos" panose="020B0004020202020204" pitchFamily="34" charset="0"/>
-                <a:cs typeface="Times New Roman" panose="02020603050405020304" pitchFamily="18" charset="0"/>
-              </a:rPr>
-              <a:t>[Accessed October 2024].</a:t>
-            </a:r>
-          </a:p>
-          <a:p>
-            <a:endParaRPr lang="en-IE" sz="1400" kern="100" dirty="0">
-              <a:effectLst/>
-              <a:latin typeface="Times New Roman" panose="02020603050405020304" pitchFamily="18" charset="0"/>
-              <a:ea typeface="Aptos" panose="020B0004020202020204" pitchFamily="34" charset="0"/>
-              <a:cs typeface="Times New Roman" panose="02020603050405020304" pitchFamily="18" charset="0"/>
-            </a:endParaRPr>
-          </a:p>
-          <a:p>
-            <a:r>
-              <a:rPr lang="en-IE" sz="1400" kern="100" dirty="0">
-                <a:effectLst/>
-                <a:latin typeface="Times New Roman" panose="02020603050405020304" pitchFamily="18" charset="0"/>
-                <a:ea typeface="Aptos" panose="020B0004020202020204" pitchFamily="34" charset="0"/>
-                <a:cs typeface="Times New Roman" panose="02020603050405020304" pitchFamily="18" charset="0"/>
-              </a:rPr>
-              <a:t>Nourish, 2024. </a:t>
-            </a:r>
-            <a:r>
-              <a:rPr lang="en-IE" sz="1400" i="1" kern="100" dirty="0">
-                <a:effectLst/>
-                <a:latin typeface="Times New Roman" panose="02020603050405020304" pitchFamily="18" charset="0"/>
-                <a:ea typeface="Aptos" panose="020B0004020202020204" pitchFamily="34" charset="0"/>
-                <a:cs typeface="Times New Roman" panose="02020603050405020304" pitchFamily="18" charset="0"/>
-              </a:rPr>
-              <a:t>Nourish. </a:t>
-            </a:r>
-            <a:r>
-              <a:rPr lang="en-IE" sz="1400" kern="100" dirty="0">
-                <a:effectLst/>
-                <a:latin typeface="Times New Roman" panose="02020603050405020304" pitchFamily="18" charset="0"/>
-                <a:ea typeface="Aptos" panose="020B0004020202020204" pitchFamily="34" charset="0"/>
-                <a:cs typeface="Times New Roman" panose="02020603050405020304" pitchFamily="18" charset="0"/>
-              </a:rPr>
-              <a:t>[Online] </a:t>
-            </a:r>
-            <a:br>
-              <a:rPr lang="en-IE" sz="1400" kern="100" dirty="0">
-                <a:effectLst/>
-                <a:latin typeface="Times New Roman" panose="02020603050405020304" pitchFamily="18" charset="0"/>
-                <a:ea typeface="Aptos" panose="020B0004020202020204" pitchFamily="34" charset="0"/>
-                <a:cs typeface="Times New Roman" panose="02020603050405020304" pitchFamily="18" charset="0"/>
-              </a:rPr>
-            </a:br>
-            <a:r>
-              <a:rPr lang="en-IE" sz="1400" kern="100" dirty="0">
-                <a:effectLst/>
-                <a:latin typeface="Times New Roman" panose="02020603050405020304" pitchFamily="18" charset="0"/>
-                <a:ea typeface="Aptos" panose="020B0004020202020204" pitchFamily="34" charset="0"/>
-                <a:cs typeface="Times New Roman" panose="02020603050405020304" pitchFamily="18" charset="0"/>
-              </a:rPr>
-              <a:t>Available at: </a:t>
-            </a:r>
-            <a:r>
-              <a:rPr lang="en-IE" sz="1400" u="sng" kern="100" dirty="0">
-                <a:solidFill>
-                  <a:srgbClr val="467886"/>
-                </a:solidFill>
-                <a:effectLst/>
-                <a:latin typeface="Times New Roman" panose="02020603050405020304" pitchFamily="18" charset="0"/>
-                <a:ea typeface="Aptos" panose="020B0004020202020204" pitchFamily="34" charset="0"/>
-                <a:cs typeface="Times New Roman" panose="02020603050405020304" pitchFamily="18" charset="0"/>
-                <a:hlinkClick r:id="rId3"/>
-              </a:rPr>
-              <a:t>https://nourishcare.com/</a:t>
-            </a:r>
-            <a:br>
-              <a:rPr lang="en-IE" sz="1400" kern="100" dirty="0">
-                <a:effectLst/>
-                <a:latin typeface="Times New Roman" panose="02020603050405020304" pitchFamily="18" charset="0"/>
-                <a:ea typeface="Aptos" panose="020B0004020202020204" pitchFamily="34" charset="0"/>
-                <a:cs typeface="Times New Roman" panose="02020603050405020304" pitchFamily="18" charset="0"/>
-              </a:rPr>
-            </a:br>
-            <a:r>
-              <a:rPr lang="en-IE" sz="1400" kern="100" dirty="0">
-                <a:effectLst/>
-                <a:latin typeface="Times New Roman" panose="02020603050405020304" pitchFamily="18" charset="0"/>
-                <a:ea typeface="Aptos" panose="020B0004020202020204" pitchFamily="34" charset="0"/>
-                <a:cs typeface="Times New Roman" panose="02020603050405020304" pitchFamily="18" charset="0"/>
-              </a:rPr>
-              <a:t>[Accessed October 2024].</a:t>
-            </a:r>
-          </a:p>
-          <a:p>
-            <a:endParaRPr lang="en-IE" sz="1400" dirty="0">
-              <a:latin typeface="Times New Roman" panose="02020603050405020304" pitchFamily="18" charset="0"/>
-              <a:cs typeface="Times New Roman" panose="02020603050405020304" pitchFamily="18" charset="0"/>
-            </a:endParaRPr>
-          </a:p>
-          <a:p>
-            <a:r>
-              <a:rPr lang="en-IE" sz="1400" kern="100" dirty="0">
-                <a:effectLst/>
-                <a:latin typeface="Times New Roman" panose="02020603050405020304" pitchFamily="18" charset="0"/>
-                <a:ea typeface="Aptos" panose="020B0004020202020204" pitchFamily="34" charset="0"/>
-                <a:cs typeface="Times New Roman" panose="02020603050405020304" pitchFamily="18" charset="0"/>
-              </a:rPr>
-              <a:t>Log my Care, 2024. </a:t>
-            </a:r>
-            <a:r>
-              <a:rPr lang="en-IE" sz="1400" i="1" kern="100" dirty="0">
-                <a:effectLst/>
-                <a:latin typeface="Times New Roman" panose="02020603050405020304" pitchFamily="18" charset="0"/>
-                <a:ea typeface="Aptos" panose="020B0004020202020204" pitchFamily="34" charset="0"/>
-                <a:cs typeface="Times New Roman" panose="02020603050405020304" pitchFamily="18" charset="0"/>
-              </a:rPr>
-              <a:t>Log my Care. </a:t>
-            </a:r>
-            <a:r>
-              <a:rPr lang="en-IE" sz="1400" kern="100" dirty="0">
-                <a:effectLst/>
-                <a:latin typeface="Times New Roman" panose="02020603050405020304" pitchFamily="18" charset="0"/>
-                <a:ea typeface="Aptos" panose="020B0004020202020204" pitchFamily="34" charset="0"/>
-                <a:cs typeface="Times New Roman" panose="02020603050405020304" pitchFamily="18" charset="0"/>
-              </a:rPr>
-              <a:t>[Online] </a:t>
-            </a:r>
-            <a:br>
-              <a:rPr lang="en-IE" sz="1400" kern="100" dirty="0">
-                <a:effectLst/>
-                <a:latin typeface="Times New Roman" panose="02020603050405020304" pitchFamily="18" charset="0"/>
-                <a:ea typeface="Aptos" panose="020B0004020202020204" pitchFamily="34" charset="0"/>
-                <a:cs typeface="Times New Roman" panose="02020603050405020304" pitchFamily="18" charset="0"/>
-              </a:rPr>
-            </a:br>
-            <a:r>
-              <a:rPr lang="en-IE" sz="1400" kern="100" dirty="0">
-                <a:effectLst/>
-                <a:latin typeface="Times New Roman" panose="02020603050405020304" pitchFamily="18" charset="0"/>
-                <a:ea typeface="Aptos" panose="020B0004020202020204" pitchFamily="34" charset="0"/>
-                <a:cs typeface="Times New Roman" panose="02020603050405020304" pitchFamily="18" charset="0"/>
-              </a:rPr>
-              <a:t>Available at: </a:t>
-            </a:r>
-            <a:r>
-              <a:rPr lang="en-IE" sz="1400" u="sng" kern="100" dirty="0">
-                <a:solidFill>
-                  <a:srgbClr val="467886"/>
-                </a:solidFill>
-                <a:effectLst/>
-                <a:latin typeface="Times New Roman" panose="02020603050405020304" pitchFamily="18" charset="0"/>
-                <a:ea typeface="Aptos" panose="020B0004020202020204" pitchFamily="34" charset="0"/>
-                <a:cs typeface="Times New Roman" panose="02020603050405020304" pitchFamily="18" charset="0"/>
-                <a:hlinkClick r:id="rId4"/>
-              </a:rPr>
-              <a:t>https://www.logmycare.co.uk/</a:t>
-            </a:r>
-            <a:br>
-              <a:rPr lang="en-IE" sz="1400" kern="100" dirty="0">
-                <a:effectLst/>
-                <a:latin typeface="Times New Roman" panose="02020603050405020304" pitchFamily="18" charset="0"/>
-                <a:ea typeface="Aptos" panose="020B0004020202020204" pitchFamily="34" charset="0"/>
-                <a:cs typeface="Times New Roman" panose="02020603050405020304" pitchFamily="18" charset="0"/>
-              </a:rPr>
-            </a:br>
-            <a:r>
-              <a:rPr lang="en-IE" sz="1400" kern="100" dirty="0">
-                <a:effectLst/>
-                <a:latin typeface="Times New Roman" panose="02020603050405020304" pitchFamily="18" charset="0"/>
-                <a:ea typeface="Aptos" panose="020B0004020202020204" pitchFamily="34" charset="0"/>
-                <a:cs typeface="Times New Roman" panose="02020603050405020304" pitchFamily="18" charset="0"/>
-              </a:rPr>
-              <a:t>[Accessed October 2024].</a:t>
-            </a:r>
-          </a:p>
-          <a:p>
-            <a:endParaRPr lang="en-IE" sz="1400" dirty="0">
-              <a:latin typeface="Times New Roman" panose="02020603050405020304" pitchFamily="18" charset="0"/>
-              <a:cs typeface="Times New Roman" panose="02020603050405020304" pitchFamily="18" charset="0"/>
-            </a:endParaRPr>
-          </a:p>
-          <a:p>
-            <a:r>
-              <a:rPr lang="en-IE" sz="1400" kern="100" dirty="0">
-                <a:effectLst/>
-                <a:latin typeface="Times New Roman" panose="02020603050405020304" pitchFamily="18" charset="0"/>
-                <a:ea typeface="Aptos" panose="020B0004020202020204" pitchFamily="34" charset="0"/>
-                <a:cs typeface="Times New Roman" panose="02020603050405020304" pitchFamily="18" charset="0"/>
-              </a:rPr>
-              <a:t>Health Level Seven International, 2024. </a:t>
-            </a:r>
-            <a:r>
-              <a:rPr lang="en-IE" sz="1400" i="1" kern="100" dirty="0">
-                <a:effectLst/>
-                <a:latin typeface="Times New Roman" panose="02020603050405020304" pitchFamily="18" charset="0"/>
-                <a:ea typeface="Aptos" panose="020B0004020202020204" pitchFamily="34" charset="0"/>
-                <a:cs typeface="Times New Roman" panose="02020603050405020304" pitchFamily="18" charset="0"/>
-              </a:rPr>
-              <a:t>Introduction to HL7 Standards. </a:t>
-            </a:r>
-            <a:r>
-              <a:rPr lang="en-IE" sz="1400" kern="100" dirty="0">
-                <a:effectLst/>
-                <a:latin typeface="Times New Roman" panose="02020603050405020304" pitchFamily="18" charset="0"/>
-                <a:ea typeface="Aptos" panose="020B0004020202020204" pitchFamily="34" charset="0"/>
-                <a:cs typeface="Times New Roman" panose="02020603050405020304" pitchFamily="18" charset="0"/>
-              </a:rPr>
-              <a:t>[Online] </a:t>
-            </a:r>
-            <a:br>
-              <a:rPr lang="en-IE" sz="1400" kern="100" dirty="0">
-                <a:effectLst/>
-                <a:latin typeface="Times New Roman" panose="02020603050405020304" pitchFamily="18" charset="0"/>
-                <a:ea typeface="Aptos" panose="020B0004020202020204" pitchFamily="34" charset="0"/>
-                <a:cs typeface="Times New Roman" panose="02020603050405020304" pitchFamily="18" charset="0"/>
-              </a:rPr>
-            </a:br>
-            <a:r>
-              <a:rPr lang="en-IE" sz="1400" kern="100" dirty="0">
-                <a:effectLst/>
-                <a:latin typeface="Times New Roman" panose="02020603050405020304" pitchFamily="18" charset="0"/>
-                <a:ea typeface="Aptos" panose="020B0004020202020204" pitchFamily="34" charset="0"/>
-                <a:cs typeface="Times New Roman" panose="02020603050405020304" pitchFamily="18" charset="0"/>
-              </a:rPr>
-              <a:t>Available at: </a:t>
-            </a:r>
-            <a:r>
-              <a:rPr lang="en-IE" sz="1400" u="sng" kern="100" dirty="0">
-                <a:solidFill>
-                  <a:srgbClr val="467886"/>
-                </a:solidFill>
-                <a:effectLst/>
-                <a:latin typeface="Times New Roman" panose="02020603050405020304" pitchFamily="18" charset="0"/>
-                <a:ea typeface="Aptos" panose="020B0004020202020204" pitchFamily="34" charset="0"/>
-                <a:cs typeface="Times New Roman" panose="02020603050405020304" pitchFamily="18" charset="0"/>
-                <a:hlinkClick r:id="rId5"/>
-              </a:rPr>
-              <a:t>https://www.hl7.org/implement/standards/index.cfm?ref=nav</a:t>
-            </a:r>
-            <a:br>
-              <a:rPr lang="en-IE" sz="1400" kern="100" dirty="0">
-                <a:effectLst/>
-                <a:latin typeface="Times New Roman" panose="02020603050405020304" pitchFamily="18" charset="0"/>
-                <a:ea typeface="Aptos" panose="020B0004020202020204" pitchFamily="34" charset="0"/>
-                <a:cs typeface="Times New Roman" panose="02020603050405020304" pitchFamily="18" charset="0"/>
-              </a:rPr>
-            </a:br>
-            <a:r>
-              <a:rPr lang="en-IE" sz="1400" kern="100" dirty="0">
-                <a:effectLst/>
-                <a:latin typeface="Times New Roman" panose="02020603050405020304" pitchFamily="18" charset="0"/>
-                <a:ea typeface="Aptos" panose="020B0004020202020204" pitchFamily="34" charset="0"/>
-                <a:cs typeface="Times New Roman" panose="02020603050405020304" pitchFamily="18" charset="0"/>
-              </a:rPr>
-              <a:t>[Accessed October 2024].</a:t>
-            </a:r>
-          </a:p>
-          <a:p>
-            <a:endParaRPr lang="en-IE" sz="1400" dirty="0">
-              <a:latin typeface="Times New Roman" panose="02020603050405020304" pitchFamily="18" charset="0"/>
-              <a:cs typeface="Times New Roman" panose="02020603050405020304" pitchFamily="18" charset="0"/>
-            </a:endParaRPr>
-          </a:p>
-          <a:p>
-            <a:r>
-              <a:rPr lang="en-GB" sz="1400" dirty="0">
-                <a:effectLst/>
-                <a:latin typeface="Times New Roman" panose="02020603050405020304" pitchFamily="18" charset="0"/>
-                <a:cs typeface="Times New Roman" panose="02020603050405020304" pitchFamily="18" charset="0"/>
-              </a:rPr>
-              <a:t>(2024a) </a:t>
-            </a:r>
-            <a:r>
-              <a:rPr lang="en-GB" sz="1400" i="1" dirty="0" err="1">
-                <a:effectLst/>
-                <a:latin typeface="Times New Roman" panose="02020603050405020304" pitchFamily="18" charset="0"/>
-                <a:cs typeface="Times New Roman" panose="02020603050405020304" pitchFamily="18" charset="0"/>
-              </a:rPr>
-              <a:t>Freepik</a:t>
-            </a:r>
-            <a:r>
-              <a:rPr lang="en-GB" sz="1400" i="1" dirty="0">
-                <a:effectLst/>
-                <a:latin typeface="Times New Roman" panose="02020603050405020304" pitchFamily="18" charset="0"/>
-                <a:cs typeface="Times New Roman" panose="02020603050405020304" pitchFamily="18" charset="0"/>
-              </a:rPr>
-              <a:t> | create great designs, faster</a:t>
-            </a:r>
-            <a:r>
-              <a:rPr lang="en-GB" sz="1400" dirty="0">
-                <a:effectLst/>
-                <a:latin typeface="Times New Roman" panose="02020603050405020304" pitchFamily="18" charset="0"/>
-                <a:cs typeface="Times New Roman" panose="02020603050405020304" pitchFamily="18" charset="0"/>
-              </a:rPr>
-              <a:t>. </a:t>
-            </a:r>
-          </a:p>
-          <a:p>
-            <a:r>
-              <a:rPr lang="en-GB" sz="1400" dirty="0">
-                <a:effectLst/>
-                <a:latin typeface="Times New Roman" panose="02020603050405020304" pitchFamily="18" charset="0"/>
-                <a:cs typeface="Times New Roman" panose="02020603050405020304" pitchFamily="18" charset="0"/>
-              </a:rPr>
-              <a:t>Available at: </a:t>
-            </a:r>
-            <a:r>
-              <a:rPr lang="en-GB" sz="1400" dirty="0">
-                <a:effectLst/>
-                <a:latin typeface="Times New Roman" panose="02020603050405020304" pitchFamily="18" charset="0"/>
-                <a:cs typeface="Times New Roman" panose="02020603050405020304" pitchFamily="18" charset="0"/>
-                <a:hlinkClick r:id="rId6"/>
-              </a:rPr>
-              <a:t>https://www.freepik.com/ </a:t>
-            </a:r>
-            <a:endParaRPr lang="en-GB" sz="1400" dirty="0">
-              <a:effectLst/>
-              <a:latin typeface="Times New Roman" panose="02020603050405020304" pitchFamily="18" charset="0"/>
-              <a:cs typeface="Times New Roman" panose="02020603050405020304" pitchFamily="18" charset="0"/>
-            </a:endParaRPr>
-          </a:p>
-          <a:p>
-            <a:r>
-              <a:rPr lang="en-GB" sz="1400" dirty="0">
-                <a:effectLst/>
-                <a:latin typeface="Times New Roman" panose="02020603050405020304" pitchFamily="18" charset="0"/>
-                <a:cs typeface="Times New Roman" panose="02020603050405020304" pitchFamily="18" charset="0"/>
-              </a:rPr>
-              <a:t>(Accessed: October 2024). </a:t>
-            </a:r>
-          </a:p>
-          <a:p>
-            <a:endParaRPr lang="en-GB" sz="1400" dirty="0">
-              <a:latin typeface="Times New Roman" panose="02020603050405020304" pitchFamily="18" charset="0"/>
-              <a:cs typeface="Times New Roman" panose="02020603050405020304" pitchFamily="18" charset="0"/>
-            </a:endParaRPr>
-          </a:p>
-          <a:p>
-            <a:r>
-              <a:rPr lang="en-IE" sz="1400" dirty="0">
-                <a:latin typeface="Times New Roman" panose="02020603050405020304" pitchFamily="18" charset="0"/>
-                <a:cs typeface="Times New Roman" panose="02020603050405020304" pitchFamily="18" charset="0"/>
-                <a:hlinkClick r:id="rId7"/>
-              </a:rPr>
-              <a:t>https://www.python.org/</a:t>
-            </a:r>
-            <a:endParaRPr lang="en-IE" sz="1400" dirty="0">
-              <a:latin typeface="Times New Roman" panose="02020603050405020304" pitchFamily="18" charset="0"/>
-              <a:cs typeface="Times New Roman" panose="02020603050405020304" pitchFamily="18" charset="0"/>
-            </a:endParaRPr>
-          </a:p>
-          <a:p>
-            <a:r>
-              <a:rPr lang="en-IE" sz="1400" dirty="0">
-                <a:latin typeface="Times New Roman" panose="02020603050405020304" pitchFamily="18" charset="0"/>
-                <a:cs typeface="Times New Roman" panose="02020603050405020304" pitchFamily="18" charset="0"/>
-                <a:hlinkClick r:id="rId8"/>
-              </a:rPr>
-              <a:t>https://www.djangoproject.com/</a:t>
-            </a:r>
-            <a:endParaRPr lang="en-IE" sz="1400" dirty="0">
-              <a:latin typeface="Times New Roman" panose="02020603050405020304" pitchFamily="18" charset="0"/>
-              <a:cs typeface="Times New Roman" panose="02020603050405020304" pitchFamily="18" charset="0"/>
-            </a:endParaRPr>
-          </a:p>
-          <a:p>
-            <a:r>
-              <a:rPr lang="en-IE" sz="1400" dirty="0">
-                <a:latin typeface="Times New Roman" panose="02020603050405020304" pitchFamily="18" charset="0"/>
-                <a:cs typeface="Times New Roman" panose="02020603050405020304" pitchFamily="18" charset="0"/>
-                <a:hlinkClick r:id="rId9"/>
-              </a:rPr>
-              <a:t>https://mariadb.org/</a:t>
-            </a:r>
-            <a:endParaRPr lang="en-IE" sz="1400" dirty="0">
-              <a:latin typeface="Times New Roman" panose="02020603050405020304" pitchFamily="18" charset="0"/>
-              <a:cs typeface="Times New Roman" panose="02020603050405020304" pitchFamily="18" charset="0"/>
-            </a:endParaRPr>
-          </a:p>
-          <a:p>
-            <a:r>
-              <a:rPr lang="en-IE" sz="1400" dirty="0">
-                <a:latin typeface="Times New Roman" panose="02020603050405020304" pitchFamily="18" charset="0"/>
-                <a:cs typeface="Times New Roman" panose="02020603050405020304" pitchFamily="18" charset="0"/>
-                <a:hlinkClick r:id="rId10"/>
-              </a:rPr>
-              <a:t>https://pypi.org/project/cryptography/</a:t>
-            </a:r>
-            <a:endParaRPr lang="en-GB" sz="1400" dirty="0">
-              <a:effectLst/>
-              <a:latin typeface="Times New Roman" panose="02020603050405020304" pitchFamily="18" charset="0"/>
-              <a:cs typeface="Times New Roman" panose="02020603050405020304" pitchFamily="18" charset="0"/>
-            </a:endParaRPr>
-          </a:p>
-          <a:p>
-            <a:endParaRPr lang="en-IE" sz="1400" dirty="0">
-              <a:latin typeface="Times New Roman" panose="02020603050405020304" pitchFamily="18" charset="0"/>
-              <a:cs typeface="Times New Roman" panose="02020603050405020304" pitchFamily="18" charset="0"/>
-            </a:endParaRPr>
-          </a:p>
-          <a:p>
             <a:pPr marL="285750" indent="-285750">
               <a:buFont typeface="Arial" panose="020B0604020202020204" pitchFamily="34" charset="0"/>
               <a:buChar char="•"/>
             </a:pPr>
-            <a:endParaRPr lang="en-IE" sz="1400" dirty="0">
+            <a:r>
+              <a:rPr lang="en-IE" dirty="0">
+                <a:latin typeface="Times New Roman" panose="02020603050405020304" pitchFamily="18" charset="0"/>
+                <a:cs typeface="Times New Roman" panose="02020603050405020304" pitchFamily="18" charset="0"/>
+              </a:rPr>
+              <a:t>This will be a learning curve for me as I will get an opportunity to gain more knowledge about cryptography.</a:t>
+            </a:r>
+          </a:p>
+          <a:p>
+            <a:pPr marL="285750" indent="-285750">
+              <a:buFont typeface="Arial" panose="020B0604020202020204" pitchFamily="34" charset="0"/>
+              <a:buChar char="•"/>
+            </a:pPr>
+            <a:r>
+              <a:rPr lang="en-IE" dirty="0">
+                <a:latin typeface="Times New Roman" panose="02020603050405020304" pitchFamily="18" charset="0"/>
+                <a:cs typeface="Times New Roman" panose="02020603050405020304" pitchFamily="18" charset="0"/>
+              </a:rPr>
+              <a:t>Adhering to the Health Level 7 Standards. </a:t>
+            </a:r>
+          </a:p>
+          <a:p>
+            <a:pPr marL="285750" indent="-285750">
+              <a:buFont typeface="Arial" panose="020B0604020202020204" pitchFamily="34" charset="0"/>
+              <a:buChar char="•"/>
+            </a:pPr>
+            <a:r>
+              <a:rPr lang="en-IE" dirty="0">
+                <a:latin typeface="Times New Roman" panose="02020603050405020304" pitchFamily="18" charset="0"/>
+                <a:cs typeface="Times New Roman" panose="02020603050405020304" pitchFamily="18" charset="0"/>
+              </a:rPr>
+              <a:t>Time management to adhere to deadlines.</a:t>
+            </a:r>
+          </a:p>
+          <a:p>
+            <a:pPr marL="285750" indent="-285750">
+              <a:buFont typeface="Arial" panose="020B0604020202020204" pitchFamily="34" charset="0"/>
+              <a:buChar char="•"/>
+            </a:pPr>
+            <a:endParaRPr lang="en-IE" dirty="0">
               <a:latin typeface="Times New Roman" panose="02020603050405020304" pitchFamily="18" charset="0"/>
               <a:cs typeface="Times New Roman" panose="02020603050405020304" pitchFamily="18" charset="0"/>
             </a:endParaRPr>
           </a:p>
+          <a:p>
+            <a:pPr marL="285750" indent="-285750">
+              <a:buFont typeface="Arial" panose="020B0604020202020204" pitchFamily="34" charset="0"/>
+              <a:buChar char="•"/>
+            </a:pPr>
+            <a:endParaRPr lang="en-IE" dirty="0">
+              <a:latin typeface="Times New Roman" panose="02020603050405020304" pitchFamily="18" charset="0"/>
+              <a:cs typeface="Times New Roman" panose="02020603050405020304" pitchFamily="18" charset="0"/>
+            </a:endParaRPr>
+          </a:p>
+          <a:p>
+            <a:pPr marL="285750" indent="-285750">
+              <a:buFont typeface="Arial" panose="020B0604020202020204" pitchFamily="34" charset="0"/>
+              <a:buChar char="•"/>
+            </a:pPr>
+            <a:endParaRPr lang="en-IE" dirty="0">
+              <a:latin typeface="Times New Roman" panose="02020603050405020304" pitchFamily="18" charset="0"/>
+              <a:cs typeface="Times New Roman" panose="02020603050405020304" pitchFamily="18" charset="0"/>
+            </a:endParaRPr>
+          </a:p>
         </p:txBody>
       </p:sp>
     </p:spTree>
     <p:extLst>
       <p:ext uri="{BB962C8B-B14F-4D97-AF65-F5344CB8AC3E}">
-        <p14:creationId xmlns:p14="http://schemas.microsoft.com/office/powerpoint/2010/main" val="1204232789"/>
+        <p14:creationId xmlns:p14="http://schemas.microsoft.com/office/powerpoint/2010/main" val="3850962899"/>
       </p:ext>
     </p:extLst>
   </p:cSld>
   <p:clrMapOvr>
     <a:masterClrMapping/>
   </p:clrMapOvr>
-  <mc:AlternateContent xmlns:mc="http://schemas.openxmlformats.org/markup-compatibility/2006">
-    <mc:Choice xmlns:p14="http://schemas.microsoft.com/office/powerpoint/2010/main" Requires="p14">
+  <mc:AlternateContent xmlns:mc="http://schemas.openxmlformats.org/markup-compatibility/2006" xmlns:p14="http://schemas.microsoft.com/office/powerpoint/2010/main">
+    <mc:Choice Requires="p14">
       <p:transition spd="med" p14:dur="700">
         <p:fade/>
       </p:transition>
     </mc:Choice>
-    <mc:Fallback>
+    <mc:Fallback xmlns="">
       <p:transition spd="med">
         <p:fade/>
       </p:transition>
@@ -9737,13 +11672,13 @@
   <p:clrMapOvr>
     <a:masterClrMapping/>
   </p:clrMapOvr>
-  <mc:AlternateContent xmlns:mc="http://schemas.openxmlformats.org/markup-compatibility/2006">
-    <mc:Choice xmlns:p14="http://schemas.microsoft.com/office/powerpoint/2010/main" Requires="p14">
+  <mc:AlternateContent xmlns:mc="http://schemas.openxmlformats.org/markup-compatibility/2006" xmlns:p14="http://schemas.microsoft.com/office/powerpoint/2010/main">
+    <mc:Choice Requires="p14">
       <p:transition spd="med" p14:dur="700">
         <p:fade/>
       </p:transition>
     </mc:Choice>
-    <mc:Fallback>
+    <mc:Fallback xmlns="">
       <p:transition spd="med">
         <p:fade/>
       </p:transition>
@@ -10007,4 +11942,319 @@
     </a:ext>
   </a:extLst>
 </a:theme>
+</file>
+
+<file path=ppt/theme/theme2.xml><?xml version="1.0" encoding="utf-8"?>
+<a:theme xmlns:a="http://schemas.openxmlformats.org/drawingml/2006/main" name="Office Theme">
+  <a:themeElements>
+    <a:clrScheme name="Office">
+      <a:dk1>
+        <a:sysClr val="windowText" lastClr="000000"/>
+      </a:dk1>
+      <a:lt1>
+        <a:sysClr val="window" lastClr="FFFFFF"/>
+      </a:lt1>
+      <a:dk2>
+        <a:srgbClr val="0E2841"/>
+      </a:dk2>
+      <a:lt2>
+        <a:srgbClr val="E8E8E8"/>
+      </a:lt2>
+      <a:accent1>
+        <a:srgbClr val="156082"/>
+      </a:accent1>
+      <a:accent2>
+        <a:srgbClr val="E97132"/>
+      </a:accent2>
+      <a:accent3>
+        <a:srgbClr val="196B24"/>
+      </a:accent3>
+      <a:accent4>
+        <a:srgbClr val="0F9ED5"/>
+      </a:accent4>
+      <a:accent5>
+        <a:srgbClr val="A02B93"/>
+      </a:accent5>
+      <a:accent6>
+        <a:srgbClr val="4EA72E"/>
+      </a:accent6>
+      <a:hlink>
+        <a:srgbClr val="467886"/>
+      </a:hlink>
+      <a:folHlink>
+        <a:srgbClr val="96607D"/>
+      </a:folHlink>
+    </a:clrScheme>
+    <a:fontScheme name="Office">
+      <a:majorFont>
+        <a:latin typeface="Aptos Display" panose="02110004020202020204"/>
+        <a:ea typeface=""/>
+        <a:cs typeface=""/>
+        <a:font script="Jpan" typeface="游ゴシック Light"/>
+        <a:font script="Hang" typeface="맑은 고딕"/>
+        <a:font script="Hans" typeface="等线 Light"/>
+        <a:font script="Hant" typeface="新細明體"/>
+        <a:font script="Arab" typeface="Times New Roman"/>
+        <a:font script="Hebr" typeface="Times New Roman"/>
+        <a:font script="Thai" typeface="Angsana New"/>
+        <a:font script="Ethi" typeface="Nyala"/>
+        <a:font script="Beng" typeface="Vrinda"/>
+        <a:font script="Gujr" typeface="Shruti"/>
+        <a:font script="Khmr" typeface="MoolBoran"/>
+        <a:font script="Knda" typeface="Tunga"/>
+        <a:font script="Guru" typeface="Raavi"/>
+        <a:font script="Cans" typeface="Euphemia"/>
+        <a:font script="Cher" typeface="Plantagenet Cherokee"/>
+        <a:font script="Yiii" typeface="Microsoft Yi Baiti"/>
+        <a:font script="Tibt" typeface="Microsoft Himalaya"/>
+        <a:font script="Thaa" typeface="MV Boli"/>
+        <a:font script="Deva" typeface="Mangal"/>
+        <a:font script="Telu" typeface="Gautami"/>
+        <a:font script="Taml" typeface="Latha"/>
+        <a:font script="Syrc" typeface="Estrangelo Edessa"/>
+        <a:font script="Orya" typeface="Kalinga"/>
+        <a:font script="Mlym" typeface="Kartika"/>
+        <a:font script="Laoo" typeface="DokChampa"/>
+        <a:font script="Sinh" typeface="Iskoola Pota"/>
+        <a:font script="Mong" typeface="Mongolian Baiti"/>
+        <a:font script="Viet" typeface="Times New Roman"/>
+        <a:font script="Uigh" typeface="Microsoft Uighur"/>
+        <a:font script="Geor" typeface="Sylfaen"/>
+        <a:font script="Armn" typeface="Arial"/>
+        <a:font script="Bugi" typeface="Leelawadee UI"/>
+        <a:font script="Bopo" typeface="Microsoft JhengHei"/>
+        <a:font script="Java" typeface="Javanese Text"/>
+        <a:font script="Lisu" typeface="Segoe UI"/>
+        <a:font script="Mymr" typeface="Myanmar Text"/>
+        <a:font script="Nkoo" typeface="Ebrima"/>
+        <a:font script="Olck" typeface="Nirmala UI"/>
+        <a:font script="Osma" typeface="Ebrima"/>
+        <a:font script="Phag" typeface="Phagspa"/>
+        <a:font script="Syrn" typeface="Estrangelo Edessa"/>
+        <a:font script="Syrj" typeface="Estrangelo Edessa"/>
+        <a:font script="Syre" typeface="Estrangelo Edessa"/>
+        <a:font script="Sora" typeface="Nirmala UI"/>
+        <a:font script="Tale" typeface="Microsoft Tai Le"/>
+        <a:font script="Talu" typeface="Microsoft New Tai Lue"/>
+        <a:font script="Tfng" typeface="Ebrima"/>
+      </a:majorFont>
+      <a:minorFont>
+        <a:latin typeface="Aptos" panose="02110004020202020204"/>
+        <a:ea typeface=""/>
+        <a:cs typeface=""/>
+        <a:font script="Jpan" typeface="游ゴシック"/>
+        <a:font script="Hang" typeface="맑은 고딕"/>
+        <a:font script="Hans" typeface="等线"/>
+        <a:font script="Hant" typeface="新細明體"/>
+        <a:font script="Arab" typeface="Arial"/>
+        <a:font script="Hebr" typeface="Arial"/>
+        <a:font script="Thai" typeface="Cordia New"/>
+        <a:font script="Ethi" typeface="Nyala"/>
+        <a:font script="Beng" typeface="Vrinda"/>
+        <a:font script="Gujr" typeface="Shruti"/>
+        <a:font script="Khmr" typeface="DaunPenh"/>
+        <a:font script="Knda" typeface="Tunga"/>
+        <a:font script="Guru" typeface="Raavi"/>
+        <a:font script="Cans" typeface="Euphemia"/>
+        <a:font script="Cher" typeface="Plantagenet Cherokee"/>
+        <a:font script="Yiii" typeface="Microsoft Yi Baiti"/>
+        <a:font script="Tibt" typeface="Microsoft Himalaya"/>
+        <a:font script="Thaa" typeface="MV Boli"/>
+        <a:font script="Deva" typeface="Mangal"/>
+        <a:font script="Telu" typeface="Gautami"/>
+        <a:font script="Taml" typeface="Latha"/>
+        <a:font script="Syrc" typeface="Estrangelo Edessa"/>
+        <a:font script="Orya" typeface="Kalinga"/>
+        <a:font script="Mlym" typeface="Kartika"/>
+        <a:font script="Laoo" typeface="DokChampa"/>
+        <a:font script="Sinh" typeface="Iskoola Pota"/>
+        <a:font script="Mong" typeface="Mongolian Baiti"/>
+        <a:font script="Viet" typeface="Arial"/>
+        <a:font script="Uigh" typeface="Microsoft Uighur"/>
+        <a:font script="Geor" typeface="Sylfaen"/>
+        <a:font script="Armn" typeface="Arial"/>
+        <a:font script="Bugi" typeface="Leelawadee UI"/>
+        <a:font script="Bopo" typeface="Microsoft JhengHei"/>
+        <a:font script="Java" typeface="Javanese Text"/>
+        <a:font script="Lisu" typeface="Segoe UI"/>
+        <a:font script="Mymr" typeface="Myanmar Text"/>
+        <a:font script="Nkoo" typeface="Ebrima"/>
+        <a:font script="Olck" typeface="Nirmala UI"/>
+        <a:font script="Osma" typeface="Ebrima"/>
+        <a:font script="Phag" typeface="Phagspa"/>
+        <a:font script="Syrn" typeface="Estrangelo Edessa"/>
+        <a:font script="Syrj" typeface="Estrangelo Edessa"/>
+        <a:font script="Syre" typeface="Estrangelo Edessa"/>
+        <a:font script="Sora" typeface="Nirmala UI"/>
+        <a:font script="Tale" typeface="Microsoft Tai Le"/>
+        <a:font script="Talu" typeface="Microsoft New Tai Lue"/>
+        <a:font script="Tfng" typeface="Ebrima"/>
+      </a:minorFont>
+    </a:fontScheme>
+    <a:fmtScheme name="Office">
+      <a:fillStyleLst>
+        <a:solidFill>
+          <a:schemeClr val="phClr"/>
+        </a:solidFill>
+        <a:gradFill rotWithShape="1">
+          <a:gsLst>
+            <a:gs pos="0">
+              <a:schemeClr val="phClr">
+                <a:lumMod val="110000"/>
+                <a:satMod val="105000"/>
+                <a:tint val="67000"/>
+              </a:schemeClr>
+            </a:gs>
+            <a:gs pos="50000">
+              <a:schemeClr val="phClr">
+                <a:lumMod val="105000"/>
+                <a:satMod val="103000"/>
+                <a:tint val="73000"/>
+              </a:schemeClr>
+            </a:gs>
+            <a:gs pos="100000">
+              <a:schemeClr val="phClr">
+                <a:lumMod val="105000"/>
+                <a:satMod val="109000"/>
+                <a:tint val="81000"/>
+              </a:schemeClr>
+            </a:gs>
+          </a:gsLst>
+          <a:lin ang="5400000" scaled="0"/>
+        </a:gradFill>
+        <a:gradFill rotWithShape="1">
+          <a:gsLst>
+            <a:gs pos="0">
+              <a:schemeClr val="phClr">
+                <a:satMod val="103000"/>
+                <a:lumMod val="102000"/>
+                <a:tint val="94000"/>
+              </a:schemeClr>
+            </a:gs>
+            <a:gs pos="50000">
+              <a:schemeClr val="phClr">
+                <a:satMod val="110000"/>
+                <a:lumMod val="100000"/>
+                <a:shade val="100000"/>
+              </a:schemeClr>
+            </a:gs>
+            <a:gs pos="100000">
+              <a:schemeClr val="phClr">
+                <a:lumMod val="99000"/>
+                <a:satMod val="120000"/>
+                <a:shade val="78000"/>
+              </a:schemeClr>
+            </a:gs>
+          </a:gsLst>
+          <a:lin ang="5400000" scaled="0"/>
+        </a:gradFill>
+      </a:fillStyleLst>
+      <a:lnStyleLst>
+        <a:ln w="12700" cap="flat" cmpd="sng" algn="ctr">
+          <a:solidFill>
+            <a:schemeClr val="phClr"/>
+          </a:solidFill>
+          <a:prstDash val="solid"/>
+          <a:miter lim="800000"/>
+        </a:ln>
+        <a:ln w="19050" cap="flat" cmpd="sng" algn="ctr">
+          <a:solidFill>
+            <a:schemeClr val="phClr"/>
+          </a:solidFill>
+          <a:prstDash val="solid"/>
+          <a:miter lim="800000"/>
+        </a:ln>
+        <a:ln w="25400" cap="flat" cmpd="sng" algn="ctr">
+          <a:solidFill>
+            <a:schemeClr val="phClr"/>
+          </a:solidFill>
+          <a:prstDash val="solid"/>
+          <a:miter lim="800000"/>
+        </a:ln>
+      </a:lnStyleLst>
+      <a:effectStyleLst>
+        <a:effectStyle>
+          <a:effectLst/>
+        </a:effectStyle>
+        <a:effectStyle>
+          <a:effectLst/>
+        </a:effectStyle>
+        <a:effectStyle>
+          <a:effectLst>
+            <a:outerShdw blurRad="57150" dist="19050" dir="5400000" algn="ctr" rotWithShape="0">
+              <a:srgbClr val="000000">
+                <a:alpha val="63000"/>
+              </a:srgbClr>
+            </a:outerShdw>
+          </a:effectLst>
+        </a:effectStyle>
+      </a:effectStyleLst>
+      <a:bgFillStyleLst>
+        <a:solidFill>
+          <a:schemeClr val="phClr"/>
+        </a:solidFill>
+        <a:solidFill>
+          <a:schemeClr val="phClr">
+            <a:tint val="95000"/>
+            <a:satMod val="170000"/>
+          </a:schemeClr>
+        </a:solidFill>
+        <a:gradFill rotWithShape="1">
+          <a:gsLst>
+            <a:gs pos="0">
+              <a:schemeClr val="phClr">
+                <a:tint val="93000"/>
+                <a:satMod val="150000"/>
+                <a:shade val="98000"/>
+                <a:lumMod val="102000"/>
+              </a:schemeClr>
+            </a:gs>
+            <a:gs pos="50000">
+              <a:schemeClr val="phClr">
+                <a:tint val="98000"/>
+                <a:satMod val="130000"/>
+                <a:shade val="90000"/>
+                <a:lumMod val="103000"/>
+              </a:schemeClr>
+            </a:gs>
+            <a:gs pos="100000">
+              <a:schemeClr val="phClr">
+                <a:shade val="63000"/>
+                <a:satMod val="120000"/>
+              </a:schemeClr>
+            </a:gs>
+          </a:gsLst>
+          <a:lin ang="5400000" scaled="0"/>
+        </a:gradFill>
+      </a:bgFillStyleLst>
+    </a:fmtScheme>
+  </a:themeElements>
+  <a:objectDefaults>
+    <a:lnDef>
+      <a:spPr/>
+      <a:bodyPr/>
+      <a:lstStyle/>
+      <a:style>
+        <a:lnRef idx="2">
+          <a:schemeClr val="accent1"/>
+        </a:lnRef>
+        <a:fillRef idx="0">
+          <a:schemeClr val="accent1"/>
+        </a:fillRef>
+        <a:effectRef idx="1">
+          <a:schemeClr val="accent1"/>
+        </a:effectRef>
+        <a:fontRef idx="minor">
+          <a:schemeClr val="tx1"/>
+        </a:fontRef>
+      </a:style>
+    </a:lnDef>
+  </a:objectDefaults>
+  <a:extraClrSchemeLst/>
+  <a:extLst>
+    <a:ext uri="{05A4C25C-085E-4340-85A3-A5531E510DB2}">
+      <thm15:themeFamily xmlns:thm15="http://schemas.microsoft.com/office/thememl/2012/main" name="Office Theme" id="{2E142A2C-CD16-42D6-873A-C26D2A0506FA}" vid="{1BDDFF52-6CD6-40A5-AB3C-68EB2F1E4D0A}"/>
+    </a:ext>
+  </a:extLst>
+</a:theme>
 </file>